--- a/Tema2/EJEMPLOS NORMALIZACION.pptx
+++ b/Tema2/EJEMPLOS NORMALIZACION.pptx
@@ -2,35 +2,34 @@
 <file path=ppt/presentation.xml><?xml version="1.0" encoding="utf-8"?>
 <p:presentation xmlns:a="http://schemas.openxmlformats.org/drawingml/2006/main" xmlns:r="http://schemas.openxmlformats.org/officeDocument/2006/relationships" xmlns:p="http://schemas.openxmlformats.org/presentationml/2006/main" saveSubsetFonts="1">
   <p:sldMasterIdLst>
-    <p:sldMasterId id="2147483827" r:id="rId1"/>
+    <p:sldMasterId id="2147483839" r:id="rId1"/>
   </p:sldMasterIdLst>
   <p:notesMasterIdLst>
-    <p:notesMasterId r:id="rId14"/>
+    <p:notesMasterId r:id="rId13"/>
   </p:notesMasterIdLst>
   <p:handoutMasterIdLst>
-    <p:handoutMasterId r:id="rId15"/>
+    <p:handoutMasterId r:id="rId14"/>
   </p:handoutMasterIdLst>
   <p:sldIdLst>
     <p:sldId id="431" r:id="rId2"/>
     <p:sldId id="286" r:id="rId3"/>
     <p:sldId id="450" r:id="rId4"/>
-    <p:sldId id="458" r:id="rId5"/>
-    <p:sldId id="459" r:id="rId6"/>
-    <p:sldId id="460" r:id="rId7"/>
-    <p:sldId id="461" r:id="rId8"/>
-    <p:sldId id="462" r:id="rId9"/>
-    <p:sldId id="463" r:id="rId10"/>
-    <p:sldId id="464" r:id="rId11"/>
-    <p:sldId id="465" r:id="rId12"/>
-    <p:sldId id="466" r:id="rId13"/>
+    <p:sldId id="459" r:id="rId5"/>
+    <p:sldId id="460" r:id="rId6"/>
+    <p:sldId id="461" r:id="rId7"/>
+    <p:sldId id="462" r:id="rId8"/>
+    <p:sldId id="463" r:id="rId9"/>
+    <p:sldId id="464" r:id="rId10"/>
+    <p:sldId id="465" r:id="rId11"/>
+    <p:sldId id="466" r:id="rId12"/>
   </p:sldIdLst>
   <p:sldSz cx="9144000" cy="6858000" type="screen4x3"/>
   <p:notesSz cx="6858000" cy="9144000"/>
   <p:defaultTextStyle>
     <a:defPPr>
-      <a:defRPr lang="en-US"/>
+      <a:defRPr lang="es-ES"/>
     </a:defPPr>
-    <a:lvl1pPr marL="0" algn="l" defTabSz="457200" rtl="0" eaLnBrk="1" latinLnBrk="0" hangingPunct="1">
+    <a:lvl1pPr marL="0" algn="l" defTabSz="914400" rtl="0" eaLnBrk="1" latinLnBrk="0" hangingPunct="1">
       <a:defRPr sz="1800" kern="1200">
         <a:solidFill>
           <a:schemeClr val="tx1"/>
@@ -40,7 +39,7 @@
         <a:cs typeface="+mn-cs"/>
       </a:defRPr>
     </a:lvl1pPr>
-    <a:lvl2pPr marL="457200" algn="l" defTabSz="457200" rtl="0" eaLnBrk="1" latinLnBrk="0" hangingPunct="1">
+    <a:lvl2pPr marL="457200" algn="l" defTabSz="914400" rtl="0" eaLnBrk="1" latinLnBrk="0" hangingPunct="1">
       <a:defRPr sz="1800" kern="1200">
         <a:solidFill>
           <a:schemeClr val="tx1"/>
@@ -50,7 +49,7 @@
         <a:cs typeface="+mn-cs"/>
       </a:defRPr>
     </a:lvl2pPr>
-    <a:lvl3pPr marL="914400" algn="l" defTabSz="457200" rtl="0" eaLnBrk="1" latinLnBrk="0" hangingPunct="1">
+    <a:lvl3pPr marL="914400" algn="l" defTabSz="914400" rtl="0" eaLnBrk="1" latinLnBrk="0" hangingPunct="1">
       <a:defRPr sz="1800" kern="1200">
         <a:solidFill>
           <a:schemeClr val="tx1"/>
@@ -60,7 +59,7 @@
         <a:cs typeface="+mn-cs"/>
       </a:defRPr>
     </a:lvl3pPr>
-    <a:lvl4pPr marL="1371600" algn="l" defTabSz="457200" rtl="0" eaLnBrk="1" latinLnBrk="0" hangingPunct="1">
+    <a:lvl4pPr marL="1371600" algn="l" defTabSz="914400" rtl="0" eaLnBrk="1" latinLnBrk="0" hangingPunct="1">
       <a:defRPr sz="1800" kern="1200">
         <a:solidFill>
           <a:schemeClr val="tx1"/>
@@ -70,7 +69,7 @@
         <a:cs typeface="+mn-cs"/>
       </a:defRPr>
     </a:lvl4pPr>
-    <a:lvl5pPr marL="1828800" algn="l" defTabSz="457200" rtl="0" eaLnBrk="1" latinLnBrk="0" hangingPunct="1">
+    <a:lvl5pPr marL="1828800" algn="l" defTabSz="914400" rtl="0" eaLnBrk="1" latinLnBrk="0" hangingPunct="1">
       <a:defRPr sz="1800" kern="1200">
         <a:solidFill>
           <a:schemeClr val="tx1"/>
@@ -80,7 +79,7 @@
         <a:cs typeface="+mn-cs"/>
       </a:defRPr>
     </a:lvl5pPr>
-    <a:lvl6pPr marL="2286000" algn="l" defTabSz="457200" rtl="0" eaLnBrk="1" latinLnBrk="0" hangingPunct="1">
+    <a:lvl6pPr marL="2286000" algn="l" defTabSz="914400" rtl="0" eaLnBrk="1" latinLnBrk="0" hangingPunct="1">
       <a:defRPr sz="1800" kern="1200">
         <a:solidFill>
           <a:schemeClr val="tx1"/>
@@ -90,7 +89,7 @@
         <a:cs typeface="+mn-cs"/>
       </a:defRPr>
     </a:lvl6pPr>
-    <a:lvl7pPr marL="2743200" algn="l" defTabSz="457200" rtl="0" eaLnBrk="1" latinLnBrk="0" hangingPunct="1">
+    <a:lvl7pPr marL="2743200" algn="l" defTabSz="914400" rtl="0" eaLnBrk="1" latinLnBrk="0" hangingPunct="1">
       <a:defRPr sz="1800" kern="1200">
         <a:solidFill>
           <a:schemeClr val="tx1"/>
@@ -100,7 +99,7 @@
         <a:cs typeface="+mn-cs"/>
       </a:defRPr>
     </a:lvl7pPr>
-    <a:lvl8pPr marL="3200400" algn="l" defTabSz="457200" rtl="0" eaLnBrk="1" latinLnBrk="0" hangingPunct="1">
+    <a:lvl8pPr marL="3200400" algn="l" defTabSz="914400" rtl="0" eaLnBrk="1" latinLnBrk="0" hangingPunct="1">
       <a:defRPr sz="1800" kern="1200">
         <a:solidFill>
           <a:schemeClr val="tx1"/>
@@ -110,7 +109,7 @@
         <a:cs typeface="+mn-cs"/>
       </a:defRPr>
     </a:lvl8pPr>
-    <a:lvl9pPr marL="3657600" algn="l" defTabSz="457200" rtl="0" eaLnBrk="1" latinLnBrk="0" hangingPunct="1">
+    <a:lvl9pPr marL="3657600" algn="l" defTabSz="914400" rtl="0" eaLnBrk="1" latinLnBrk="0" hangingPunct="1">
       <a:defRPr sz="1800" kern="1200">
         <a:solidFill>
           <a:schemeClr val="tx1"/>
@@ -912,10 +911,18 @@
         <a:lstStyle/>
         <a:p>
           <a:r>
-            <a:rPr lang="es-ES" b="1" dirty="0"/>
+            <a:rPr lang="es-ES" b="1" dirty="0">
+              <a:solidFill>
+                <a:schemeClr val="tx1"/>
+              </a:solidFill>
+            </a:rPr>
             <a:t>PROCESO DE NORMALIZACIÓN</a:t>
           </a:r>
-          <a:endParaRPr lang="en-US" dirty="0"/>
+          <a:endParaRPr lang="en-US" dirty="0">
+            <a:solidFill>
+              <a:schemeClr val="tx1"/>
+            </a:solidFill>
+          </a:endParaRPr>
         </a:p>
       </dgm:t>
     </dgm:pt>
@@ -926,7 +933,11 @@
         <a:bodyPr/>
         <a:lstStyle/>
         <a:p>
-          <a:endParaRPr lang="en-US"/>
+          <a:endParaRPr lang="en-US">
+            <a:solidFill>
+              <a:schemeClr val="tx1"/>
+            </a:solidFill>
+          </a:endParaRPr>
         </a:p>
       </dgm:t>
     </dgm:pt>
@@ -937,7 +948,11 @@
         <a:bodyPr/>
         <a:lstStyle/>
         <a:p>
-          <a:endParaRPr lang="en-US"/>
+          <a:endParaRPr lang="en-US">
+            <a:solidFill>
+              <a:schemeClr val="tx1"/>
+            </a:solidFill>
+          </a:endParaRPr>
         </a:p>
       </dgm:t>
     </dgm:pt>
@@ -952,7 +967,7 @@
           <a:r>
             <a:rPr lang="en-US" sz="2400" b="0" dirty="0" err="1">
               <a:solidFill>
-                <a:schemeClr val="bg1"/>
+                <a:schemeClr val="tx1"/>
               </a:solidFill>
               <a:effectLst/>
             </a:rPr>
@@ -961,7 +976,7 @@
           <a:r>
             <a:rPr lang="en-US" sz="2400" b="0" dirty="0">
               <a:solidFill>
-                <a:schemeClr val="bg1"/>
+                <a:schemeClr val="tx1"/>
               </a:solidFill>
               <a:effectLst/>
             </a:rPr>
@@ -970,7 +985,7 @@
           <a:r>
             <a:rPr lang="en-US" sz="2400" b="0" dirty="0" err="1">
               <a:solidFill>
-                <a:schemeClr val="bg1"/>
+                <a:schemeClr val="tx1"/>
               </a:solidFill>
               <a:effectLst/>
             </a:rPr>
@@ -979,7 +994,7 @@
           <a:r>
             <a:rPr lang="en-US" sz="2400" b="0" dirty="0">
               <a:solidFill>
-                <a:schemeClr val="bg1"/>
+                <a:schemeClr val="tx1"/>
               </a:solidFill>
               <a:effectLst/>
             </a:rPr>
@@ -988,7 +1003,7 @@
           <a:r>
             <a:rPr lang="en-US" sz="2400" b="0" dirty="0" err="1">
               <a:solidFill>
-                <a:schemeClr val="bg1"/>
+                <a:schemeClr val="tx1"/>
               </a:solidFill>
               <a:effectLst/>
             </a:rPr>
@@ -997,7 +1012,7 @@
           <a:r>
             <a:rPr lang="en-US" sz="2400" b="0" dirty="0">
               <a:solidFill>
-                <a:schemeClr val="bg1"/>
+                <a:schemeClr val="tx1"/>
               </a:solidFill>
               <a:effectLst/>
             </a:rPr>
@@ -1006,7 +1021,7 @@
           <a:r>
             <a:rPr lang="en-US" sz="2400" b="0" dirty="0" err="1">
               <a:solidFill>
-                <a:schemeClr val="bg1"/>
+                <a:schemeClr val="tx1"/>
               </a:solidFill>
               <a:effectLst/>
             </a:rPr>
@@ -1015,7 +1030,7 @@
           <a:r>
             <a:rPr lang="en-US" sz="2400" b="0" dirty="0">
               <a:solidFill>
-                <a:schemeClr val="bg1"/>
+                <a:schemeClr val="tx1"/>
               </a:solidFill>
               <a:effectLst/>
             </a:rPr>
@@ -1024,7 +1039,7 @@
           <a:r>
             <a:rPr lang="en-US" sz="2400" b="0" dirty="0" err="1">
               <a:solidFill>
-                <a:schemeClr val="bg1"/>
+                <a:schemeClr val="tx1"/>
               </a:solidFill>
               <a:effectLst/>
             </a:rPr>
@@ -1033,7 +1048,7 @@
           <a:r>
             <a:rPr lang="en-US" sz="2400" b="0" dirty="0">
               <a:solidFill>
-                <a:schemeClr val="bg1"/>
+                <a:schemeClr val="tx1"/>
               </a:solidFill>
               <a:effectLst/>
             </a:rPr>
@@ -1042,7 +1057,7 @@
           <a:r>
             <a:rPr lang="en-US" sz="2400" b="0" dirty="0" err="1">
               <a:solidFill>
-                <a:schemeClr val="bg1"/>
+                <a:schemeClr val="tx1"/>
               </a:solidFill>
               <a:effectLst/>
             </a:rPr>
@@ -1051,7 +1066,7 @@
           <a:r>
             <a:rPr lang="en-US" sz="2400" b="0" dirty="0">
               <a:solidFill>
-                <a:schemeClr val="bg1"/>
+                <a:schemeClr val="tx1"/>
               </a:solidFill>
               <a:effectLst/>
             </a:rPr>
@@ -1060,7 +1075,7 @@
           <a:r>
             <a:rPr lang="en-US" sz="2400" b="0" dirty="0" err="1">
               <a:solidFill>
-                <a:schemeClr val="bg1"/>
+                <a:schemeClr val="tx1"/>
               </a:solidFill>
               <a:effectLst/>
             </a:rPr>
@@ -1069,7 +1084,7 @@
           <a:r>
             <a:rPr lang="en-US" sz="2400" b="0" dirty="0">
               <a:solidFill>
-                <a:schemeClr val="bg1"/>
+                <a:schemeClr val="tx1"/>
               </a:solidFill>
               <a:effectLst/>
             </a:rPr>
@@ -1078,7 +1093,7 @@
           <a:r>
             <a:rPr lang="en-US" sz="2400" b="0" dirty="0" err="1">
               <a:solidFill>
-                <a:schemeClr val="bg1"/>
+                <a:schemeClr val="tx1"/>
               </a:solidFill>
               <a:effectLst/>
             </a:rPr>
@@ -1087,7 +1102,7 @@
           <a:r>
             <a:rPr lang="en-US" sz="2400" b="0" dirty="0">
               <a:solidFill>
-                <a:schemeClr val="bg1"/>
+                <a:schemeClr val="tx1"/>
               </a:solidFill>
               <a:effectLst/>
             </a:rPr>
@@ -1096,7 +1111,7 @@
           <a:r>
             <a:rPr lang="en-US" sz="2400" b="0" dirty="0" err="1">
               <a:solidFill>
-                <a:schemeClr val="bg1"/>
+                <a:schemeClr val="tx1"/>
               </a:solidFill>
               <a:effectLst/>
             </a:rPr>
@@ -1105,7 +1120,7 @@
           <a:r>
             <a:rPr lang="en-US" sz="2400" b="0" dirty="0">
               <a:solidFill>
-                <a:schemeClr val="bg1"/>
+                <a:schemeClr val="tx1"/>
               </a:solidFill>
               <a:effectLst/>
             </a:rPr>
@@ -1114,7 +1129,7 @@
           <a:r>
             <a:rPr lang="en-US" sz="2400" b="0" dirty="0" err="1">
               <a:solidFill>
-                <a:schemeClr val="bg1"/>
+                <a:schemeClr val="tx1"/>
               </a:solidFill>
               <a:effectLst/>
             </a:rPr>
@@ -1123,7 +1138,7 @@
           <a:r>
             <a:rPr lang="en-US" sz="2400" b="0" dirty="0">
               <a:solidFill>
-                <a:schemeClr val="bg1"/>
+                <a:schemeClr val="tx1"/>
               </a:solidFill>
               <a:effectLst/>
             </a:rPr>
@@ -1132,7 +1147,7 @@
           <a:r>
             <a:rPr lang="en-US" sz="2400" b="0" dirty="0" err="1">
               <a:solidFill>
-                <a:schemeClr val="bg1"/>
+                <a:schemeClr val="tx1"/>
               </a:solidFill>
               <a:effectLst/>
             </a:rPr>
@@ -1141,7 +1156,7 @@
           <a:r>
             <a:rPr lang="en-US" sz="2400" b="0" dirty="0">
               <a:solidFill>
-                <a:schemeClr val="bg1"/>
+                <a:schemeClr val="tx1"/>
               </a:solidFill>
               <a:effectLst/>
             </a:rPr>
@@ -1150,7 +1165,7 @@
           <a:r>
             <a:rPr lang="en-US" sz="2400" b="0" dirty="0" err="1">
               <a:solidFill>
-                <a:schemeClr val="bg1"/>
+                <a:schemeClr val="tx1"/>
               </a:solidFill>
               <a:effectLst/>
             </a:rPr>
@@ -1159,7 +1174,7 @@
           <a:r>
             <a:rPr lang="en-US" sz="2400" b="0" dirty="0">
               <a:solidFill>
-                <a:schemeClr val="bg1"/>
+                <a:schemeClr val="tx1"/>
               </a:solidFill>
               <a:effectLst/>
             </a:rPr>
@@ -1175,7 +1190,11 @@
         <a:bodyPr/>
         <a:lstStyle/>
         <a:p>
-          <a:endParaRPr lang="es-ES"/>
+          <a:endParaRPr lang="es-ES">
+            <a:solidFill>
+              <a:schemeClr val="tx1"/>
+            </a:solidFill>
+          </a:endParaRPr>
         </a:p>
       </dgm:t>
     </dgm:pt>
@@ -1186,7 +1205,11 @@
         <a:bodyPr/>
         <a:lstStyle/>
         <a:p>
-          <a:endParaRPr lang="es-ES"/>
+          <a:endParaRPr lang="es-ES">
+            <a:solidFill>
+              <a:schemeClr val="tx1"/>
+            </a:solidFill>
+          </a:endParaRPr>
         </a:p>
       </dgm:t>
     </dgm:pt>
@@ -1201,7 +1224,7 @@
           <a:r>
             <a:rPr lang="en-US" sz="2400" b="0" dirty="0" err="1">
               <a:solidFill>
-                <a:schemeClr val="bg1"/>
+                <a:schemeClr val="tx1"/>
               </a:solidFill>
               <a:effectLst/>
             </a:rPr>
@@ -1210,7 +1233,7 @@
           <a:r>
             <a:rPr lang="en-US" sz="2400" b="0" dirty="0">
               <a:solidFill>
-                <a:schemeClr val="bg1"/>
+                <a:schemeClr val="tx1"/>
               </a:solidFill>
               <a:effectLst/>
             </a:rPr>
@@ -1219,7 +1242,7 @@
           <a:r>
             <a:rPr lang="en-US" sz="2400" b="0" dirty="0" err="1">
               <a:solidFill>
-                <a:schemeClr val="bg1"/>
+                <a:schemeClr val="tx1"/>
               </a:solidFill>
               <a:effectLst/>
             </a:rPr>
@@ -1228,7 +1251,7 @@
           <a:r>
             <a:rPr lang="en-US" sz="2400" b="0" dirty="0">
               <a:solidFill>
-                <a:schemeClr val="bg1"/>
+                <a:schemeClr val="tx1"/>
               </a:solidFill>
               <a:effectLst/>
             </a:rPr>
@@ -1237,7 +1260,7 @@
           <a:r>
             <a:rPr lang="en-US" sz="2400" b="0" dirty="0" err="1">
               <a:solidFill>
-                <a:schemeClr val="bg1"/>
+                <a:schemeClr val="tx1"/>
               </a:solidFill>
               <a:effectLst/>
             </a:rPr>
@@ -1246,7 +1269,7 @@
           <a:r>
             <a:rPr lang="en-US" sz="2400" b="0" dirty="0">
               <a:solidFill>
-                <a:schemeClr val="bg1"/>
+                <a:schemeClr val="tx1"/>
               </a:solidFill>
               <a:effectLst/>
             </a:rPr>
@@ -1255,7 +1278,7 @@
           <a:r>
             <a:rPr lang="en-US" sz="2400" b="0" dirty="0" err="1">
               <a:solidFill>
-                <a:schemeClr val="bg1"/>
+                <a:schemeClr val="tx1"/>
               </a:solidFill>
               <a:effectLst/>
             </a:rPr>
@@ -1264,7 +1287,7 @@
           <a:r>
             <a:rPr lang="en-US" sz="2400" b="0" dirty="0">
               <a:solidFill>
-                <a:schemeClr val="bg1"/>
+                <a:schemeClr val="tx1"/>
               </a:solidFill>
               <a:effectLst/>
             </a:rPr>
@@ -1273,7 +1296,7 @@
           <a:r>
             <a:rPr lang="en-US" sz="2400" b="0" dirty="0" err="1">
               <a:solidFill>
-                <a:schemeClr val="bg1"/>
+                <a:schemeClr val="tx1"/>
               </a:solidFill>
               <a:effectLst/>
             </a:rPr>
@@ -1282,7 +1305,7 @@
           <a:r>
             <a:rPr lang="en-US" sz="2400" b="0" dirty="0">
               <a:solidFill>
-                <a:schemeClr val="bg1"/>
+                <a:schemeClr val="tx1"/>
               </a:solidFill>
               <a:effectLst/>
             </a:rPr>
@@ -1291,7 +1314,7 @@
           <a:r>
             <a:rPr lang="en-US" sz="2400" b="0" dirty="0" err="1">
               <a:solidFill>
-                <a:schemeClr val="bg1"/>
+                <a:schemeClr val="tx1"/>
               </a:solidFill>
               <a:effectLst/>
             </a:rPr>
@@ -1300,7 +1323,7 @@
           <a:r>
             <a:rPr lang="en-US" sz="2400" b="0" dirty="0">
               <a:solidFill>
-                <a:schemeClr val="bg1"/>
+                <a:schemeClr val="tx1"/>
               </a:solidFill>
               <a:effectLst/>
             </a:rPr>
@@ -1309,7 +1332,7 @@
           <a:r>
             <a:rPr lang="en-US" sz="2400" b="0" dirty="0" err="1">
               <a:solidFill>
-                <a:schemeClr val="bg1"/>
+                <a:schemeClr val="tx1"/>
               </a:solidFill>
               <a:effectLst/>
             </a:rPr>
@@ -1318,7 +1341,7 @@
           <a:r>
             <a:rPr lang="en-US" sz="2400" b="0" dirty="0">
               <a:solidFill>
-                <a:schemeClr val="bg1"/>
+                <a:schemeClr val="tx1"/>
               </a:solidFill>
               <a:effectLst/>
             </a:rPr>
@@ -1327,7 +1350,7 @@
           <a:r>
             <a:rPr lang="en-US" sz="2400" b="0" dirty="0" err="1">
               <a:solidFill>
-                <a:schemeClr val="bg1"/>
+                <a:schemeClr val="tx1"/>
               </a:solidFill>
               <a:effectLst/>
             </a:rPr>
@@ -1336,7 +1359,7 @@
           <a:r>
             <a:rPr lang="en-US" sz="2400" b="0" dirty="0">
               <a:solidFill>
-                <a:schemeClr val="bg1"/>
+                <a:schemeClr val="tx1"/>
               </a:solidFill>
               <a:effectLst/>
             </a:rPr>
@@ -1352,7 +1375,11 @@
         <a:bodyPr/>
         <a:lstStyle/>
         <a:p>
-          <a:endParaRPr lang="es-ES"/>
+          <a:endParaRPr lang="es-ES">
+            <a:solidFill>
+              <a:schemeClr val="tx1"/>
+            </a:solidFill>
+          </a:endParaRPr>
         </a:p>
       </dgm:t>
     </dgm:pt>
@@ -1363,7 +1390,11 @@
         <a:bodyPr/>
         <a:lstStyle/>
         <a:p>
-          <a:endParaRPr lang="es-ES"/>
+          <a:endParaRPr lang="es-ES">
+            <a:solidFill>
+              <a:schemeClr val="tx1"/>
+            </a:solidFill>
+          </a:endParaRPr>
         </a:p>
       </dgm:t>
     </dgm:pt>
@@ -1377,7 +1408,7 @@
           <a:pPr algn="just"/>
           <a:endParaRPr lang="en-US" sz="2400" b="0" dirty="0">
             <a:solidFill>
-              <a:schemeClr val="bg1"/>
+              <a:schemeClr val="tx1"/>
             </a:solidFill>
             <a:effectLst/>
           </a:endParaRPr>
@@ -1391,7 +1422,11 @@
         <a:bodyPr/>
         <a:lstStyle/>
         <a:p>
-          <a:endParaRPr lang="es-ES"/>
+          <a:endParaRPr lang="es-ES">
+            <a:solidFill>
+              <a:schemeClr val="tx1"/>
+            </a:solidFill>
+          </a:endParaRPr>
         </a:p>
       </dgm:t>
     </dgm:pt>
@@ -1402,7 +1437,11 @@
         <a:bodyPr/>
         <a:lstStyle/>
         <a:p>
-          <a:endParaRPr lang="es-ES"/>
+          <a:endParaRPr lang="es-ES">
+            <a:solidFill>
+              <a:schemeClr val="tx1"/>
+            </a:solidFill>
+          </a:endParaRPr>
         </a:p>
       </dgm:t>
     </dgm:pt>
@@ -1488,8 +1527,8 @@
       </dsp:nvSpPr>
       <dsp:spPr>
         <a:xfrm>
-          <a:off x="0" y="1412753"/>
-          <a:ext cx="7920880" cy="3385410"/>
+          <a:off x="0" y="1570398"/>
+          <a:ext cx="7920880" cy="3106825"/>
         </a:xfrm>
         <a:prstGeom prst="rect">
           <a:avLst/>
@@ -1503,7 +1542,7 @@
             <a:alphaOff val="0"/>
           </a:schemeClr>
         </a:solidFill>
-        <a:ln w="13970" cap="flat" cmpd="sng" algn="ctr">
+        <a:ln w="19050" cap="flat" cmpd="sng" algn="ctr">
           <a:solidFill>
             <a:schemeClr val="accent1">
               <a:hueOff val="0"/>
@@ -1513,6 +1552,7 @@
             </a:schemeClr>
           </a:solidFill>
           <a:prstDash val="solid"/>
+          <a:miter lim="800000"/>
         </a:ln>
         <a:effectLst/>
       </dsp:spPr>
@@ -1529,7 +1569,7 @@
         <a:fontRef idx="minor"/>
       </dsp:style>
       <dsp:txBody>
-        <a:bodyPr spcFirstLastPara="0" vert="horz" wrap="square" lIns="614748" tIns="395732" rIns="614748" bIns="170688" numCol="1" spcCol="1270" anchor="t" anchorCtr="0">
+        <a:bodyPr spcFirstLastPara="0" vert="horz" wrap="square" lIns="614748" tIns="458216" rIns="614748" bIns="170688" numCol="1" spcCol="1270" anchor="t" anchorCtr="0">
           <a:noAutofit/>
         </a:bodyPr>
         <a:lstStyle/>
@@ -1549,7 +1589,7 @@
           <a:r>
             <a:rPr lang="en-US" sz="2400" b="0" kern="1200" dirty="0" err="1">
               <a:solidFill>
-                <a:schemeClr val="bg1"/>
+                <a:schemeClr val="tx1"/>
               </a:solidFill>
               <a:effectLst/>
             </a:rPr>
@@ -1558,7 +1598,7 @@
           <a:r>
             <a:rPr lang="en-US" sz="2400" b="0" kern="1200" dirty="0">
               <a:solidFill>
-                <a:schemeClr val="bg1"/>
+                <a:schemeClr val="tx1"/>
               </a:solidFill>
               <a:effectLst/>
             </a:rPr>
@@ -1567,7 +1607,7 @@
           <a:r>
             <a:rPr lang="en-US" sz="2400" b="0" kern="1200" dirty="0" err="1">
               <a:solidFill>
-                <a:schemeClr val="bg1"/>
+                <a:schemeClr val="tx1"/>
               </a:solidFill>
               <a:effectLst/>
             </a:rPr>
@@ -1576,7 +1616,7 @@
           <a:r>
             <a:rPr lang="en-US" sz="2400" b="0" kern="1200" dirty="0">
               <a:solidFill>
-                <a:schemeClr val="bg1"/>
+                <a:schemeClr val="tx1"/>
               </a:solidFill>
               <a:effectLst/>
             </a:rPr>
@@ -1585,7 +1625,7 @@
           <a:r>
             <a:rPr lang="en-US" sz="2400" b="0" kern="1200" dirty="0" err="1">
               <a:solidFill>
-                <a:schemeClr val="bg1"/>
+                <a:schemeClr val="tx1"/>
               </a:solidFill>
               <a:effectLst/>
             </a:rPr>
@@ -1594,7 +1634,7 @@
           <a:r>
             <a:rPr lang="en-US" sz="2400" b="0" kern="1200" dirty="0">
               <a:solidFill>
-                <a:schemeClr val="bg1"/>
+                <a:schemeClr val="tx1"/>
               </a:solidFill>
               <a:effectLst/>
             </a:rPr>
@@ -1603,7 +1643,7 @@
           <a:r>
             <a:rPr lang="en-US" sz="2400" b="0" kern="1200" dirty="0" err="1">
               <a:solidFill>
-                <a:schemeClr val="bg1"/>
+                <a:schemeClr val="tx1"/>
               </a:solidFill>
               <a:effectLst/>
             </a:rPr>
@@ -1612,7 +1652,7 @@
           <a:r>
             <a:rPr lang="en-US" sz="2400" b="0" kern="1200" dirty="0">
               <a:solidFill>
-                <a:schemeClr val="bg1"/>
+                <a:schemeClr val="tx1"/>
               </a:solidFill>
               <a:effectLst/>
             </a:rPr>
@@ -1621,7 +1661,7 @@
           <a:r>
             <a:rPr lang="en-US" sz="2400" b="0" kern="1200" dirty="0" err="1">
               <a:solidFill>
-                <a:schemeClr val="bg1"/>
+                <a:schemeClr val="tx1"/>
               </a:solidFill>
               <a:effectLst/>
             </a:rPr>
@@ -1630,7 +1670,7 @@
           <a:r>
             <a:rPr lang="en-US" sz="2400" b="0" kern="1200" dirty="0">
               <a:solidFill>
-                <a:schemeClr val="bg1"/>
+                <a:schemeClr val="tx1"/>
               </a:solidFill>
               <a:effectLst/>
             </a:rPr>
@@ -1639,7 +1679,7 @@
           <a:r>
             <a:rPr lang="en-US" sz="2400" b="0" kern="1200" dirty="0" err="1">
               <a:solidFill>
-                <a:schemeClr val="bg1"/>
+                <a:schemeClr val="tx1"/>
               </a:solidFill>
               <a:effectLst/>
             </a:rPr>
@@ -1648,7 +1688,7 @@
           <a:r>
             <a:rPr lang="en-US" sz="2400" b="0" kern="1200" dirty="0">
               <a:solidFill>
-                <a:schemeClr val="bg1"/>
+                <a:schemeClr val="tx1"/>
               </a:solidFill>
               <a:effectLst/>
             </a:rPr>
@@ -1657,7 +1697,7 @@
           <a:r>
             <a:rPr lang="en-US" sz="2400" b="0" kern="1200" dirty="0" err="1">
               <a:solidFill>
-                <a:schemeClr val="bg1"/>
+                <a:schemeClr val="tx1"/>
               </a:solidFill>
               <a:effectLst/>
             </a:rPr>
@@ -1666,7 +1706,7 @@
           <a:r>
             <a:rPr lang="en-US" sz="2400" b="0" kern="1200" dirty="0">
               <a:solidFill>
-                <a:schemeClr val="bg1"/>
+                <a:schemeClr val="tx1"/>
               </a:solidFill>
               <a:effectLst/>
             </a:rPr>
@@ -1675,7 +1715,7 @@
           <a:r>
             <a:rPr lang="en-US" sz="2400" b="0" kern="1200" dirty="0" err="1">
               <a:solidFill>
-                <a:schemeClr val="bg1"/>
+                <a:schemeClr val="tx1"/>
               </a:solidFill>
               <a:effectLst/>
             </a:rPr>
@@ -1684,7 +1724,7 @@
           <a:r>
             <a:rPr lang="en-US" sz="2400" b="0" kern="1200" dirty="0">
               <a:solidFill>
-                <a:schemeClr val="bg1"/>
+                <a:schemeClr val="tx1"/>
               </a:solidFill>
               <a:effectLst/>
             </a:rPr>
@@ -1693,7 +1733,7 @@
           <a:r>
             <a:rPr lang="en-US" sz="2400" b="0" kern="1200" dirty="0" err="1">
               <a:solidFill>
-                <a:schemeClr val="bg1"/>
+                <a:schemeClr val="tx1"/>
               </a:solidFill>
               <a:effectLst/>
             </a:rPr>
@@ -1702,7 +1742,7 @@
           <a:r>
             <a:rPr lang="en-US" sz="2400" b="0" kern="1200" dirty="0">
               <a:solidFill>
-                <a:schemeClr val="bg1"/>
+                <a:schemeClr val="tx1"/>
               </a:solidFill>
               <a:effectLst/>
             </a:rPr>
@@ -1711,7 +1751,7 @@
           <a:r>
             <a:rPr lang="en-US" sz="2400" b="0" kern="1200" dirty="0" err="1">
               <a:solidFill>
-                <a:schemeClr val="bg1"/>
+                <a:schemeClr val="tx1"/>
               </a:solidFill>
               <a:effectLst/>
             </a:rPr>
@@ -1720,7 +1760,7 @@
           <a:r>
             <a:rPr lang="en-US" sz="2400" b="0" kern="1200" dirty="0">
               <a:solidFill>
-                <a:schemeClr val="bg1"/>
+                <a:schemeClr val="tx1"/>
               </a:solidFill>
               <a:effectLst/>
             </a:rPr>
@@ -1729,7 +1769,7 @@
           <a:r>
             <a:rPr lang="en-US" sz="2400" b="0" kern="1200" dirty="0" err="1">
               <a:solidFill>
-                <a:schemeClr val="bg1"/>
+                <a:schemeClr val="tx1"/>
               </a:solidFill>
               <a:effectLst/>
             </a:rPr>
@@ -1738,7 +1778,7 @@
           <a:r>
             <a:rPr lang="en-US" sz="2400" b="0" kern="1200" dirty="0">
               <a:solidFill>
-                <a:schemeClr val="bg1"/>
+                <a:schemeClr val="tx1"/>
               </a:solidFill>
               <a:effectLst/>
             </a:rPr>
@@ -1747,7 +1787,7 @@
           <a:r>
             <a:rPr lang="en-US" sz="2400" b="0" kern="1200" dirty="0" err="1">
               <a:solidFill>
-                <a:schemeClr val="bg1"/>
+                <a:schemeClr val="tx1"/>
               </a:solidFill>
               <a:effectLst/>
             </a:rPr>
@@ -1756,7 +1796,7 @@
           <a:r>
             <a:rPr lang="en-US" sz="2400" b="0" kern="1200" dirty="0">
               <a:solidFill>
-                <a:schemeClr val="bg1"/>
+                <a:schemeClr val="tx1"/>
               </a:solidFill>
               <a:effectLst/>
             </a:rPr>
@@ -1778,7 +1818,7 @@
           </a:pPr>
           <a:endParaRPr lang="en-US" sz="2400" b="0" kern="1200" dirty="0">
             <a:solidFill>
-              <a:schemeClr val="bg1"/>
+              <a:schemeClr val="tx1"/>
             </a:solidFill>
             <a:effectLst/>
           </a:endParaRPr>
@@ -1799,7 +1839,7 @@
           <a:r>
             <a:rPr lang="en-US" sz="2400" b="0" kern="1200" dirty="0" err="1">
               <a:solidFill>
-                <a:schemeClr val="bg1"/>
+                <a:schemeClr val="tx1"/>
               </a:solidFill>
               <a:effectLst/>
             </a:rPr>
@@ -1808,7 +1848,7 @@
           <a:r>
             <a:rPr lang="en-US" sz="2400" b="0" kern="1200" dirty="0">
               <a:solidFill>
-                <a:schemeClr val="bg1"/>
+                <a:schemeClr val="tx1"/>
               </a:solidFill>
               <a:effectLst/>
             </a:rPr>
@@ -1817,7 +1857,7 @@
           <a:r>
             <a:rPr lang="en-US" sz="2400" b="0" kern="1200" dirty="0" err="1">
               <a:solidFill>
-                <a:schemeClr val="bg1"/>
+                <a:schemeClr val="tx1"/>
               </a:solidFill>
               <a:effectLst/>
             </a:rPr>
@@ -1826,7 +1866,7 @@
           <a:r>
             <a:rPr lang="en-US" sz="2400" b="0" kern="1200" dirty="0">
               <a:solidFill>
-                <a:schemeClr val="bg1"/>
+                <a:schemeClr val="tx1"/>
               </a:solidFill>
               <a:effectLst/>
             </a:rPr>
@@ -1835,7 +1875,7 @@
           <a:r>
             <a:rPr lang="en-US" sz="2400" b="0" kern="1200" dirty="0" err="1">
               <a:solidFill>
-                <a:schemeClr val="bg1"/>
+                <a:schemeClr val="tx1"/>
               </a:solidFill>
               <a:effectLst/>
             </a:rPr>
@@ -1844,7 +1884,7 @@
           <a:r>
             <a:rPr lang="en-US" sz="2400" b="0" kern="1200" dirty="0">
               <a:solidFill>
-                <a:schemeClr val="bg1"/>
+                <a:schemeClr val="tx1"/>
               </a:solidFill>
               <a:effectLst/>
             </a:rPr>
@@ -1853,7 +1893,7 @@
           <a:r>
             <a:rPr lang="en-US" sz="2400" b="0" kern="1200" dirty="0" err="1">
               <a:solidFill>
-                <a:schemeClr val="bg1"/>
+                <a:schemeClr val="tx1"/>
               </a:solidFill>
               <a:effectLst/>
             </a:rPr>
@@ -1862,7 +1902,7 @@
           <a:r>
             <a:rPr lang="en-US" sz="2400" b="0" kern="1200" dirty="0">
               <a:solidFill>
-                <a:schemeClr val="bg1"/>
+                <a:schemeClr val="tx1"/>
               </a:solidFill>
               <a:effectLst/>
             </a:rPr>
@@ -1871,7 +1911,7 @@
           <a:r>
             <a:rPr lang="en-US" sz="2400" b="0" kern="1200" dirty="0" err="1">
               <a:solidFill>
-                <a:schemeClr val="bg1"/>
+                <a:schemeClr val="tx1"/>
               </a:solidFill>
               <a:effectLst/>
             </a:rPr>
@@ -1880,7 +1920,7 @@
           <a:r>
             <a:rPr lang="en-US" sz="2400" b="0" kern="1200" dirty="0">
               <a:solidFill>
-                <a:schemeClr val="bg1"/>
+                <a:schemeClr val="tx1"/>
               </a:solidFill>
               <a:effectLst/>
             </a:rPr>
@@ -1889,7 +1929,7 @@
           <a:r>
             <a:rPr lang="en-US" sz="2400" b="0" kern="1200" dirty="0" err="1">
               <a:solidFill>
-                <a:schemeClr val="bg1"/>
+                <a:schemeClr val="tx1"/>
               </a:solidFill>
               <a:effectLst/>
             </a:rPr>
@@ -1898,7 +1938,7 @@
           <a:r>
             <a:rPr lang="en-US" sz="2400" b="0" kern="1200" dirty="0">
               <a:solidFill>
-                <a:schemeClr val="bg1"/>
+                <a:schemeClr val="tx1"/>
               </a:solidFill>
               <a:effectLst/>
             </a:rPr>
@@ -1907,7 +1947,7 @@
           <a:r>
             <a:rPr lang="en-US" sz="2400" b="0" kern="1200" dirty="0" err="1">
               <a:solidFill>
-                <a:schemeClr val="bg1"/>
+                <a:schemeClr val="tx1"/>
               </a:solidFill>
               <a:effectLst/>
             </a:rPr>
@@ -1916,7 +1956,7 @@
           <a:r>
             <a:rPr lang="en-US" sz="2400" b="0" kern="1200" dirty="0">
               <a:solidFill>
-                <a:schemeClr val="bg1"/>
+                <a:schemeClr val="tx1"/>
               </a:solidFill>
               <a:effectLst/>
             </a:rPr>
@@ -1925,7 +1965,7 @@
           <a:r>
             <a:rPr lang="en-US" sz="2400" b="0" kern="1200" dirty="0" err="1">
               <a:solidFill>
-                <a:schemeClr val="bg1"/>
+                <a:schemeClr val="tx1"/>
               </a:solidFill>
               <a:effectLst/>
             </a:rPr>
@@ -1934,7 +1974,7 @@
           <a:r>
             <a:rPr lang="en-US" sz="2400" b="0" kern="1200" dirty="0">
               <a:solidFill>
-                <a:schemeClr val="bg1"/>
+                <a:schemeClr val="tx1"/>
               </a:solidFill>
               <a:effectLst/>
             </a:rPr>
@@ -1943,8 +1983,8 @@
         </a:p>
       </dsp:txBody>
       <dsp:txXfrm>
-        <a:off x="0" y="1412753"/>
-        <a:ext cx="7920880" cy="3385410"/>
+        <a:off x="0" y="1570398"/>
+        <a:ext cx="7920880" cy="3106825"/>
       </dsp:txXfrm>
     </dsp:sp>
     <dsp:sp modelId="{A471DA41-04BB-4C38-A7CE-635DD17F913E}">
@@ -1954,8 +1994,8 @@
       </dsp:nvSpPr>
       <dsp:spPr>
         <a:xfrm>
-          <a:off x="396044" y="743706"/>
-          <a:ext cx="5544616" cy="767520"/>
+          <a:off x="396044" y="875618"/>
+          <a:ext cx="5544616" cy="797040"/>
         </a:xfrm>
         <a:prstGeom prst="roundRect">
           <a:avLst/>
@@ -1968,7 +2008,7 @@
             <a:alphaOff val="0"/>
           </a:schemeClr>
         </a:solidFill>
-        <a:ln w="13970" cap="flat" cmpd="sng" algn="ctr">
+        <a:ln w="19050" cap="flat" cmpd="sng" algn="ctr">
           <a:solidFill>
             <a:schemeClr val="lt1">
               <a:hueOff val="0"/>
@@ -1978,6 +2018,7 @@
             </a:schemeClr>
           </a:solidFill>
           <a:prstDash val="solid"/>
+          <a:miter lim="800000"/>
         </a:ln>
         <a:effectLst/>
       </dsp:spPr>
@@ -2001,7 +2042,7 @@
         </a:bodyPr>
         <a:lstStyle/>
         <a:p>
-          <a:pPr marL="0" lvl="0" indent="0" algn="l" defTabSz="844550">
+          <a:pPr marL="0" lvl="0" indent="0" algn="l" defTabSz="977900">
             <a:lnSpc>
               <a:spcPct val="90000"/>
             </a:lnSpc>
@@ -2014,15 +2055,23 @@
             <a:buNone/>
           </a:pPr>
           <a:r>
-            <a:rPr lang="es-ES" sz="1900" b="1" kern="1200" dirty="0"/>
+            <a:rPr lang="es-ES" sz="2200" b="1" kern="1200" dirty="0">
+              <a:solidFill>
+                <a:schemeClr val="tx1"/>
+              </a:solidFill>
+            </a:rPr>
             <a:t>PROCESO DE NORMALIZACIÓN</a:t>
           </a:r>
-          <a:endParaRPr lang="en-US" sz="1900" kern="1200" dirty="0"/>
+          <a:endParaRPr lang="en-US" sz="2200" kern="1200" dirty="0">
+            <a:solidFill>
+              <a:schemeClr val="tx1"/>
+            </a:solidFill>
+          </a:endParaRPr>
         </a:p>
       </dsp:txBody>
       <dsp:txXfrm>
-        <a:off x="433511" y="781173"/>
-        <a:ext cx="5469682" cy="692586"/>
+        <a:off x="434952" y="914526"/>
+        <a:ext cx="5466800" cy="719224"/>
       </dsp:txXfrm>
     </dsp:sp>
   </dsp:spTree>
@@ -3382,7 +3431,7 @@
           <a:p>
             <a:fld id="{D0210147-5328-4D65-A245-2F75F1C30068}" type="datetimeFigureOut">
               <a:rPr lang="es-ES" smtClean="0"/>
-              <a:t>22/11/2021</a:t>
+              <a:t>06/11/2024</a:t>
             </a:fld>
             <a:endParaRPr lang="es-ES"/>
           </a:p>
@@ -3601,7 +3650,7 @@
               <a:pPr>
                 <a:defRPr/>
               </a:pPr>
-              <a:t>22/11/2021</a:t>
+              <a:t>06/11/2024</a:t>
             </a:fld>
             <a:endParaRPr lang="es-ES"/>
           </a:p>
@@ -3943,18 +3992,8 @@
 </file>
 
 <file path=ppt/slideLayouts/slideLayout1.xml><?xml version="1.0" encoding="utf-8"?>
-<p:sldLayout xmlns:a="http://schemas.openxmlformats.org/drawingml/2006/main" xmlns:r="http://schemas.openxmlformats.org/officeDocument/2006/relationships" xmlns:p="http://schemas.openxmlformats.org/presentationml/2006/main" showMasterSp="0" type="title" preserve="1">
+<p:sldLayout xmlns:a="http://schemas.openxmlformats.org/drawingml/2006/main" xmlns:r="http://schemas.openxmlformats.org/officeDocument/2006/relationships" xmlns:p="http://schemas.openxmlformats.org/presentationml/2006/main" type="title" preserve="1">
   <p:cSld name="Diapositiva de título">
-    <p:bg>
-      <p:bgPr>
-        <a:solidFill>
-          <a:schemeClr val="bg2">
-            <a:lumMod val="75000"/>
-          </a:schemeClr>
-        </a:solidFill>
-        <a:effectLst/>
-      </p:bgPr>
-    </p:bg>
     <p:spTree>
       <p:nvGrpSpPr>
         <p:cNvPr id="1" name=""/>
@@ -3971,7 +4010,13 @@
       </p:grpSpPr>
       <p:sp>
         <p:nvSpPr>
-          <p:cNvPr id="2" name="Title 1"/>
+          <p:cNvPr id="2" name="Título 1">
+            <a:extLst>
+              <a:ext uri="{FF2B5EF4-FFF2-40B4-BE49-F238E27FC236}">
+                <a16:creationId xmlns:a16="http://schemas.microsoft.com/office/drawing/2014/main" id="{AA730007-CC53-68E7-E380-5EBA3CFB05D5}"/>
+              </a:ext>
+            </a:extLst>
+          </p:cNvPr>
           <p:cNvSpPr>
             <a:spLocks noGrp="1"/>
           </p:cNvSpPr>
@@ -3981,24 +4026,15 @@
         </p:nvSpPr>
         <p:spPr>
           <a:xfrm>
-            <a:off x="946404" y="758952"/>
-            <a:ext cx="7063740" cy="4041648"/>
+            <a:off x="1143000" y="1122363"/>
+            <a:ext cx="6858000" cy="2387600"/>
           </a:xfrm>
         </p:spPr>
         <p:txBody>
-          <a:bodyPr anchor="b">
-            <a:normAutofit/>
-          </a:bodyPr>
+          <a:bodyPr anchor="b"/>
           <a:lstStyle>
-            <a:lvl1pPr algn="l">
-              <a:lnSpc>
-                <a:spcPct val="85000"/>
-              </a:lnSpc>
-              <a:defRPr sz="6600" baseline="0">
-                <a:solidFill>
-                  <a:schemeClr val="tx1"/>
-                </a:solidFill>
-              </a:defRPr>
+            <a:lvl1pPr algn="ctr">
+              <a:defRPr sz="4500"/>
             </a:lvl1pPr>
           </a:lstStyle>
           <a:p>
@@ -4006,13 +4042,18 @@
               <a:rPr lang="es-ES"/>
               <a:t>Haga clic para modificar el estilo de título del patrón</a:t>
             </a:r>
-            <a:endParaRPr lang="en-US" dirty="0"/>
           </a:p>
         </p:txBody>
       </p:sp>
       <p:sp>
         <p:nvSpPr>
-          <p:cNvPr id="3" name="Subtitle 2"/>
+          <p:cNvPr id="3" name="Subtítulo 2">
+            <a:extLst>
+              <a:ext uri="{FF2B5EF4-FFF2-40B4-BE49-F238E27FC236}">
+                <a16:creationId xmlns:a16="http://schemas.microsoft.com/office/drawing/2014/main" id="{B07010C1-17BE-BCEA-7642-2C1EB389404D}"/>
+              </a:ext>
+            </a:extLst>
+          </p:cNvPr>
           <p:cNvSpPr>
             <a:spLocks noGrp="1"/>
           </p:cNvSpPr>
@@ -4022,56 +4063,48 @@
         </p:nvSpPr>
         <p:spPr>
           <a:xfrm>
-            <a:off x="946404" y="4800600"/>
-            <a:ext cx="7063740" cy="1691640"/>
+            <a:off x="1143000" y="3602038"/>
+            <a:ext cx="6858000" cy="1655762"/>
           </a:xfrm>
         </p:spPr>
         <p:txBody>
-          <a:bodyPr>
-            <a:normAutofit/>
-          </a:bodyPr>
+          <a:bodyPr/>
           <a:lstStyle>
-            <a:lvl1pPr marL="0" indent="0" algn="l">
+            <a:lvl1pPr marL="0" indent="0" algn="ctr">
               <a:buNone/>
-              <a:defRPr sz="2000" baseline="0">
-                <a:solidFill>
-                  <a:schemeClr val="tx1">
-                    <a:lumMod val="85000"/>
-                  </a:schemeClr>
-                </a:solidFill>
-              </a:defRPr>
+              <a:defRPr sz="1800"/>
             </a:lvl1pPr>
-            <a:lvl2pPr marL="457200" indent="0" algn="ctr">
+            <a:lvl2pPr marL="342900" indent="0" algn="ctr">
               <a:buNone/>
-              <a:defRPr sz="2000"/>
+              <a:defRPr sz="1500"/>
             </a:lvl2pPr>
-            <a:lvl3pPr marL="914400" indent="0" algn="ctr">
+            <a:lvl3pPr marL="685800" indent="0" algn="ctr">
               <a:buNone/>
-              <a:defRPr sz="2000"/>
+              <a:defRPr sz="1350"/>
             </a:lvl3pPr>
-            <a:lvl4pPr marL="1371600" indent="0" algn="ctr">
+            <a:lvl4pPr marL="1028700" indent="0" algn="ctr">
               <a:buNone/>
-              <a:defRPr sz="2000"/>
+              <a:defRPr sz="1200"/>
             </a:lvl4pPr>
-            <a:lvl5pPr marL="1828800" indent="0" algn="ctr">
+            <a:lvl5pPr marL="1371600" indent="0" algn="ctr">
               <a:buNone/>
-              <a:defRPr sz="2000"/>
+              <a:defRPr sz="1200"/>
             </a:lvl5pPr>
-            <a:lvl6pPr marL="2286000" indent="0" algn="ctr">
+            <a:lvl6pPr marL="1714500" indent="0" algn="ctr">
               <a:buNone/>
-              <a:defRPr sz="2000"/>
+              <a:defRPr sz="1200"/>
             </a:lvl6pPr>
-            <a:lvl7pPr marL="2743200" indent="0" algn="ctr">
+            <a:lvl7pPr marL="2057400" indent="0" algn="ctr">
               <a:buNone/>
-              <a:defRPr sz="2000"/>
+              <a:defRPr sz="1200"/>
             </a:lvl7pPr>
-            <a:lvl8pPr marL="3200400" indent="0" algn="ctr">
+            <a:lvl8pPr marL="2400300" indent="0" algn="ctr">
               <a:buNone/>
-              <a:defRPr sz="2000"/>
+              <a:defRPr sz="1200"/>
             </a:lvl8pPr>
-            <a:lvl9pPr marL="3657600" indent="0" algn="ctr">
+            <a:lvl9pPr marL="2743200" indent="0" algn="ctr">
               <a:buNone/>
-              <a:defRPr sz="2000"/>
+              <a:defRPr sz="1200"/>
             </a:lvl9pPr>
           </a:lstStyle>
           <a:p>
@@ -4079,51 +4112,18 @@
               <a:rPr lang="es-ES"/>
               <a:t>Haga clic para modificar el estilo de subtítulo del patrón</a:t>
             </a:r>
-            <a:endParaRPr lang="en-US" dirty="0"/>
           </a:p>
         </p:txBody>
       </p:sp>
       <p:sp>
         <p:nvSpPr>
-          <p:cNvPr id="7" name="Rectangle 6"/>
-          <p:cNvSpPr/>
-          <p:nvPr/>
-        </p:nvSpPr>
-        <p:spPr>
-          <a:xfrm>
-            <a:off x="0" y="0"/>
-            <a:ext cx="342900" cy="6858000"/>
-          </a:xfrm>
-          <a:prstGeom prst="rect">
-            <a:avLst/>
-          </a:prstGeom>
-          <a:solidFill>
-            <a:schemeClr val="accent1"/>
-          </a:solidFill>
-          <a:ln>
-            <a:noFill/>
-          </a:ln>
-        </p:spPr>
-        <p:style>
-          <a:lnRef idx="2">
-            <a:schemeClr val="accent1">
-              <a:shade val="50000"/>
-            </a:schemeClr>
-          </a:lnRef>
-          <a:fillRef idx="1">
-            <a:schemeClr val="accent1"/>
-          </a:fillRef>
-          <a:effectRef idx="0">
-            <a:schemeClr val="accent1"/>
-          </a:effectRef>
-          <a:fontRef idx="minor">
-            <a:schemeClr val="lt1"/>
-          </a:fontRef>
-        </p:style>
-      </p:sp>
-      <p:sp>
-        <p:nvSpPr>
-          <p:cNvPr id="8" name="Date Placeholder 7"/>
+          <p:cNvPr id="4" name="Marcador de fecha 3">
+            <a:extLst>
+              <a:ext uri="{FF2B5EF4-FFF2-40B4-BE49-F238E27FC236}">
+                <a16:creationId xmlns:a16="http://schemas.microsoft.com/office/drawing/2014/main" id="{549A6E53-D15C-5D8E-DE14-902479516250}"/>
+              </a:ext>
+            </a:extLst>
+          </p:cNvPr>
           <p:cNvSpPr>
             <a:spLocks noGrp="1"/>
           </p:cNvSpPr>
@@ -4134,25 +4134,14 @@
         <p:spPr/>
         <p:txBody>
           <a:bodyPr/>
-          <a:lstStyle>
-            <a:lvl1pPr>
-              <a:defRPr>
-                <a:solidFill>
-                  <a:schemeClr val="bg2">
-                    <a:lumMod val="20000"/>
-                    <a:lumOff val="80000"/>
-                  </a:schemeClr>
-                </a:solidFill>
-              </a:defRPr>
-            </a:lvl1pPr>
-          </a:lstStyle>
+          <a:lstStyle/>
           <a:p>
             <a:pPr>
               <a:defRPr/>
             </a:pPr>
             <a:fld id="{5343912B-7499-41B4-ADB0-1196EE06B48C}" type="datetime1">
               <a:rPr lang="es-ES" smtClean="0"/>
-              <a:t>22/11/2021</a:t>
+              <a:t>06/11/2024</a:t>
             </a:fld>
             <a:endParaRPr lang="es-ES"/>
           </a:p>
@@ -4160,7 +4149,13 @@
       </p:sp>
       <p:sp>
         <p:nvSpPr>
-          <p:cNvPr id="9" name="Footer Placeholder 8"/>
+          <p:cNvPr id="5" name="Marcador de pie de página 4">
+            <a:extLst>
+              <a:ext uri="{FF2B5EF4-FFF2-40B4-BE49-F238E27FC236}">
+                <a16:creationId xmlns:a16="http://schemas.microsoft.com/office/drawing/2014/main" id="{42F04E4F-D565-EFF1-DD60-6D1DB54EDFC0}"/>
+              </a:ext>
+            </a:extLst>
+          </p:cNvPr>
           <p:cNvSpPr>
             <a:spLocks noGrp="1"/>
           </p:cNvSpPr>
@@ -4171,18 +4166,7 @@
         <p:spPr/>
         <p:txBody>
           <a:bodyPr/>
-          <a:lstStyle>
-            <a:lvl1pPr>
-              <a:defRPr>
-                <a:solidFill>
-                  <a:schemeClr val="bg2">
-                    <a:lumMod val="20000"/>
-                    <a:lumOff val="80000"/>
-                  </a:schemeClr>
-                </a:solidFill>
-              </a:defRPr>
-            </a:lvl1pPr>
-          </a:lstStyle>
+          <a:lstStyle/>
           <a:p>
             <a:pPr>
               <a:defRPr/>
@@ -4196,7 +4180,13 @@
       </p:sp>
       <p:sp>
         <p:nvSpPr>
-          <p:cNvPr id="10" name="Slide Number Placeholder 9"/>
+          <p:cNvPr id="6" name="Marcador de número de diapositiva 5">
+            <a:extLst>
+              <a:ext uri="{FF2B5EF4-FFF2-40B4-BE49-F238E27FC236}">
+                <a16:creationId xmlns:a16="http://schemas.microsoft.com/office/drawing/2014/main" id="{B153D321-B1FD-CAA9-C0DC-A2DCD62A2013}"/>
+              </a:ext>
+            </a:extLst>
+          </p:cNvPr>
           <p:cNvSpPr>
             <a:spLocks noGrp="1"/>
           </p:cNvSpPr>
@@ -4207,18 +4197,7 @@
         <p:spPr/>
         <p:txBody>
           <a:bodyPr/>
-          <a:lstStyle>
-            <a:lvl1pPr>
-              <a:defRPr>
-                <a:solidFill>
-                  <a:schemeClr val="bg2">
-                    <a:lumMod val="60000"/>
-                    <a:lumOff val="40000"/>
-                  </a:schemeClr>
-                </a:solidFill>
-              </a:defRPr>
-            </a:lvl1pPr>
-          </a:lstStyle>
+          <a:lstStyle/>
           <a:p>
             <a:pPr>
               <a:defRPr/>
@@ -4237,12 +4216,12 @@
     </p:spTree>
     <p:extLst>
       <p:ext uri="{BB962C8B-B14F-4D97-AF65-F5344CB8AC3E}">
-        <p14:creationId xmlns:p14="http://schemas.microsoft.com/office/powerpoint/2010/main" val="4289085470"/>
+        <p14:creationId xmlns:p14="http://schemas.microsoft.com/office/powerpoint/2010/main" val="782405521"/>
       </p:ext>
     </p:extLst>
   </p:cSld>
   <p:clrMapOvr>
-    <a:overrideClrMapping bg1="dk1" tx1="lt1" bg2="dk2" tx2="lt2" accent1="accent1" accent2="accent2" accent3="accent3" accent4="accent4" accent5="accent5" accent6="accent6" hlink="hlink" folHlink="folHlink"/>
+    <a:masterClrMapping/>
   </p:clrMapOvr>
 </p:sldLayout>
 </file>
@@ -4266,7 +4245,13 @@
       </p:grpSpPr>
       <p:sp>
         <p:nvSpPr>
-          <p:cNvPr id="2" name="Title 1"/>
+          <p:cNvPr id="2" name="Título 1">
+            <a:extLst>
+              <a:ext uri="{FF2B5EF4-FFF2-40B4-BE49-F238E27FC236}">
+                <a16:creationId xmlns:a16="http://schemas.microsoft.com/office/drawing/2014/main" id="{3D511076-D3AB-0CDC-5F3F-664597C983E1}"/>
+              </a:ext>
+            </a:extLst>
+          </p:cNvPr>
           <p:cNvSpPr>
             <a:spLocks noGrp="1"/>
           </p:cNvSpPr>
@@ -4283,13 +4268,18 @@
               <a:rPr lang="es-ES"/>
               <a:t>Haga clic para modificar el estilo de título del patrón</a:t>
             </a:r>
-            <a:endParaRPr lang="en-US" dirty="0"/>
           </a:p>
         </p:txBody>
       </p:sp>
       <p:sp>
         <p:nvSpPr>
-          <p:cNvPr id="3" name="Vertical Text Placeholder 2"/>
+          <p:cNvPr id="3" name="Marcador de texto vertical 2">
+            <a:extLst>
+              <a:ext uri="{FF2B5EF4-FFF2-40B4-BE49-F238E27FC236}">
+                <a16:creationId xmlns:a16="http://schemas.microsoft.com/office/drawing/2014/main" id="{62A19038-F724-971D-5174-141C96E8250E}"/>
+              </a:ext>
+            </a:extLst>
+          </p:cNvPr>
           <p:cNvSpPr>
             <a:spLocks noGrp="1"/>
           </p:cNvSpPr>
@@ -4335,13 +4325,18 @@
               <a:rPr lang="es-ES"/>
               <a:t>Quinto nivel</a:t>
             </a:r>
-            <a:endParaRPr lang="en-US" dirty="0"/>
           </a:p>
         </p:txBody>
       </p:sp>
       <p:sp>
         <p:nvSpPr>
-          <p:cNvPr id="4" name="Date Placeholder 3"/>
+          <p:cNvPr id="4" name="Marcador de fecha 3">
+            <a:extLst>
+              <a:ext uri="{FF2B5EF4-FFF2-40B4-BE49-F238E27FC236}">
+                <a16:creationId xmlns:a16="http://schemas.microsoft.com/office/drawing/2014/main" id="{48DCFF95-2855-3712-DD7E-08024D3D8B25}"/>
+              </a:ext>
+            </a:extLst>
+          </p:cNvPr>
           <p:cNvSpPr>
             <a:spLocks noGrp="1"/>
           </p:cNvSpPr>
@@ -4359,7 +4354,7 @@
             </a:pPr>
             <a:fld id="{6D57A00D-7FCA-4111-A9D4-20AF6190B5BF}" type="datetime1">
               <a:rPr lang="es-ES" smtClean="0"/>
-              <a:t>22/11/2021</a:t>
+              <a:t>06/11/2024</a:t>
             </a:fld>
             <a:endParaRPr lang="es-ES"/>
           </a:p>
@@ -4367,7 +4362,13 @@
       </p:sp>
       <p:sp>
         <p:nvSpPr>
-          <p:cNvPr id="5" name="Footer Placeholder 4"/>
+          <p:cNvPr id="5" name="Marcador de pie de página 4">
+            <a:extLst>
+              <a:ext uri="{FF2B5EF4-FFF2-40B4-BE49-F238E27FC236}">
+                <a16:creationId xmlns:a16="http://schemas.microsoft.com/office/drawing/2014/main" id="{A836ACA7-2980-AEFF-4060-8C3B5E42E077}"/>
+              </a:ext>
+            </a:extLst>
+          </p:cNvPr>
           <p:cNvSpPr>
             <a:spLocks noGrp="1"/>
           </p:cNvSpPr>
@@ -4392,7 +4393,13 @@
       </p:sp>
       <p:sp>
         <p:nvSpPr>
-          <p:cNvPr id="6" name="Slide Number Placeholder 5"/>
+          <p:cNvPr id="6" name="Marcador de número de diapositiva 5">
+            <a:extLst>
+              <a:ext uri="{FF2B5EF4-FFF2-40B4-BE49-F238E27FC236}">
+                <a16:creationId xmlns:a16="http://schemas.microsoft.com/office/drawing/2014/main" id="{ECE2DD1D-5F15-60A4-B75A-C93E873F841F}"/>
+              </a:ext>
+            </a:extLst>
+          </p:cNvPr>
           <p:cNvSpPr>
             <a:spLocks noGrp="1"/>
           </p:cNvSpPr>
@@ -4422,7 +4429,7 @@
     </p:spTree>
     <p:extLst>
       <p:ext uri="{BB962C8B-B14F-4D97-AF65-F5344CB8AC3E}">
-        <p14:creationId xmlns:p14="http://schemas.microsoft.com/office/powerpoint/2010/main" val="922646006"/>
+        <p14:creationId xmlns:p14="http://schemas.microsoft.com/office/powerpoint/2010/main" val="689134963"/>
       </p:ext>
     </p:extLst>
   </p:cSld>
@@ -4451,7 +4458,13 @@
       </p:grpSpPr>
       <p:sp>
         <p:nvSpPr>
-          <p:cNvPr id="2" name="Vertical Title 1"/>
+          <p:cNvPr id="2" name="Título vertical 1">
+            <a:extLst>
+              <a:ext uri="{FF2B5EF4-FFF2-40B4-BE49-F238E27FC236}">
+                <a16:creationId xmlns:a16="http://schemas.microsoft.com/office/drawing/2014/main" id="{00ED714D-DBA5-2498-8761-2F3426FEC2BB}"/>
+              </a:ext>
+            </a:extLst>
+          </p:cNvPr>
           <p:cNvSpPr>
             <a:spLocks noGrp="1"/>
           </p:cNvSpPr>
@@ -4461,8 +4474,8 @@
         </p:nvSpPr>
         <p:spPr>
           <a:xfrm>
-            <a:off x="6486525" y="381000"/>
-            <a:ext cx="1857375" cy="5897562"/>
+            <a:off x="6543675" y="365125"/>
+            <a:ext cx="1971675" cy="5811838"/>
           </a:xfrm>
         </p:spPr>
         <p:txBody>
@@ -4473,13 +4486,18 @@
               <a:rPr lang="es-ES"/>
               <a:t>Haga clic para modificar el estilo de título del patrón</a:t>
             </a:r>
-            <a:endParaRPr lang="en-US" dirty="0"/>
           </a:p>
         </p:txBody>
       </p:sp>
       <p:sp>
         <p:nvSpPr>
-          <p:cNvPr id="3" name="Vertical Text Placeholder 2"/>
+          <p:cNvPr id="3" name="Marcador de texto vertical 2">
+            <a:extLst>
+              <a:ext uri="{FF2B5EF4-FFF2-40B4-BE49-F238E27FC236}">
+                <a16:creationId xmlns:a16="http://schemas.microsoft.com/office/drawing/2014/main" id="{771285B8-97F6-647D-0ED1-4A1CE235E8E9}"/>
+              </a:ext>
+            </a:extLst>
+          </p:cNvPr>
           <p:cNvSpPr>
             <a:spLocks noGrp="1"/>
           </p:cNvSpPr>
@@ -4489,8 +4507,8 @@
         </p:nvSpPr>
         <p:spPr>
           <a:xfrm>
-            <a:off x="571500" y="381000"/>
-            <a:ext cx="5800725" cy="5897562"/>
+            <a:off x="628650" y="365125"/>
+            <a:ext cx="5800725" cy="5811838"/>
           </a:xfrm>
         </p:spPr>
         <p:txBody>
@@ -4530,13 +4548,18 @@
               <a:rPr lang="es-ES"/>
               <a:t>Quinto nivel</a:t>
             </a:r>
-            <a:endParaRPr lang="en-US" dirty="0"/>
           </a:p>
         </p:txBody>
       </p:sp>
       <p:sp>
         <p:nvSpPr>
-          <p:cNvPr id="4" name="Date Placeholder 3"/>
+          <p:cNvPr id="4" name="Marcador de fecha 3">
+            <a:extLst>
+              <a:ext uri="{FF2B5EF4-FFF2-40B4-BE49-F238E27FC236}">
+                <a16:creationId xmlns:a16="http://schemas.microsoft.com/office/drawing/2014/main" id="{6053A493-8791-9984-450B-3EA2CFEACCC5}"/>
+              </a:ext>
+            </a:extLst>
+          </p:cNvPr>
           <p:cNvSpPr>
             <a:spLocks noGrp="1"/>
           </p:cNvSpPr>
@@ -4554,7 +4577,7 @@
             </a:pPr>
             <a:fld id="{2A958382-58C7-4DB4-96AF-868E02D1D130}" type="datetime1">
               <a:rPr lang="es-ES" smtClean="0"/>
-              <a:t>22/11/2021</a:t>
+              <a:t>06/11/2024</a:t>
             </a:fld>
             <a:endParaRPr lang="es-ES"/>
           </a:p>
@@ -4562,7 +4585,13 @@
       </p:sp>
       <p:sp>
         <p:nvSpPr>
-          <p:cNvPr id="5" name="Footer Placeholder 4"/>
+          <p:cNvPr id="5" name="Marcador de pie de página 4">
+            <a:extLst>
+              <a:ext uri="{FF2B5EF4-FFF2-40B4-BE49-F238E27FC236}">
+                <a16:creationId xmlns:a16="http://schemas.microsoft.com/office/drawing/2014/main" id="{F44650C6-1BEC-8991-F090-B41199011D9B}"/>
+              </a:ext>
+            </a:extLst>
+          </p:cNvPr>
           <p:cNvSpPr>
             <a:spLocks noGrp="1"/>
           </p:cNvSpPr>
@@ -4587,7 +4616,13 @@
       </p:sp>
       <p:sp>
         <p:nvSpPr>
-          <p:cNvPr id="6" name="Slide Number Placeholder 5"/>
+          <p:cNvPr id="6" name="Marcador de número de diapositiva 5">
+            <a:extLst>
+              <a:ext uri="{FF2B5EF4-FFF2-40B4-BE49-F238E27FC236}">
+                <a16:creationId xmlns:a16="http://schemas.microsoft.com/office/drawing/2014/main" id="{1E0F948E-58A6-10AB-1328-4C858288D91F}"/>
+              </a:ext>
+            </a:extLst>
+          </p:cNvPr>
           <p:cNvSpPr>
             <a:spLocks noGrp="1"/>
           </p:cNvSpPr>
@@ -4617,7 +4652,7 @@
     </p:spTree>
     <p:extLst>
       <p:ext uri="{BB962C8B-B14F-4D97-AF65-F5344CB8AC3E}">
-        <p14:creationId xmlns:p14="http://schemas.microsoft.com/office/powerpoint/2010/main" val="1087560847"/>
+        <p14:creationId xmlns:p14="http://schemas.microsoft.com/office/powerpoint/2010/main" val="1563541676"/>
       </p:ext>
     </p:extLst>
   </p:cSld>
@@ -4627,450 +4662,9 @@
 </p:sldLayout>
 </file>
 
-<file path=ppt/slideLayouts/slideLayout2.xml><?xml version="1.0" encoding="utf-8"?>
-<p:sldLayout xmlns:a="http://schemas.openxmlformats.org/drawingml/2006/main" xmlns:r="http://schemas.openxmlformats.org/officeDocument/2006/relationships" xmlns:p="http://schemas.openxmlformats.org/presentationml/2006/main" type="obj" preserve="1">
-  <p:cSld name="Título y objetos">
-    <p:spTree>
-      <p:nvGrpSpPr>
-        <p:cNvPr id="1" name=""/>
-        <p:cNvGrpSpPr/>
-        <p:nvPr/>
-      </p:nvGrpSpPr>
-      <p:grpSpPr>
-        <a:xfrm>
-          <a:off x="0" y="0"/>
-          <a:ext cx="0" cy="0"/>
-          <a:chOff x="0" y="0"/>
-          <a:chExt cx="0" cy="0"/>
-        </a:xfrm>
-      </p:grpSpPr>
-      <p:sp>
-        <p:nvSpPr>
-          <p:cNvPr id="2" name="Title 1"/>
-          <p:cNvSpPr>
-            <a:spLocks noGrp="1"/>
-          </p:cNvSpPr>
-          <p:nvPr>
-            <p:ph type="title"/>
-          </p:nvPr>
-        </p:nvSpPr>
-        <p:spPr/>
-        <p:txBody>
-          <a:bodyPr/>
-          <a:lstStyle/>
-          <a:p>
-            <a:r>
-              <a:rPr lang="es-ES"/>
-              <a:t>Haga clic para modificar el estilo de título del patrón</a:t>
-            </a:r>
-            <a:endParaRPr lang="en-US" dirty="0"/>
-          </a:p>
-        </p:txBody>
-      </p:sp>
-      <p:sp>
-        <p:nvSpPr>
-          <p:cNvPr id="3" name="Content Placeholder 2"/>
-          <p:cNvSpPr>
-            <a:spLocks noGrp="1"/>
-          </p:cNvSpPr>
-          <p:nvPr>
-            <p:ph idx="1"/>
-          </p:nvPr>
-        </p:nvSpPr>
-        <p:spPr/>
-        <p:txBody>
-          <a:bodyPr/>
-          <a:lstStyle/>
-          <a:p>
-            <a:pPr lvl="0"/>
-            <a:r>
-              <a:rPr lang="es-ES"/>
-              <a:t>Haga clic para modificar los estilos de texto del patrón</a:t>
-            </a:r>
-          </a:p>
-          <a:p>
-            <a:pPr lvl="1"/>
-            <a:r>
-              <a:rPr lang="es-ES"/>
-              <a:t>Segundo nivel</a:t>
-            </a:r>
-          </a:p>
-          <a:p>
-            <a:pPr lvl="2"/>
-            <a:r>
-              <a:rPr lang="es-ES"/>
-              <a:t>Tercer nivel</a:t>
-            </a:r>
-          </a:p>
-          <a:p>
-            <a:pPr lvl="3"/>
-            <a:r>
-              <a:rPr lang="es-ES"/>
-              <a:t>Cuarto nivel</a:t>
-            </a:r>
-          </a:p>
-          <a:p>
-            <a:pPr lvl="4"/>
-            <a:r>
-              <a:rPr lang="es-ES"/>
-              <a:t>Quinto nivel</a:t>
-            </a:r>
-            <a:endParaRPr lang="en-US" dirty="0"/>
-          </a:p>
-        </p:txBody>
-      </p:sp>
-      <p:sp>
-        <p:nvSpPr>
-          <p:cNvPr id="6" name="Slide Number Placeholder 5"/>
-          <p:cNvSpPr>
-            <a:spLocks noGrp="1"/>
-          </p:cNvSpPr>
-          <p:nvPr>
-            <p:ph type="sldNum" sz="quarter" idx="12"/>
-          </p:nvPr>
-        </p:nvSpPr>
-        <p:spPr/>
-        <p:txBody>
-          <a:bodyPr/>
-          <a:lstStyle/>
-          <a:p>
-            <a:pPr>
-              <a:defRPr/>
-            </a:pPr>
-            <a:fld id="{D59A6A4B-46E3-43DE-99F2-D9A5AD28FA7D}" type="slidenum">
-              <a:rPr lang="es-ES" altLang="es-ES" smtClean="0"/>
-              <a:pPr>
-                <a:defRPr/>
-              </a:pPr>
-              <a:t>‹Nº›</a:t>
-            </a:fld>
-            <a:endParaRPr lang="es-ES" altLang="es-ES"/>
-          </a:p>
-        </p:txBody>
-      </p:sp>
-    </p:spTree>
-    <p:extLst>
-      <p:ext uri="{BB962C8B-B14F-4D97-AF65-F5344CB8AC3E}">
-        <p14:creationId xmlns:p14="http://schemas.microsoft.com/office/powerpoint/2010/main" val="532661398"/>
-      </p:ext>
-    </p:extLst>
-  </p:cSld>
-  <p:clrMapOvr>
-    <a:masterClrMapping/>
-  </p:clrMapOvr>
-</p:sldLayout>
-</file>
-
-<file path=ppt/slideLayouts/slideLayout3.xml><?xml version="1.0" encoding="utf-8"?>
-<p:sldLayout xmlns:a="http://schemas.openxmlformats.org/drawingml/2006/main" xmlns:r="http://schemas.openxmlformats.org/officeDocument/2006/relationships" xmlns:p="http://schemas.openxmlformats.org/presentationml/2006/main" type="secHead" preserve="1">
-  <p:cSld name="Encabezado de sección">
-    <p:spTree>
-      <p:nvGrpSpPr>
-        <p:cNvPr id="1" name=""/>
-        <p:cNvGrpSpPr/>
-        <p:nvPr/>
-      </p:nvGrpSpPr>
-      <p:grpSpPr>
-        <a:xfrm>
-          <a:off x="0" y="0"/>
-          <a:ext cx="0" cy="0"/>
-          <a:chOff x="0" y="0"/>
-          <a:chExt cx="0" cy="0"/>
-        </a:xfrm>
-      </p:grpSpPr>
-      <p:sp>
-        <p:nvSpPr>
-          <p:cNvPr id="2" name="Title 1"/>
-          <p:cNvSpPr>
-            <a:spLocks noGrp="1"/>
-          </p:cNvSpPr>
-          <p:nvPr>
-            <p:ph type="title"/>
-          </p:nvPr>
-        </p:nvSpPr>
-        <p:spPr>
-          <a:xfrm>
-            <a:off x="946404" y="758952"/>
-            <a:ext cx="7063740" cy="4041648"/>
-          </a:xfrm>
-        </p:spPr>
-        <p:txBody>
-          <a:bodyPr anchor="b">
-            <a:normAutofit/>
-          </a:bodyPr>
-          <a:lstStyle>
-            <a:lvl1pPr>
-              <a:lnSpc>
-                <a:spcPct val="85000"/>
-              </a:lnSpc>
-              <a:defRPr sz="6600" b="0"/>
-            </a:lvl1pPr>
-          </a:lstStyle>
-          <a:p>
-            <a:r>
-              <a:rPr lang="es-ES"/>
-              <a:t>Haga clic para modificar el estilo de título del patrón</a:t>
-            </a:r>
-            <a:endParaRPr lang="en-US" dirty="0"/>
-          </a:p>
-        </p:txBody>
-      </p:sp>
-      <p:sp>
-        <p:nvSpPr>
-          <p:cNvPr id="3" name="Text Placeholder 2"/>
-          <p:cNvSpPr>
-            <a:spLocks noGrp="1"/>
-          </p:cNvSpPr>
-          <p:nvPr>
-            <p:ph type="body" idx="1"/>
-          </p:nvPr>
-        </p:nvSpPr>
-        <p:spPr>
-          <a:xfrm>
-            <a:off x="946404" y="4800600"/>
-            <a:ext cx="7063740" cy="1691640"/>
-          </a:xfrm>
-        </p:spPr>
-        <p:txBody>
-          <a:bodyPr anchor="t">
-            <a:normAutofit/>
-          </a:bodyPr>
-          <a:lstStyle>
-            <a:lvl1pPr marL="0" indent="0">
-              <a:buNone/>
-              <a:defRPr sz="2000">
-                <a:solidFill>
-                  <a:schemeClr val="tx1">
-                    <a:lumMod val="75000"/>
-                    <a:lumOff val="25000"/>
-                  </a:schemeClr>
-                </a:solidFill>
-              </a:defRPr>
-            </a:lvl1pPr>
-            <a:lvl2pPr marL="457200" indent="0">
-              <a:buNone/>
-              <a:defRPr sz="1800">
-                <a:solidFill>
-                  <a:schemeClr val="tx1">
-                    <a:tint val="75000"/>
-                  </a:schemeClr>
-                </a:solidFill>
-              </a:defRPr>
-            </a:lvl2pPr>
-            <a:lvl3pPr marL="914400" indent="0">
-              <a:buNone/>
-              <a:defRPr sz="1600">
-                <a:solidFill>
-                  <a:schemeClr val="tx1">
-                    <a:tint val="75000"/>
-                  </a:schemeClr>
-                </a:solidFill>
-              </a:defRPr>
-            </a:lvl3pPr>
-            <a:lvl4pPr marL="1371600" indent="0">
-              <a:buNone/>
-              <a:defRPr sz="1400">
-                <a:solidFill>
-                  <a:schemeClr val="tx1">
-                    <a:tint val="75000"/>
-                  </a:schemeClr>
-                </a:solidFill>
-              </a:defRPr>
-            </a:lvl4pPr>
-            <a:lvl5pPr marL="1828800" indent="0">
-              <a:buNone/>
-              <a:defRPr sz="1400">
-                <a:solidFill>
-                  <a:schemeClr val="tx1">
-                    <a:tint val="75000"/>
-                  </a:schemeClr>
-                </a:solidFill>
-              </a:defRPr>
-            </a:lvl5pPr>
-            <a:lvl6pPr marL="2286000" indent="0">
-              <a:buNone/>
-              <a:defRPr sz="1400">
-                <a:solidFill>
-                  <a:schemeClr val="tx1">
-                    <a:tint val="75000"/>
-                  </a:schemeClr>
-                </a:solidFill>
-              </a:defRPr>
-            </a:lvl6pPr>
-            <a:lvl7pPr marL="2743200" indent="0">
-              <a:buNone/>
-              <a:defRPr sz="1400">
-                <a:solidFill>
-                  <a:schemeClr val="tx1">
-                    <a:tint val="75000"/>
-                  </a:schemeClr>
-                </a:solidFill>
-              </a:defRPr>
-            </a:lvl7pPr>
-            <a:lvl8pPr marL="3200400" indent="0">
-              <a:buNone/>
-              <a:defRPr sz="1400">
-                <a:solidFill>
-                  <a:schemeClr val="tx1">
-                    <a:tint val="75000"/>
-                  </a:schemeClr>
-                </a:solidFill>
-              </a:defRPr>
-            </a:lvl8pPr>
-            <a:lvl9pPr marL="3657600" indent="0">
-              <a:buNone/>
-              <a:defRPr sz="1400">
-                <a:solidFill>
-                  <a:schemeClr val="tx1">
-                    <a:tint val="75000"/>
-                  </a:schemeClr>
-                </a:solidFill>
-              </a:defRPr>
-            </a:lvl9pPr>
-          </a:lstStyle>
-          <a:p>
-            <a:pPr lvl="0"/>
-            <a:r>
-              <a:rPr lang="es-ES"/>
-              <a:t>Haga clic para modificar los estilos de texto del patrón</a:t>
-            </a:r>
-          </a:p>
-        </p:txBody>
-      </p:sp>
-      <p:sp>
-        <p:nvSpPr>
-          <p:cNvPr id="4" name="Date Placeholder 3"/>
-          <p:cNvSpPr>
-            <a:spLocks noGrp="1"/>
-          </p:cNvSpPr>
-          <p:nvPr>
-            <p:ph type="dt" sz="half" idx="10"/>
-          </p:nvPr>
-        </p:nvSpPr>
-        <p:spPr/>
-        <p:txBody>
-          <a:bodyPr/>
-          <a:lstStyle/>
-          <a:p>
-            <a:pPr>
-              <a:defRPr/>
-            </a:pPr>
-            <a:fld id="{95A91B64-9426-4E90-BEEB-721E9A22D2B8}" type="datetime1">
-              <a:rPr lang="es-ES" smtClean="0"/>
-              <a:t>22/11/2021</a:t>
-            </a:fld>
-            <a:endParaRPr lang="es-ES"/>
-          </a:p>
-        </p:txBody>
-      </p:sp>
-      <p:sp>
-        <p:nvSpPr>
-          <p:cNvPr id="5" name="Footer Placeholder 4"/>
-          <p:cNvSpPr>
-            <a:spLocks noGrp="1"/>
-          </p:cNvSpPr>
-          <p:nvPr>
-            <p:ph type="ftr" sz="quarter" idx="11"/>
-          </p:nvPr>
-        </p:nvSpPr>
-        <p:spPr/>
-        <p:txBody>
-          <a:bodyPr/>
-          <a:lstStyle/>
-          <a:p>
-            <a:pPr>
-              <a:defRPr/>
-            </a:pPr>
-            <a:r>
-              <a:rPr lang="es-ES"/>
-              <a:t>Luis Herrero de Cos</a:t>
-            </a:r>
-          </a:p>
-        </p:txBody>
-      </p:sp>
-      <p:sp>
-        <p:nvSpPr>
-          <p:cNvPr id="6" name="Slide Number Placeholder 5"/>
-          <p:cNvSpPr>
-            <a:spLocks noGrp="1"/>
-          </p:cNvSpPr>
-          <p:nvPr>
-            <p:ph type="sldNum" sz="quarter" idx="12"/>
-          </p:nvPr>
-        </p:nvSpPr>
-        <p:spPr/>
-        <p:txBody>
-          <a:bodyPr/>
-          <a:lstStyle/>
-          <a:p>
-            <a:pPr>
-              <a:defRPr/>
-            </a:pPr>
-            <a:fld id="{527D32DB-BE70-4106-939D-9CDC3BCAEBA7}" type="slidenum">
-              <a:rPr lang="es-ES" altLang="es-ES" smtClean="0"/>
-              <a:pPr>
-                <a:defRPr/>
-              </a:pPr>
-              <a:t>‹Nº›</a:t>
-            </a:fld>
-            <a:endParaRPr lang="es-ES" altLang="es-ES"/>
-          </a:p>
-        </p:txBody>
-      </p:sp>
-      <p:sp>
-        <p:nvSpPr>
-          <p:cNvPr id="7" name="Rectangle 6"/>
-          <p:cNvSpPr/>
-          <p:nvPr/>
-        </p:nvSpPr>
-        <p:spPr>
-          <a:xfrm>
-            <a:off x="0" y="0"/>
-            <a:ext cx="342900" cy="6858000"/>
-          </a:xfrm>
-          <a:prstGeom prst="rect">
-            <a:avLst/>
-          </a:prstGeom>
-          <a:solidFill>
-            <a:schemeClr val="accent1"/>
-          </a:solidFill>
-          <a:ln>
-            <a:noFill/>
-          </a:ln>
-        </p:spPr>
-        <p:style>
-          <a:lnRef idx="2">
-            <a:schemeClr val="accent1">
-              <a:shade val="50000"/>
-            </a:schemeClr>
-          </a:lnRef>
-          <a:fillRef idx="1">
-            <a:schemeClr val="accent1"/>
-          </a:fillRef>
-          <a:effectRef idx="0">
-            <a:schemeClr val="accent1"/>
-          </a:effectRef>
-          <a:fontRef idx="minor">
-            <a:schemeClr val="lt1"/>
-          </a:fontRef>
-        </p:style>
-      </p:sp>
-    </p:spTree>
-    <p:extLst>
-      <p:ext uri="{BB962C8B-B14F-4D97-AF65-F5344CB8AC3E}">
-        <p14:creationId xmlns:p14="http://schemas.microsoft.com/office/powerpoint/2010/main" val="4070949342"/>
-      </p:ext>
-    </p:extLst>
-  </p:cSld>
-  <p:clrMapOvr>
-    <a:masterClrMapping/>
-  </p:clrMapOvr>
-</p:sldLayout>
-</file>
-
-<file path=ppt/slideLayouts/slideLayout4.xml><?xml version="1.0" encoding="utf-8"?>
+<file path=ppt/slideLayouts/slideLayout12.xml><?xml version="1.0" encoding="utf-8"?>
 <p:sldLayout xmlns:a="http://schemas.openxmlformats.org/drawingml/2006/main" xmlns:r="http://schemas.openxmlformats.org/officeDocument/2006/relationships" xmlns:p="http://schemas.openxmlformats.org/presentationml/2006/main" preserve="1" userDrawn="1">
-  <p:cSld name="Dos objetos">
+  <p:cSld name="1_Dos objetos">
     <p:spTree>
       <p:nvGrpSpPr>
         <p:cNvPr id="1" name=""/>
@@ -5309,7 +4903,7 @@
             </a:pPr>
             <a:fld id="{8EE270AE-6EC4-44CF-8BF6-310B3AC42212}" type="datetime1">
               <a:rPr lang="es-ES" smtClean="0"/>
-              <a:t>22/11/2021</a:t>
+              <a:t>06/11/2024</a:t>
             </a:fld>
             <a:endParaRPr lang="es-ES"/>
           </a:p>
@@ -5394,6 +4988,780 @@
 </p:sldLayout>
 </file>
 
+<file path=ppt/slideLayouts/slideLayout2.xml><?xml version="1.0" encoding="utf-8"?>
+<p:sldLayout xmlns:a="http://schemas.openxmlformats.org/drawingml/2006/main" xmlns:r="http://schemas.openxmlformats.org/officeDocument/2006/relationships" xmlns:p="http://schemas.openxmlformats.org/presentationml/2006/main" type="obj" preserve="1">
+  <p:cSld name="Título y objetos">
+    <p:spTree>
+      <p:nvGrpSpPr>
+        <p:cNvPr id="1" name=""/>
+        <p:cNvGrpSpPr/>
+        <p:nvPr/>
+      </p:nvGrpSpPr>
+      <p:grpSpPr>
+        <a:xfrm>
+          <a:off x="0" y="0"/>
+          <a:ext cx="0" cy="0"/>
+          <a:chOff x="0" y="0"/>
+          <a:chExt cx="0" cy="0"/>
+        </a:xfrm>
+      </p:grpSpPr>
+      <p:sp>
+        <p:nvSpPr>
+          <p:cNvPr id="2" name="Título 1">
+            <a:extLst>
+              <a:ext uri="{FF2B5EF4-FFF2-40B4-BE49-F238E27FC236}">
+                <a16:creationId xmlns:a16="http://schemas.microsoft.com/office/drawing/2014/main" id="{D9C7B27F-3F00-0985-01AF-9024809FF4F7}"/>
+              </a:ext>
+            </a:extLst>
+          </p:cNvPr>
+          <p:cNvSpPr>
+            <a:spLocks noGrp="1"/>
+          </p:cNvSpPr>
+          <p:nvPr>
+            <p:ph type="title"/>
+          </p:nvPr>
+        </p:nvSpPr>
+        <p:spPr/>
+        <p:txBody>
+          <a:bodyPr/>
+          <a:lstStyle/>
+          <a:p>
+            <a:r>
+              <a:rPr lang="es-ES"/>
+              <a:t>Haga clic para modificar el estilo de título del patrón</a:t>
+            </a:r>
+          </a:p>
+        </p:txBody>
+      </p:sp>
+      <p:sp>
+        <p:nvSpPr>
+          <p:cNvPr id="3" name="Marcador de contenido 2">
+            <a:extLst>
+              <a:ext uri="{FF2B5EF4-FFF2-40B4-BE49-F238E27FC236}">
+                <a16:creationId xmlns:a16="http://schemas.microsoft.com/office/drawing/2014/main" id="{50DBDFB3-5BE9-BE32-443E-754365A1D913}"/>
+              </a:ext>
+            </a:extLst>
+          </p:cNvPr>
+          <p:cNvSpPr>
+            <a:spLocks noGrp="1"/>
+          </p:cNvSpPr>
+          <p:nvPr>
+            <p:ph idx="1"/>
+          </p:nvPr>
+        </p:nvSpPr>
+        <p:spPr/>
+        <p:txBody>
+          <a:bodyPr/>
+          <a:lstStyle/>
+          <a:p>
+            <a:pPr lvl="0"/>
+            <a:r>
+              <a:rPr lang="es-ES"/>
+              <a:t>Haga clic para modificar los estilos de texto del patrón</a:t>
+            </a:r>
+          </a:p>
+          <a:p>
+            <a:pPr lvl="1"/>
+            <a:r>
+              <a:rPr lang="es-ES"/>
+              <a:t>Segundo nivel</a:t>
+            </a:r>
+          </a:p>
+          <a:p>
+            <a:pPr lvl="2"/>
+            <a:r>
+              <a:rPr lang="es-ES"/>
+              <a:t>Tercer nivel</a:t>
+            </a:r>
+          </a:p>
+          <a:p>
+            <a:pPr lvl="3"/>
+            <a:r>
+              <a:rPr lang="es-ES"/>
+              <a:t>Cuarto nivel</a:t>
+            </a:r>
+          </a:p>
+          <a:p>
+            <a:pPr lvl="4"/>
+            <a:r>
+              <a:rPr lang="es-ES"/>
+              <a:t>Quinto nivel</a:t>
+            </a:r>
+          </a:p>
+        </p:txBody>
+      </p:sp>
+      <p:sp>
+        <p:nvSpPr>
+          <p:cNvPr id="4" name="Marcador de fecha 3">
+            <a:extLst>
+              <a:ext uri="{FF2B5EF4-FFF2-40B4-BE49-F238E27FC236}">
+                <a16:creationId xmlns:a16="http://schemas.microsoft.com/office/drawing/2014/main" id="{D542D6FE-BDCA-B372-A119-2682B3819AB4}"/>
+              </a:ext>
+            </a:extLst>
+          </p:cNvPr>
+          <p:cNvSpPr>
+            <a:spLocks noGrp="1"/>
+          </p:cNvSpPr>
+          <p:nvPr>
+            <p:ph type="dt" sz="half" idx="10"/>
+          </p:nvPr>
+        </p:nvSpPr>
+        <p:spPr/>
+        <p:txBody>
+          <a:bodyPr/>
+          <a:lstStyle/>
+          <a:p>
+            <a:fld id="{04C67826-87B2-406E-B29B-D5BBBCC2B0BA}" type="datetimeFigureOut">
+              <a:rPr lang="es-ES" smtClean="0"/>
+              <a:t>06/11/2024</a:t>
+            </a:fld>
+            <a:endParaRPr lang="es-ES"/>
+          </a:p>
+        </p:txBody>
+      </p:sp>
+      <p:sp>
+        <p:nvSpPr>
+          <p:cNvPr id="5" name="Marcador de pie de página 4">
+            <a:extLst>
+              <a:ext uri="{FF2B5EF4-FFF2-40B4-BE49-F238E27FC236}">
+                <a16:creationId xmlns:a16="http://schemas.microsoft.com/office/drawing/2014/main" id="{523099F1-E50B-835C-7E68-607D276B34FC}"/>
+              </a:ext>
+            </a:extLst>
+          </p:cNvPr>
+          <p:cNvSpPr>
+            <a:spLocks noGrp="1"/>
+          </p:cNvSpPr>
+          <p:nvPr>
+            <p:ph type="ftr" sz="quarter" idx="11"/>
+          </p:nvPr>
+        </p:nvSpPr>
+        <p:spPr/>
+        <p:txBody>
+          <a:bodyPr/>
+          <a:lstStyle/>
+          <a:p>
+            <a:endParaRPr lang="es-ES"/>
+          </a:p>
+        </p:txBody>
+      </p:sp>
+      <p:sp>
+        <p:nvSpPr>
+          <p:cNvPr id="6" name="Marcador de número de diapositiva 5">
+            <a:extLst>
+              <a:ext uri="{FF2B5EF4-FFF2-40B4-BE49-F238E27FC236}">
+                <a16:creationId xmlns:a16="http://schemas.microsoft.com/office/drawing/2014/main" id="{AA7E709B-A729-AB1C-0970-5B1FD8D4BC68}"/>
+              </a:ext>
+            </a:extLst>
+          </p:cNvPr>
+          <p:cNvSpPr>
+            <a:spLocks noGrp="1"/>
+          </p:cNvSpPr>
+          <p:nvPr>
+            <p:ph type="sldNum" sz="quarter" idx="12"/>
+          </p:nvPr>
+        </p:nvSpPr>
+        <p:spPr/>
+        <p:txBody>
+          <a:bodyPr/>
+          <a:lstStyle/>
+          <a:p>
+            <a:pPr>
+              <a:defRPr/>
+            </a:pPr>
+            <a:fld id="{D59A6A4B-46E3-43DE-99F2-D9A5AD28FA7D}" type="slidenum">
+              <a:rPr lang="es-ES" altLang="es-ES" smtClean="0"/>
+              <a:pPr>
+                <a:defRPr/>
+              </a:pPr>
+              <a:t>‹Nº›</a:t>
+            </a:fld>
+            <a:endParaRPr lang="es-ES" altLang="es-ES"/>
+          </a:p>
+        </p:txBody>
+      </p:sp>
+    </p:spTree>
+    <p:extLst>
+      <p:ext uri="{BB962C8B-B14F-4D97-AF65-F5344CB8AC3E}">
+        <p14:creationId xmlns:p14="http://schemas.microsoft.com/office/powerpoint/2010/main" val="3647193233"/>
+      </p:ext>
+    </p:extLst>
+  </p:cSld>
+  <p:clrMapOvr>
+    <a:masterClrMapping/>
+  </p:clrMapOvr>
+</p:sldLayout>
+</file>
+
+<file path=ppt/slideLayouts/slideLayout3.xml><?xml version="1.0" encoding="utf-8"?>
+<p:sldLayout xmlns:a="http://schemas.openxmlformats.org/drawingml/2006/main" xmlns:r="http://schemas.openxmlformats.org/officeDocument/2006/relationships" xmlns:p="http://schemas.openxmlformats.org/presentationml/2006/main" type="secHead" preserve="1">
+  <p:cSld name="Encabezado de sección">
+    <p:spTree>
+      <p:nvGrpSpPr>
+        <p:cNvPr id="1" name=""/>
+        <p:cNvGrpSpPr/>
+        <p:nvPr/>
+      </p:nvGrpSpPr>
+      <p:grpSpPr>
+        <a:xfrm>
+          <a:off x="0" y="0"/>
+          <a:ext cx="0" cy="0"/>
+          <a:chOff x="0" y="0"/>
+          <a:chExt cx="0" cy="0"/>
+        </a:xfrm>
+      </p:grpSpPr>
+      <p:sp>
+        <p:nvSpPr>
+          <p:cNvPr id="2" name="Título 1">
+            <a:extLst>
+              <a:ext uri="{FF2B5EF4-FFF2-40B4-BE49-F238E27FC236}">
+                <a16:creationId xmlns:a16="http://schemas.microsoft.com/office/drawing/2014/main" id="{8F2D8F3F-2C45-63D1-A4A3-A03E8699F5EF}"/>
+              </a:ext>
+            </a:extLst>
+          </p:cNvPr>
+          <p:cNvSpPr>
+            <a:spLocks noGrp="1"/>
+          </p:cNvSpPr>
+          <p:nvPr>
+            <p:ph type="title"/>
+          </p:nvPr>
+        </p:nvSpPr>
+        <p:spPr>
+          <a:xfrm>
+            <a:off x="623888" y="1709739"/>
+            <a:ext cx="7886700" cy="2852737"/>
+          </a:xfrm>
+        </p:spPr>
+        <p:txBody>
+          <a:bodyPr anchor="b"/>
+          <a:lstStyle>
+            <a:lvl1pPr>
+              <a:defRPr sz="4500"/>
+            </a:lvl1pPr>
+          </a:lstStyle>
+          <a:p>
+            <a:r>
+              <a:rPr lang="es-ES"/>
+              <a:t>Haga clic para modificar el estilo de título del patrón</a:t>
+            </a:r>
+          </a:p>
+        </p:txBody>
+      </p:sp>
+      <p:sp>
+        <p:nvSpPr>
+          <p:cNvPr id="3" name="Marcador de texto 2">
+            <a:extLst>
+              <a:ext uri="{FF2B5EF4-FFF2-40B4-BE49-F238E27FC236}">
+                <a16:creationId xmlns:a16="http://schemas.microsoft.com/office/drawing/2014/main" id="{BD6EFD04-E395-1FE3-96CA-F770A7714343}"/>
+              </a:ext>
+            </a:extLst>
+          </p:cNvPr>
+          <p:cNvSpPr>
+            <a:spLocks noGrp="1"/>
+          </p:cNvSpPr>
+          <p:nvPr>
+            <p:ph type="body" idx="1"/>
+          </p:nvPr>
+        </p:nvSpPr>
+        <p:spPr>
+          <a:xfrm>
+            <a:off x="623888" y="4589464"/>
+            <a:ext cx="7886700" cy="1500187"/>
+          </a:xfrm>
+        </p:spPr>
+        <p:txBody>
+          <a:bodyPr/>
+          <a:lstStyle>
+            <a:lvl1pPr marL="0" indent="0">
+              <a:buNone/>
+              <a:defRPr sz="1800">
+                <a:solidFill>
+                  <a:schemeClr val="tx1">
+                    <a:tint val="82000"/>
+                  </a:schemeClr>
+                </a:solidFill>
+              </a:defRPr>
+            </a:lvl1pPr>
+            <a:lvl2pPr marL="342900" indent="0">
+              <a:buNone/>
+              <a:defRPr sz="1500">
+                <a:solidFill>
+                  <a:schemeClr val="tx1">
+                    <a:tint val="82000"/>
+                  </a:schemeClr>
+                </a:solidFill>
+              </a:defRPr>
+            </a:lvl2pPr>
+            <a:lvl3pPr marL="685800" indent="0">
+              <a:buNone/>
+              <a:defRPr sz="1350">
+                <a:solidFill>
+                  <a:schemeClr val="tx1">
+                    <a:tint val="82000"/>
+                  </a:schemeClr>
+                </a:solidFill>
+              </a:defRPr>
+            </a:lvl3pPr>
+            <a:lvl4pPr marL="1028700" indent="0">
+              <a:buNone/>
+              <a:defRPr sz="1200">
+                <a:solidFill>
+                  <a:schemeClr val="tx1">
+                    <a:tint val="82000"/>
+                  </a:schemeClr>
+                </a:solidFill>
+              </a:defRPr>
+            </a:lvl4pPr>
+            <a:lvl5pPr marL="1371600" indent="0">
+              <a:buNone/>
+              <a:defRPr sz="1200">
+                <a:solidFill>
+                  <a:schemeClr val="tx1">
+                    <a:tint val="82000"/>
+                  </a:schemeClr>
+                </a:solidFill>
+              </a:defRPr>
+            </a:lvl5pPr>
+            <a:lvl6pPr marL="1714500" indent="0">
+              <a:buNone/>
+              <a:defRPr sz="1200">
+                <a:solidFill>
+                  <a:schemeClr val="tx1">
+                    <a:tint val="82000"/>
+                  </a:schemeClr>
+                </a:solidFill>
+              </a:defRPr>
+            </a:lvl6pPr>
+            <a:lvl7pPr marL="2057400" indent="0">
+              <a:buNone/>
+              <a:defRPr sz="1200">
+                <a:solidFill>
+                  <a:schemeClr val="tx1">
+                    <a:tint val="82000"/>
+                  </a:schemeClr>
+                </a:solidFill>
+              </a:defRPr>
+            </a:lvl7pPr>
+            <a:lvl8pPr marL="2400300" indent="0">
+              <a:buNone/>
+              <a:defRPr sz="1200">
+                <a:solidFill>
+                  <a:schemeClr val="tx1">
+                    <a:tint val="82000"/>
+                  </a:schemeClr>
+                </a:solidFill>
+              </a:defRPr>
+            </a:lvl8pPr>
+            <a:lvl9pPr marL="2743200" indent="0">
+              <a:buNone/>
+              <a:defRPr sz="1200">
+                <a:solidFill>
+                  <a:schemeClr val="tx1">
+                    <a:tint val="82000"/>
+                  </a:schemeClr>
+                </a:solidFill>
+              </a:defRPr>
+            </a:lvl9pPr>
+          </a:lstStyle>
+          <a:p>
+            <a:pPr lvl="0"/>
+            <a:r>
+              <a:rPr lang="es-ES"/>
+              <a:t>Haga clic para modificar los estilos de texto del patrón</a:t>
+            </a:r>
+          </a:p>
+        </p:txBody>
+      </p:sp>
+      <p:sp>
+        <p:nvSpPr>
+          <p:cNvPr id="4" name="Marcador de fecha 3">
+            <a:extLst>
+              <a:ext uri="{FF2B5EF4-FFF2-40B4-BE49-F238E27FC236}">
+                <a16:creationId xmlns:a16="http://schemas.microsoft.com/office/drawing/2014/main" id="{39F028FD-0F55-87B6-A543-F75179E245BF}"/>
+              </a:ext>
+            </a:extLst>
+          </p:cNvPr>
+          <p:cNvSpPr>
+            <a:spLocks noGrp="1"/>
+          </p:cNvSpPr>
+          <p:nvPr>
+            <p:ph type="dt" sz="half" idx="10"/>
+          </p:nvPr>
+        </p:nvSpPr>
+        <p:spPr/>
+        <p:txBody>
+          <a:bodyPr/>
+          <a:lstStyle/>
+          <a:p>
+            <a:pPr>
+              <a:defRPr/>
+            </a:pPr>
+            <a:fld id="{95A91B64-9426-4E90-BEEB-721E9A22D2B8}" type="datetime1">
+              <a:rPr lang="es-ES" smtClean="0"/>
+              <a:t>06/11/2024</a:t>
+            </a:fld>
+            <a:endParaRPr lang="es-ES"/>
+          </a:p>
+        </p:txBody>
+      </p:sp>
+      <p:sp>
+        <p:nvSpPr>
+          <p:cNvPr id="5" name="Marcador de pie de página 4">
+            <a:extLst>
+              <a:ext uri="{FF2B5EF4-FFF2-40B4-BE49-F238E27FC236}">
+                <a16:creationId xmlns:a16="http://schemas.microsoft.com/office/drawing/2014/main" id="{3B3DFC62-AFE2-33B4-69DF-AA396CA7C1BD}"/>
+              </a:ext>
+            </a:extLst>
+          </p:cNvPr>
+          <p:cNvSpPr>
+            <a:spLocks noGrp="1"/>
+          </p:cNvSpPr>
+          <p:nvPr>
+            <p:ph type="ftr" sz="quarter" idx="11"/>
+          </p:nvPr>
+        </p:nvSpPr>
+        <p:spPr/>
+        <p:txBody>
+          <a:bodyPr/>
+          <a:lstStyle/>
+          <a:p>
+            <a:pPr>
+              <a:defRPr/>
+            </a:pPr>
+            <a:r>
+              <a:rPr lang="es-ES"/>
+              <a:t>Luis Herrero de Cos</a:t>
+            </a:r>
+          </a:p>
+        </p:txBody>
+      </p:sp>
+      <p:sp>
+        <p:nvSpPr>
+          <p:cNvPr id="6" name="Marcador de número de diapositiva 5">
+            <a:extLst>
+              <a:ext uri="{FF2B5EF4-FFF2-40B4-BE49-F238E27FC236}">
+                <a16:creationId xmlns:a16="http://schemas.microsoft.com/office/drawing/2014/main" id="{F5F4DCA6-9D33-C701-30DF-AB28390BCCA5}"/>
+              </a:ext>
+            </a:extLst>
+          </p:cNvPr>
+          <p:cNvSpPr>
+            <a:spLocks noGrp="1"/>
+          </p:cNvSpPr>
+          <p:nvPr>
+            <p:ph type="sldNum" sz="quarter" idx="12"/>
+          </p:nvPr>
+        </p:nvSpPr>
+        <p:spPr/>
+        <p:txBody>
+          <a:bodyPr/>
+          <a:lstStyle/>
+          <a:p>
+            <a:pPr>
+              <a:defRPr/>
+            </a:pPr>
+            <a:fld id="{527D32DB-BE70-4106-939D-9CDC3BCAEBA7}" type="slidenum">
+              <a:rPr lang="es-ES" altLang="es-ES" smtClean="0"/>
+              <a:pPr>
+                <a:defRPr/>
+              </a:pPr>
+              <a:t>‹Nº›</a:t>
+            </a:fld>
+            <a:endParaRPr lang="es-ES" altLang="es-ES"/>
+          </a:p>
+        </p:txBody>
+      </p:sp>
+    </p:spTree>
+    <p:extLst>
+      <p:ext uri="{BB962C8B-B14F-4D97-AF65-F5344CB8AC3E}">
+        <p14:creationId xmlns:p14="http://schemas.microsoft.com/office/powerpoint/2010/main" val="3344237503"/>
+      </p:ext>
+    </p:extLst>
+  </p:cSld>
+  <p:clrMapOvr>
+    <a:masterClrMapping/>
+  </p:clrMapOvr>
+</p:sldLayout>
+</file>
+
+<file path=ppt/slideLayouts/slideLayout4.xml><?xml version="1.0" encoding="utf-8"?>
+<p:sldLayout xmlns:a="http://schemas.openxmlformats.org/drawingml/2006/main" xmlns:r="http://schemas.openxmlformats.org/officeDocument/2006/relationships" xmlns:p="http://schemas.openxmlformats.org/presentationml/2006/main" type="twoObj" preserve="1">
+  <p:cSld name="Dos objetos">
+    <p:spTree>
+      <p:nvGrpSpPr>
+        <p:cNvPr id="1" name=""/>
+        <p:cNvGrpSpPr/>
+        <p:nvPr/>
+      </p:nvGrpSpPr>
+      <p:grpSpPr>
+        <a:xfrm>
+          <a:off x="0" y="0"/>
+          <a:ext cx="0" cy="0"/>
+          <a:chOff x="0" y="0"/>
+          <a:chExt cx="0" cy="0"/>
+        </a:xfrm>
+      </p:grpSpPr>
+      <p:sp>
+        <p:nvSpPr>
+          <p:cNvPr id="2" name="Título 1">
+            <a:extLst>
+              <a:ext uri="{FF2B5EF4-FFF2-40B4-BE49-F238E27FC236}">
+                <a16:creationId xmlns:a16="http://schemas.microsoft.com/office/drawing/2014/main" id="{D61523D7-70BF-BCBB-02CB-FDDD35630405}"/>
+              </a:ext>
+            </a:extLst>
+          </p:cNvPr>
+          <p:cNvSpPr>
+            <a:spLocks noGrp="1"/>
+          </p:cNvSpPr>
+          <p:nvPr>
+            <p:ph type="title"/>
+          </p:nvPr>
+        </p:nvSpPr>
+        <p:spPr/>
+        <p:txBody>
+          <a:bodyPr/>
+          <a:lstStyle/>
+          <a:p>
+            <a:r>
+              <a:rPr lang="es-ES"/>
+              <a:t>Haga clic para modificar el estilo de título del patrón</a:t>
+            </a:r>
+          </a:p>
+        </p:txBody>
+      </p:sp>
+      <p:sp>
+        <p:nvSpPr>
+          <p:cNvPr id="3" name="Marcador de contenido 2">
+            <a:extLst>
+              <a:ext uri="{FF2B5EF4-FFF2-40B4-BE49-F238E27FC236}">
+                <a16:creationId xmlns:a16="http://schemas.microsoft.com/office/drawing/2014/main" id="{230EDA27-39BA-0C38-41C0-C8C7BB93DD9A}"/>
+              </a:ext>
+            </a:extLst>
+          </p:cNvPr>
+          <p:cNvSpPr>
+            <a:spLocks noGrp="1"/>
+          </p:cNvSpPr>
+          <p:nvPr>
+            <p:ph sz="half" idx="1"/>
+          </p:nvPr>
+        </p:nvSpPr>
+        <p:spPr>
+          <a:xfrm>
+            <a:off x="628650" y="1825625"/>
+            <a:ext cx="3886200" cy="4351338"/>
+          </a:xfrm>
+        </p:spPr>
+        <p:txBody>
+          <a:bodyPr/>
+          <a:lstStyle/>
+          <a:p>
+            <a:pPr lvl="0"/>
+            <a:r>
+              <a:rPr lang="es-ES"/>
+              <a:t>Haga clic para modificar los estilos de texto del patrón</a:t>
+            </a:r>
+          </a:p>
+          <a:p>
+            <a:pPr lvl="1"/>
+            <a:r>
+              <a:rPr lang="es-ES"/>
+              <a:t>Segundo nivel</a:t>
+            </a:r>
+          </a:p>
+          <a:p>
+            <a:pPr lvl="2"/>
+            <a:r>
+              <a:rPr lang="es-ES"/>
+              <a:t>Tercer nivel</a:t>
+            </a:r>
+          </a:p>
+          <a:p>
+            <a:pPr lvl="3"/>
+            <a:r>
+              <a:rPr lang="es-ES"/>
+              <a:t>Cuarto nivel</a:t>
+            </a:r>
+          </a:p>
+          <a:p>
+            <a:pPr lvl="4"/>
+            <a:r>
+              <a:rPr lang="es-ES"/>
+              <a:t>Quinto nivel</a:t>
+            </a:r>
+          </a:p>
+        </p:txBody>
+      </p:sp>
+      <p:sp>
+        <p:nvSpPr>
+          <p:cNvPr id="4" name="Marcador de contenido 3">
+            <a:extLst>
+              <a:ext uri="{FF2B5EF4-FFF2-40B4-BE49-F238E27FC236}">
+                <a16:creationId xmlns:a16="http://schemas.microsoft.com/office/drawing/2014/main" id="{27CB82AC-E548-1F9B-B6F2-F921D34BE191}"/>
+              </a:ext>
+            </a:extLst>
+          </p:cNvPr>
+          <p:cNvSpPr>
+            <a:spLocks noGrp="1"/>
+          </p:cNvSpPr>
+          <p:nvPr>
+            <p:ph sz="half" idx="2"/>
+          </p:nvPr>
+        </p:nvSpPr>
+        <p:spPr>
+          <a:xfrm>
+            <a:off x="4629150" y="1825625"/>
+            <a:ext cx="3886200" cy="4351338"/>
+          </a:xfrm>
+        </p:spPr>
+        <p:txBody>
+          <a:bodyPr/>
+          <a:lstStyle/>
+          <a:p>
+            <a:pPr lvl="0"/>
+            <a:r>
+              <a:rPr lang="es-ES"/>
+              <a:t>Haga clic para modificar los estilos de texto del patrón</a:t>
+            </a:r>
+          </a:p>
+          <a:p>
+            <a:pPr lvl="1"/>
+            <a:r>
+              <a:rPr lang="es-ES"/>
+              <a:t>Segundo nivel</a:t>
+            </a:r>
+          </a:p>
+          <a:p>
+            <a:pPr lvl="2"/>
+            <a:r>
+              <a:rPr lang="es-ES"/>
+              <a:t>Tercer nivel</a:t>
+            </a:r>
+          </a:p>
+          <a:p>
+            <a:pPr lvl="3"/>
+            <a:r>
+              <a:rPr lang="es-ES"/>
+              <a:t>Cuarto nivel</a:t>
+            </a:r>
+          </a:p>
+          <a:p>
+            <a:pPr lvl="4"/>
+            <a:r>
+              <a:rPr lang="es-ES"/>
+              <a:t>Quinto nivel</a:t>
+            </a:r>
+          </a:p>
+        </p:txBody>
+      </p:sp>
+      <p:sp>
+        <p:nvSpPr>
+          <p:cNvPr id="5" name="Marcador de fecha 4">
+            <a:extLst>
+              <a:ext uri="{FF2B5EF4-FFF2-40B4-BE49-F238E27FC236}">
+                <a16:creationId xmlns:a16="http://schemas.microsoft.com/office/drawing/2014/main" id="{89D00D62-F786-412B-D7CA-DF7D5098CD49}"/>
+              </a:ext>
+            </a:extLst>
+          </p:cNvPr>
+          <p:cNvSpPr>
+            <a:spLocks noGrp="1"/>
+          </p:cNvSpPr>
+          <p:nvPr>
+            <p:ph type="dt" sz="half" idx="10"/>
+          </p:nvPr>
+        </p:nvSpPr>
+        <p:spPr/>
+        <p:txBody>
+          <a:bodyPr/>
+          <a:lstStyle/>
+          <a:p>
+            <a:pPr>
+              <a:defRPr/>
+            </a:pPr>
+            <a:fld id="{8EE270AE-6EC4-44CF-8BF6-310B3AC42212}" type="datetime1">
+              <a:rPr lang="es-ES" smtClean="0"/>
+              <a:t>06/11/2024</a:t>
+            </a:fld>
+            <a:endParaRPr lang="es-ES"/>
+          </a:p>
+        </p:txBody>
+      </p:sp>
+      <p:sp>
+        <p:nvSpPr>
+          <p:cNvPr id="6" name="Marcador de pie de página 5">
+            <a:extLst>
+              <a:ext uri="{FF2B5EF4-FFF2-40B4-BE49-F238E27FC236}">
+                <a16:creationId xmlns:a16="http://schemas.microsoft.com/office/drawing/2014/main" id="{F64E5438-69F9-63F7-16D3-90EF0E0F5317}"/>
+              </a:ext>
+            </a:extLst>
+          </p:cNvPr>
+          <p:cNvSpPr>
+            <a:spLocks noGrp="1"/>
+          </p:cNvSpPr>
+          <p:nvPr>
+            <p:ph type="ftr" sz="quarter" idx="11"/>
+          </p:nvPr>
+        </p:nvSpPr>
+        <p:spPr/>
+        <p:txBody>
+          <a:bodyPr/>
+          <a:lstStyle/>
+          <a:p>
+            <a:pPr>
+              <a:defRPr/>
+            </a:pPr>
+            <a:r>
+              <a:rPr lang="es-ES"/>
+              <a:t>Luis Herrero de Cos</a:t>
+            </a:r>
+          </a:p>
+        </p:txBody>
+      </p:sp>
+      <p:sp>
+        <p:nvSpPr>
+          <p:cNvPr id="7" name="Marcador de número de diapositiva 6">
+            <a:extLst>
+              <a:ext uri="{FF2B5EF4-FFF2-40B4-BE49-F238E27FC236}">
+                <a16:creationId xmlns:a16="http://schemas.microsoft.com/office/drawing/2014/main" id="{E647678F-AD6C-D43E-34C3-3808C4637BE8}"/>
+              </a:ext>
+            </a:extLst>
+          </p:cNvPr>
+          <p:cNvSpPr>
+            <a:spLocks noGrp="1"/>
+          </p:cNvSpPr>
+          <p:nvPr>
+            <p:ph type="sldNum" sz="quarter" idx="12"/>
+          </p:nvPr>
+        </p:nvSpPr>
+        <p:spPr/>
+        <p:txBody>
+          <a:bodyPr/>
+          <a:lstStyle/>
+          <a:p>
+            <a:pPr>
+              <a:defRPr/>
+            </a:pPr>
+            <a:fld id="{6644E08B-D10D-4B47-9A7B-373C9F0051C9}" type="slidenum">
+              <a:rPr lang="es-ES" altLang="es-ES" smtClean="0"/>
+              <a:pPr>
+                <a:defRPr/>
+              </a:pPr>
+              <a:t>‹Nº›</a:t>
+            </a:fld>
+            <a:endParaRPr lang="es-ES" altLang="es-ES"/>
+          </a:p>
+        </p:txBody>
+      </p:sp>
+    </p:spTree>
+    <p:extLst>
+      <p:ext uri="{BB962C8B-B14F-4D97-AF65-F5344CB8AC3E}">
+        <p14:creationId xmlns:p14="http://schemas.microsoft.com/office/powerpoint/2010/main" val="2355683838"/>
+      </p:ext>
+    </p:extLst>
+  </p:cSld>
+  <p:clrMapOvr>
+    <a:masterClrMapping/>
+  </p:clrMapOvr>
+</p:sldLayout>
+</file>
+
 <file path=ppt/slideLayouts/slideLayout5.xml><?xml version="1.0" encoding="utf-8"?>
 <p:sldLayout xmlns:a="http://schemas.openxmlformats.org/drawingml/2006/main" xmlns:r="http://schemas.openxmlformats.org/officeDocument/2006/relationships" xmlns:p="http://schemas.openxmlformats.org/presentationml/2006/main" type="twoTxTwoObj" preserve="1">
   <p:cSld name="Comparación">
@@ -5413,7 +5781,441 @@
       </p:grpSpPr>
       <p:sp>
         <p:nvSpPr>
-          <p:cNvPr id="10" name="Title 9"/>
+          <p:cNvPr id="2" name="Título 1">
+            <a:extLst>
+              <a:ext uri="{FF2B5EF4-FFF2-40B4-BE49-F238E27FC236}">
+                <a16:creationId xmlns:a16="http://schemas.microsoft.com/office/drawing/2014/main" id="{1FE74B76-C72D-0BFB-C4BB-0D281DD79B86}"/>
+              </a:ext>
+            </a:extLst>
+          </p:cNvPr>
+          <p:cNvSpPr>
+            <a:spLocks noGrp="1"/>
+          </p:cNvSpPr>
+          <p:nvPr>
+            <p:ph type="title"/>
+          </p:nvPr>
+        </p:nvSpPr>
+        <p:spPr>
+          <a:xfrm>
+            <a:off x="629841" y="365126"/>
+            <a:ext cx="7886700" cy="1325563"/>
+          </a:xfrm>
+        </p:spPr>
+        <p:txBody>
+          <a:bodyPr/>
+          <a:lstStyle/>
+          <a:p>
+            <a:r>
+              <a:rPr lang="es-ES"/>
+              <a:t>Haga clic para modificar el estilo de título del patrón</a:t>
+            </a:r>
+          </a:p>
+        </p:txBody>
+      </p:sp>
+      <p:sp>
+        <p:nvSpPr>
+          <p:cNvPr id="3" name="Marcador de texto 2">
+            <a:extLst>
+              <a:ext uri="{FF2B5EF4-FFF2-40B4-BE49-F238E27FC236}">
+                <a16:creationId xmlns:a16="http://schemas.microsoft.com/office/drawing/2014/main" id="{BFFE9FB3-A096-F375-2854-1D8BF20E0FD1}"/>
+              </a:ext>
+            </a:extLst>
+          </p:cNvPr>
+          <p:cNvSpPr>
+            <a:spLocks noGrp="1"/>
+          </p:cNvSpPr>
+          <p:nvPr>
+            <p:ph type="body" idx="1"/>
+          </p:nvPr>
+        </p:nvSpPr>
+        <p:spPr>
+          <a:xfrm>
+            <a:off x="629842" y="1681163"/>
+            <a:ext cx="3868340" cy="823912"/>
+          </a:xfrm>
+        </p:spPr>
+        <p:txBody>
+          <a:bodyPr anchor="b"/>
+          <a:lstStyle>
+            <a:lvl1pPr marL="0" indent="0">
+              <a:buNone/>
+              <a:defRPr sz="1800" b="1"/>
+            </a:lvl1pPr>
+            <a:lvl2pPr marL="342900" indent="0">
+              <a:buNone/>
+              <a:defRPr sz="1500" b="1"/>
+            </a:lvl2pPr>
+            <a:lvl3pPr marL="685800" indent="0">
+              <a:buNone/>
+              <a:defRPr sz="1350" b="1"/>
+            </a:lvl3pPr>
+            <a:lvl4pPr marL="1028700" indent="0">
+              <a:buNone/>
+              <a:defRPr sz="1200" b="1"/>
+            </a:lvl4pPr>
+            <a:lvl5pPr marL="1371600" indent="0">
+              <a:buNone/>
+              <a:defRPr sz="1200" b="1"/>
+            </a:lvl5pPr>
+            <a:lvl6pPr marL="1714500" indent="0">
+              <a:buNone/>
+              <a:defRPr sz="1200" b="1"/>
+            </a:lvl6pPr>
+            <a:lvl7pPr marL="2057400" indent="0">
+              <a:buNone/>
+              <a:defRPr sz="1200" b="1"/>
+            </a:lvl7pPr>
+            <a:lvl8pPr marL="2400300" indent="0">
+              <a:buNone/>
+              <a:defRPr sz="1200" b="1"/>
+            </a:lvl8pPr>
+            <a:lvl9pPr marL="2743200" indent="0">
+              <a:buNone/>
+              <a:defRPr sz="1200" b="1"/>
+            </a:lvl9pPr>
+          </a:lstStyle>
+          <a:p>
+            <a:pPr lvl="0"/>
+            <a:r>
+              <a:rPr lang="es-ES"/>
+              <a:t>Haga clic para modificar los estilos de texto del patrón</a:t>
+            </a:r>
+          </a:p>
+        </p:txBody>
+      </p:sp>
+      <p:sp>
+        <p:nvSpPr>
+          <p:cNvPr id="4" name="Marcador de contenido 3">
+            <a:extLst>
+              <a:ext uri="{FF2B5EF4-FFF2-40B4-BE49-F238E27FC236}">
+                <a16:creationId xmlns:a16="http://schemas.microsoft.com/office/drawing/2014/main" id="{98ED4C27-61F6-CECB-7818-5EC911137291}"/>
+              </a:ext>
+            </a:extLst>
+          </p:cNvPr>
+          <p:cNvSpPr>
+            <a:spLocks noGrp="1"/>
+          </p:cNvSpPr>
+          <p:nvPr>
+            <p:ph sz="half" idx="2"/>
+          </p:nvPr>
+        </p:nvSpPr>
+        <p:spPr>
+          <a:xfrm>
+            <a:off x="629842" y="2505075"/>
+            <a:ext cx="3868340" cy="3684588"/>
+          </a:xfrm>
+        </p:spPr>
+        <p:txBody>
+          <a:bodyPr/>
+          <a:lstStyle/>
+          <a:p>
+            <a:pPr lvl="0"/>
+            <a:r>
+              <a:rPr lang="es-ES"/>
+              <a:t>Haga clic para modificar los estilos de texto del patrón</a:t>
+            </a:r>
+          </a:p>
+          <a:p>
+            <a:pPr lvl="1"/>
+            <a:r>
+              <a:rPr lang="es-ES"/>
+              <a:t>Segundo nivel</a:t>
+            </a:r>
+          </a:p>
+          <a:p>
+            <a:pPr lvl="2"/>
+            <a:r>
+              <a:rPr lang="es-ES"/>
+              <a:t>Tercer nivel</a:t>
+            </a:r>
+          </a:p>
+          <a:p>
+            <a:pPr lvl="3"/>
+            <a:r>
+              <a:rPr lang="es-ES"/>
+              <a:t>Cuarto nivel</a:t>
+            </a:r>
+          </a:p>
+          <a:p>
+            <a:pPr lvl="4"/>
+            <a:r>
+              <a:rPr lang="es-ES"/>
+              <a:t>Quinto nivel</a:t>
+            </a:r>
+          </a:p>
+        </p:txBody>
+      </p:sp>
+      <p:sp>
+        <p:nvSpPr>
+          <p:cNvPr id="5" name="Marcador de texto 4">
+            <a:extLst>
+              <a:ext uri="{FF2B5EF4-FFF2-40B4-BE49-F238E27FC236}">
+                <a16:creationId xmlns:a16="http://schemas.microsoft.com/office/drawing/2014/main" id="{B56EF74E-67F3-85DC-13D2-B5F862291A8E}"/>
+              </a:ext>
+            </a:extLst>
+          </p:cNvPr>
+          <p:cNvSpPr>
+            <a:spLocks noGrp="1"/>
+          </p:cNvSpPr>
+          <p:nvPr>
+            <p:ph type="body" sz="quarter" idx="3"/>
+          </p:nvPr>
+        </p:nvSpPr>
+        <p:spPr>
+          <a:xfrm>
+            <a:off x="4629150" y="1681163"/>
+            <a:ext cx="3887391" cy="823912"/>
+          </a:xfrm>
+        </p:spPr>
+        <p:txBody>
+          <a:bodyPr anchor="b"/>
+          <a:lstStyle>
+            <a:lvl1pPr marL="0" indent="0">
+              <a:buNone/>
+              <a:defRPr sz="1800" b="1"/>
+            </a:lvl1pPr>
+            <a:lvl2pPr marL="342900" indent="0">
+              <a:buNone/>
+              <a:defRPr sz="1500" b="1"/>
+            </a:lvl2pPr>
+            <a:lvl3pPr marL="685800" indent="0">
+              <a:buNone/>
+              <a:defRPr sz="1350" b="1"/>
+            </a:lvl3pPr>
+            <a:lvl4pPr marL="1028700" indent="0">
+              <a:buNone/>
+              <a:defRPr sz="1200" b="1"/>
+            </a:lvl4pPr>
+            <a:lvl5pPr marL="1371600" indent="0">
+              <a:buNone/>
+              <a:defRPr sz="1200" b="1"/>
+            </a:lvl5pPr>
+            <a:lvl6pPr marL="1714500" indent="0">
+              <a:buNone/>
+              <a:defRPr sz="1200" b="1"/>
+            </a:lvl6pPr>
+            <a:lvl7pPr marL="2057400" indent="0">
+              <a:buNone/>
+              <a:defRPr sz="1200" b="1"/>
+            </a:lvl7pPr>
+            <a:lvl8pPr marL="2400300" indent="0">
+              <a:buNone/>
+              <a:defRPr sz="1200" b="1"/>
+            </a:lvl8pPr>
+            <a:lvl9pPr marL="2743200" indent="0">
+              <a:buNone/>
+              <a:defRPr sz="1200" b="1"/>
+            </a:lvl9pPr>
+          </a:lstStyle>
+          <a:p>
+            <a:pPr lvl="0"/>
+            <a:r>
+              <a:rPr lang="es-ES"/>
+              <a:t>Haga clic para modificar los estilos de texto del patrón</a:t>
+            </a:r>
+          </a:p>
+        </p:txBody>
+      </p:sp>
+      <p:sp>
+        <p:nvSpPr>
+          <p:cNvPr id="6" name="Marcador de contenido 5">
+            <a:extLst>
+              <a:ext uri="{FF2B5EF4-FFF2-40B4-BE49-F238E27FC236}">
+                <a16:creationId xmlns:a16="http://schemas.microsoft.com/office/drawing/2014/main" id="{A04230A0-8B82-6D77-5406-C9A593FBDE5D}"/>
+              </a:ext>
+            </a:extLst>
+          </p:cNvPr>
+          <p:cNvSpPr>
+            <a:spLocks noGrp="1"/>
+          </p:cNvSpPr>
+          <p:nvPr>
+            <p:ph sz="quarter" idx="4"/>
+          </p:nvPr>
+        </p:nvSpPr>
+        <p:spPr>
+          <a:xfrm>
+            <a:off x="4629150" y="2505075"/>
+            <a:ext cx="3887391" cy="3684588"/>
+          </a:xfrm>
+        </p:spPr>
+        <p:txBody>
+          <a:bodyPr/>
+          <a:lstStyle/>
+          <a:p>
+            <a:pPr lvl="0"/>
+            <a:r>
+              <a:rPr lang="es-ES"/>
+              <a:t>Haga clic para modificar los estilos de texto del patrón</a:t>
+            </a:r>
+          </a:p>
+          <a:p>
+            <a:pPr lvl="1"/>
+            <a:r>
+              <a:rPr lang="es-ES"/>
+              <a:t>Segundo nivel</a:t>
+            </a:r>
+          </a:p>
+          <a:p>
+            <a:pPr lvl="2"/>
+            <a:r>
+              <a:rPr lang="es-ES"/>
+              <a:t>Tercer nivel</a:t>
+            </a:r>
+          </a:p>
+          <a:p>
+            <a:pPr lvl="3"/>
+            <a:r>
+              <a:rPr lang="es-ES"/>
+              <a:t>Cuarto nivel</a:t>
+            </a:r>
+          </a:p>
+          <a:p>
+            <a:pPr lvl="4"/>
+            <a:r>
+              <a:rPr lang="es-ES"/>
+              <a:t>Quinto nivel</a:t>
+            </a:r>
+          </a:p>
+        </p:txBody>
+      </p:sp>
+      <p:sp>
+        <p:nvSpPr>
+          <p:cNvPr id="7" name="Marcador de fecha 6">
+            <a:extLst>
+              <a:ext uri="{FF2B5EF4-FFF2-40B4-BE49-F238E27FC236}">
+                <a16:creationId xmlns:a16="http://schemas.microsoft.com/office/drawing/2014/main" id="{D11BFC73-C898-BBB2-0DDB-04ADA19E2431}"/>
+              </a:ext>
+            </a:extLst>
+          </p:cNvPr>
+          <p:cNvSpPr>
+            <a:spLocks noGrp="1"/>
+          </p:cNvSpPr>
+          <p:nvPr>
+            <p:ph type="dt" sz="half" idx="10"/>
+          </p:nvPr>
+        </p:nvSpPr>
+        <p:spPr/>
+        <p:txBody>
+          <a:bodyPr/>
+          <a:lstStyle/>
+          <a:p>
+            <a:pPr>
+              <a:defRPr/>
+            </a:pPr>
+            <a:fld id="{3D25626F-1ABB-4233-A963-1001A1C4C986}" type="datetime1">
+              <a:rPr lang="es-ES" smtClean="0"/>
+              <a:t>06/11/2024</a:t>
+            </a:fld>
+            <a:endParaRPr lang="es-ES"/>
+          </a:p>
+        </p:txBody>
+      </p:sp>
+      <p:sp>
+        <p:nvSpPr>
+          <p:cNvPr id="8" name="Marcador de pie de página 7">
+            <a:extLst>
+              <a:ext uri="{FF2B5EF4-FFF2-40B4-BE49-F238E27FC236}">
+                <a16:creationId xmlns:a16="http://schemas.microsoft.com/office/drawing/2014/main" id="{12144279-73F6-45DA-2D27-D0AD7BCF2B04}"/>
+              </a:ext>
+            </a:extLst>
+          </p:cNvPr>
+          <p:cNvSpPr>
+            <a:spLocks noGrp="1"/>
+          </p:cNvSpPr>
+          <p:nvPr>
+            <p:ph type="ftr" sz="quarter" idx="11"/>
+          </p:nvPr>
+        </p:nvSpPr>
+        <p:spPr/>
+        <p:txBody>
+          <a:bodyPr/>
+          <a:lstStyle/>
+          <a:p>
+            <a:pPr>
+              <a:defRPr/>
+            </a:pPr>
+            <a:r>
+              <a:rPr lang="es-ES"/>
+              <a:t>Luis Herrero de Cos</a:t>
+            </a:r>
+          </a:p>
+        </p:txBody>
+      </p:sp>
+      <p:sp>
+        <p:nvSpPr>
+          <p:cNvPr id="9" name="Marcador de número de diapositiva 8">
+            <a:extLst>
+              <a:ext uri="{FF2B5EF4-FFF2-40B4-BE49-F238E27FC236}">
+                <a16:creationId xmlns:a16="http://schemas.microsoft.com/office/drawing/2014/main" id="{46E9AE96-6BE2-9486-3C18-2FBD968FF93D}"/>
+              </a:ext>
+            </a:extLst>
+          </p:cNvPr>
+          <p:cNvSpPr>
+            <a:spLocks noGrp="1"/>
+          </p:cNvSpPr>
+          <p:nvPr>
+            <p:ph type="sldNum" sz="quarter" idx="12"/>
+          </p:nvPr>
+        </p:nvSpPr>
+        <p:spPr/>
+        <p:txBody>
+          <a:bodyPr/>
+          <a:lstStyle/>
+          <a:p>
+            <a:pPr>
+              <a:defRPr/>
+            </a:pPr>
+            <a:fld id="{6644E08B-D10D-4B47-9A7B-373C9F0051C9}" type="slidenum">
+              <a:rPr lang="es-ES" altLang="es-ES" smtClean="0"/>
+              <a:pPr>
+                <a:defRPr/>
+              </a:pPr>
+              <a:t>‹Nº›</a:t>
+            </a:fld>
+            <a:endParaRPr lang="es-ES" altLang="es-ES"/>
+          </a:p>
+        </p:txBody>
+      </p:sp>
+    </p:spTree>
+    <p:extLst>
+      <p:ext uri="{BB962C8B-B14F-4D97-AF65-F5344CB8AC3E}">
+        <p14:creationId xmlns:p14="http://schemas.microsoft.com/office/powerpoint/2010/main" val="1404827275"/>
+      </p:ext>
+    </p:extLst>
+  </p:cSld>
+  <p:clrMapOvr>
+    <a:masterClrMapping/>
+  </p:clrMapOvr>
+  <p:hf hdr="0" ftr="0" dt="0"/>
+</p:sldLayout>
+</file>
+
+<file path=ppt/slideLayouts/slideLayout6.xml><?xml version="1.0" encoding="utf-8"?>
+<p:sldLayout xmlns:a="http://schemas.openxmlformats.org/drawingml/2006/main" xmlns:r="http://schemas.openxmlformats.org/officeDocument/2006/relationships" xmlns:p="http://schemas.openxmlformats.org/presentationml/2006/main" type="titleOnly" preserve="1">
+  <p:cSld name="Solo el título">
+    <p:spTree>
+      <p:nvGrpSpPr>
+        <p:cNvPr id="1" name=""/>
+        <p:cNvGrpSpPr/>
+        <p:nvPr/>
+      </p:nvGrpSpPr>
+      <p:grpSpPr>
+        <a:xfrm>
+          <a:off x="0" y="0"/>
+          <a:ext cx="0" cy="0"/>
+          <a:chOff x="0" y="0"/>
+          <a:chExt cx="0" cy="0"/>
+        </a:xfrm>
+      </p:grpSpPr>
+      <p:sp>
+        <p:nvSpPr>
+          <p:cNvPr id="2" name="Título 1">
+            <a:extLst>
+              <a:ext uri="{FF2B5EF4-FFF2-40B4-BE49-F238E27FC236}">
+                <a16:creationId xmlns:a16="http://schemas.microsoft.com/office/drawing/2014/main" id="{B2663AC3-074F-8444-8EDD-273B8F23BCF5}"/>
+              </a:ext>
+            </a:extLst>
+          </p:cNvPr>
           <p:cNvSpPr>
             <a:spLocks noGrp="1"/>
           </p:cNvSpPr>
@@ -5430,129 +6232,353 @@
               <a:rPr lang="es-ES"/>
               <a:t>Haga clic para modificar el estilo de título del patrón</a:t>
             </a:r>
-            <a:endParaRPr lang="en-US" dirty="0"/>
           </a:p>
         </p:txBody>
       </p:sp>
       <p:sp>
         <p:nvSpPr>
-          <p:cNvPr id="3" name="Text Placeholder 2"/>
+          <p:cNvPr id="3" name="Marcador de fecha 2">
+            <a:extLst>
+              <a:ext uri="{FF2B5EF4-FFF2-40B4-BE49-F238E27FC236}">
+                <a16:creationId xmlns:a16="http://schemas.microsoft.com/office/drawing/2014/main" id="{6A167C62-16F9-D956-1937-65C5564FD6E2}"/>
+              </a:ext>
+            </a:extLst>
+          </p:cNvPr>
           <p:cNvSpPr>
             <a:spLocks noGrp="1"/>
           </p:cNvSpPr>
           <p:nvPr>
-            <p:ph type="body" idx="1"/>
+            <p:ph type="dt" sz="half" idx="10"/>
           </p:nvPr>
         </p:nvSpPr>
-        <p:spPr>
-          <a:xfrm>
-            <a:off x="946404" y="1717185"/>
-            <a:ext cx="3360420" cy="731520"/>
-          </a:xfrm>
-        </p:spPr>
+        <p:spPr/>
         <p:txBody>
-          <a:bodyPr anchor="b">
-            <a:normAutofit/>
-          </a:bodyPr>
-          <a:lstStyle>
-            <a:lvl1pPr marL="0" indent="0">
-              <a:spcBef>
-                <a:spcPts val="0"/>
-              </a:spcBef>
-              <a:buNone/>
-              <a:defRPr sz="1800" b="0">
-                <a:solidFill>
-                  <a:schemeClr val="tx2"/>
-                </a:solidFill>
-              </a:defRPr>
-            </a:lvl1pPr>
-            <a:lvl2pPr marL="457200" indent="0">
-              <a:buNone/>
-              <a:defRPr sz="1800" b="1"/>
-            </a:lvl2pPr>
-            <a:lvl3pPr marL="914400" indent="0">
-              <a:buNone/>
-              <a:defRPr sz="1800" b="1"/>
-            </a:lvl3pPr>
-            <a:lvl4pPr marL="1371600" indent="0">
-              <a:buNone/>
-              <a:defRPr sz="1600" b="1"/>
-            </a:lvl4pPr>
-            <a:lvl5pPr marL="1828800" indent="0">
-              <a:buNone/>
-              <a:defRPr sz="1600" b="1"/>
-            </a:lvl5pPr>
-            <a:lvl6pPr marL="2286000" indent="0">
-              <a:buNone/>
-              <a:defRPr sz="1600" b="1"/>
-            </a:lvl6pPr>
-            <a:lvl7pPr marL="2743200" indent="0">
-              <a:buNone/>
-              <a:defRPr sz="1600" b="1"/>
-            </a:lvl7pPr>
-            <a:lvl8pPr marL="3200400" indent="0">
-              <a:buNone/>
-              <a:defRPr sz="1600" b="1"/>
-            </a:lvl8pPr>
-            <a:lvl9pPr marL="3657600" indent="0">
-              <a:buNone/>
-              <a:defRPr sz="1600" b="1"/>
-            </a:lvl9pPr>
-          </a:lstStyle>
+          <a:bodyPr/>
+          <a:lstStyle/>
           <a:p>
-            <a:pPr lvl="0"/>
+            <a:pPr>
+              <a:defRPr/>
+            </a:pPr>
+            <a:fld id="{F070DB3D-2217-499E-B6D6-7FECB61353D7}" type="datetime1">
+              <a:rPr lang="es-ES" smtClean="0"/>
+              <a:t>06/11/2024</a:t>
+            </a:fld>
+            <a:endParaRPr lang="es-ES"/>
+          </a:p>
+        </p:txBody>
+      </p:sp>
+      <p:sp>
+        <p:nvSpPr>
+          <p:cNvPr id="4" name="Marcador de pie de página 3">
+            <a:extLst>
+              <a:ext uri="{FF2B5EF4-FFF2-40B4-BE49-F238E27FC236}">
+                <a16:creationId xmlns:a16="http://schemas.microsoft.com/office/drawing/2014/main" id="{5501B226-0E9A-C8E2-F362-574F84EE3DA8}"/>
+              </a:ext>
+            </a:extLst>
+          </p:cNvPr>
+          <p:cNvSpPr>
+            <a:spLocks noGrp="1"/>
+          </p:cNvSpPr>
+          <p:nvPr>
+            <p:ph type="ftr" sz="quarter" idx="11"/>
+          </p:nvPr>
+        </p:nvSpPr>
+        <p:spPr/>
+        <p:txBody>
+          <a:bodyPr/>
+          <a:lstStyle/>
+          <a:p>
+            <a:pPr>
+              <a:defRPr/>
+            </a:pPr>
             <a:r>
               <a:rPr lang="es-ES"/>
-              <a:t>Haga clic para modificar los estilos de texto del patrón</a:t>
+              <a:t>Luis Herrero de Cos</a:t>
             </a:r>
           </a:p>
         </p:txBody>
       </p:sp>
       <p:sp>
         <p:nvSpPr>
-          <p:cNvPr id="4" name="Content Placeholder 3"/>
+          <p:cNvPr id="5" name="Marcador de número de diapositiva 4">
+            <a:extLst>
+              <a:ext uri="{FF2B5EF4-FFF2-40B4-BE49-F238E27FC236}">
+                <a16:creationId xmlns:a16="http://schemas.microsoft.com/office/drawing/2014/main" id="{4D51AE53-D073-FE35-9327-FD84A54317E4}"/>
+              </a:ext>
+            </a:extLst>
+          </p:cNvPr>
           <p:cNvSpPr>
             <a:spLocks noGrp="1"/>
           </p:cNvSpPr>
           <p:nvPr>
-            <p:ph sz="half" idx="2"/>
+            <p:ph type="sldNum" sz="quarter" idx="12"/>
+          </p:nvPr>
+        </p:nvSpPr>
+        <p:spPr/>
+        <p:txBody>
+          <a:bodyPr/>
+          <a:lstStyle/>
+          <a:p>
+            <a:pPr>
+              <a:defRPr/>
+            </a:pPr>
+            <a:fld id="{B48AE63A-8C6B-4050-ADD0-06AF8FB88512}" type="slidenum">
+              <a:rPr lang="es-ES" altLang="es-ES" smtClean="0"/>
+              <a:pPr>
+                <a:defRPr/>
+              </a:pPr>
+              <a:t>‹Nº›</a:t>
+            </a:fld>
+            <a:endParaRPr lang="es-ES" altLang="es-ES"/>
+          </a:p>
+        </p:txBody>
+      </p:sp>
+    </p:spTree>
+    <p:extLst>
+      <p:ext uri="{BB962C8B-B14F-4D97-AF65-F5344CB8AC3E}">
+        <p14:creationId xmlns:p14="http://schemas.microsoft.com/office/powerpoint/2010/main" val="1199612476"/>
+      </p:ext>
+    </p:extLst>
+  </p:cSld>
+  <p:clrMapOvr>
+    <a:masterClrMapping/>
+  </p:clrMapOvr>
+</p:sldLayout>
+</file>
+
+<file path=ppt/slideLayouts/slideLayout7.xml><?xml version="1.0" encoding="utf-8"?>
+<p:sldLayout xmlns:a="http://schemas.openxmlformats.org/drawingml/2006/main" xmlns:r="http://schemas.openxmlformats.org/officeDocument/2006/relationships" xmlns:p="http://schemas.openxmlformats.org/presentationml/2006/main" type="blank" preserve="1">
+  <p:cSld name="En blanco">
+    <p:spTree>
+      <p:nvGrpSpPr>
+        <p:cNvPr id="1" name=""/>
+        <p:cNvGrpSpPr/>
+        <p:nvPr/>
+      </p:nvGrpSpPr>
+      <p:grpSpPr>
+        <a:xfrm>
+          <a:off x="0" y="0"/>
+          <a:ext cx="0" cy="0"/>
+          <a:chOff x="0" y="0"/>
+          <a:chExt cx="0" cy="0"/>
+        </a:xfrm>
+      </p:grpSpPr>
+      <p:sp>
+        <p:nvSpPr>
+          <p:cNvPr id="2" name="Marcador de fecha 1">
+            <a:extLst>
+              <a:ext uri="{FF2B5EF4-FFF2-40B4-BE49-F238E27FC236}">
+                <a16:creationId xmlns:a16="http://schemas.microsoft.com/office/drawing/2014/main" id="{C4D4A95D-5A81-B511-F65A-AFA25DC6D563}"/>
+              </a:ext>
+            </a:extLst>
+          </p:cNvPr>
+          <p:cNvSpPr>
+            <a:spLocks noGrp="1"/>
+          </p:cNvSpPr>
+          <p:nvPr>
+            <p:ph type="dt" sz="half" idx="10"/>
+          </p:nvPr>
+        </p:nvSpPr>
+        <p:spPr/>
+        <p:txBody>
+          <a:bodyPr/>
+          <a:lstStyle/>
+          <a:p>
+            <a:pPr>
+              <a:defRPr/>
+            </a:pPr>
+            <a:fld id="{3A4BA6E9-C2AB-475E-B167-F5067E2F98D2}" type="datetime1">
+              <a:rPr lang="es-ES" smtClean="0"/>
+              <a:t>06/11/2024</a:t>
+            </a:fld>
+            <a:endParaRPr lang="es-ES"/>
+          </a:p>
+        </p:txBody>
+      </p:sp>
+      <p:sp>
+        <p:nvSpPr>
+          <p:cNvPr id="3" name="Marcador de pie de página 2">
+            <a:extLst>
+              <a:ext uri="{FF2B5EF4-FFF2-40B4-BE49-F238E27FC236}">
+                <a16:creationId xmlns:a16="http://schemas.microsoft.com/office/drawing/2014/main" id="{3252973E-D9BE-6647-A370-74A6F8DF04A2}"/>
+              </a:ext>
+            </a:extLst>
+          </p:cNvPr>
+          <p:cNvSpPr>
+            <a:spLocks noGrp="1"/>
+          </p:cNvSpPr>
+          <p:nvPr>
+            <p:ph type="ftr" sz="quarter" idx="11"/>
+          </p:nvPr>
+        </p:nvSpPr>
+        <p:spPr/>
+        <p:txBody>
+          <a:bodyPr/>
+          <a:lstStyle/>
+          <a:p>
+            <a:pPr>
+              <a:defRPr/>
+            </a:pPr>
+            <a:r>
+              <a:rPr lang="es-ES"/>
+              <a:t>Luis Herrero de Cos</a:t>
+            </a:r>
+          </a:p>
+        </p:txBody>
+      </p:sp>
+      <p:sp>
+        <p:nvSpPr>
+          <p:cNvPr id="4" name="Marcador de número de diapositiva 3">
+            <a:extLst>
+              <a:ext uri="{FF2B5EF4-FFF2-40B4-BE49-F238E27FC236}">
+                <a16:creationId xmlns:a16="http://schemas.microsoft.com/office/drawing/2014/main" id="{1BD9AB65-7DAD-1564-FDB4-83F64A4C89CC}"/>
+              </a:ext>
+            </a:extLst>
+          </p:cNvPr>
+          <p:cNvSpPr>
+            <a:spLocks noGrp="1"/>
+          </p:cNvSpPr>
+          <p:nvPr>
+            <p:ph type="sldNum" sz="quarter" idx="12"/>
+          </p:nvPr>
+        </p:nvSpPr>
+        <p:spPr/>
+        <p:txBody>
+          <a:bodyPr/>
+          <a:lstStyle/>
+          <a:p>
+            <a:pPr>
+              <a:defRPr/>
+            </a:pPr>
+            <a:fld id="{82668D0A-DA1D-4814-A0B9-BD2E369BEDFD}" type="slidenum">
+              <a:rPr lang="es-ES" altLang="es-ES" smtClean="0"/>
+              <a:pPr>
+                <a:defRPr/>
+              </a:pPr>
+              <a:t>‹Nº›</a:t>
+            </a:fld>
+            <a:endParaRPr lang="es-ES" altLang="es-ES"/>
+          </a:p>
+        </p:txBody>
+      </p:sp>
+    </p:spTree>
+    <p:extLst>
+      <p:ext uri="{BB962C8B-B14F-4D97-AF65-F5344CB8AC3E}">
+        <p14:creationId xmlns:p14="http://schemas.microsoft.com/office/powerpoint/2010/main" val="1319524034"/>
+      </p:ext>
+    </p:extLst>
+  </p:cSld>
+  <p:clrMapOvr>
+    <a:masterClrMapping/>
+  </p:clrMapOvr>
+</p:sldLayout>
+</file>
+
+<file path=ppt/slideLayouts/slideLayout8.xml><?xml version="1.0" encoding="utf-8"?>
+<p:sldLayout xmlns:a="http://schemas.openxmlformats.org/drawingml/2006/main" xmlns:r="http://schemas.openxmlformats.org/officeDocument/2006/relationships" xmlns:p="http://schemas.openxmlformats.org/presentationml/2006/main" type="objTx" preserve="1">
+  <p:cSld name="Contenido con título">
+    <p:spTree>
+      <p:nvGrpSpPr>
+        <p:cNvPr id="1" name=""/>
+        <p:cNvGrpSpPr/>
+        <p:nvPr/>
+      </p:nvGrpSpPr>
+      <p:grpSpPr>
+        <a:xfrm>
+          <a:off x="0" y="0"/>
+          <a:ext cx="0" cy="0"/>
+          <a:chOff x="0" y="0"/>
+          <a:chExt cx="0" cy="0"/>
+        </a:xfrm>
+      </p:grpSpPr>
+      <p:sp>
+        <p:nvSpPr>
+          <p:cNvPr id="2" name="Título 1">
+            <a:extLst>
+              <a:ext uri="{FF2B5EF4-FFF2-40B4-BE49-F238E27FC236}">
+                <a16:creationId xmlns:a16="http://schemas.microsoft.com/office/drawing/2014/main" id="{679BDFD8-9139-B8B9-51ED-A78CBA873C6A}"/>
+              </a:ext>
+            </a:extLst>
+          </p:cNvPr>
+          <p:cNvSpPr>
+            <a:spLocks noGrp="1"/>
+          </p:cNvSpPr>
+          <p:nvPr>
+            <p:ph type="title"/>
           </p:nvPr>
         </p:nvSpPr>
         <p:spPr>
           <a:xfrm>
-            <a:off x="946404" y="2507550"/>
-            <a:ext cx="3360420" cy="3664650"/>
+            <a:off x="629841" y="457200"/>
+            <a:ext cx="2949178" cy="1600200"/>
+          </a:xfrm>
+        </p:spPr>
+        <p:txBody>
+          <a:bodyPr anchor="b"/>
+          <a:lstStyle>
+            <a:lvl1pPr>
+              <a:defRPr sz="2400"/>
+            </a:lvl1pPr>
+          </a:lstStyle>
+          <a:p>
+            <a:r>
+              <a:rPr lang="es-ES"/>
+              <a:t>Haga clic para modificar el estilo de título del patrón</a:t>
+            </a:r>
+          </a:p>
+        </p:txBody>
+      </p:sp>
+      <p:sp>
+        <p:nvSpPr>
+          <p:cNvPr id="3" name="Marcador de contenido 2">
+            <a:extLst>
+              <a:ext uri="{FF2B5EF4-FFF2-40B4-BE49-F238E27FC236}">
+                <a16:creationId xmlns:a16="http://schemas.microsoft.com/office/drawing/2014/main" id="{47FC91D7-A388-AE19-AA45-D59A1BC47515}"/>
+              </a:ext>
+            </a:extLst>
+          </p:cNvPr>
+          <p:cNvSpPr>
+            <a:spLocks noGrp="1"/>
+          </p:cNvSpPr>
+          <p:nvPr>
+            <p:ph idx="1"/>
+          </p:nvPr>
+        </p:nvSpPr>
+        <p:spPr>
+          <a:xfrm>
+            <a:off x="3887391" y="987426"/>
+            <a:ext cx="4629150" cy="4873625"/>
           </a:xfrm>
         </p:spPr>
         <p:txBody>
           <a:bodyPr/>
           <a:lstStyle>
             <a:lvl1pPr>
-              <a:defRPr sz="1800"/>
+              <a:defRPr sz="2400"/>
             </a:lvl1pPr>
             <a:lvl2pPr>
-              <a:defRPr sz="1600"/>
+              <a:defRPr sz="2100"/>
             </a:lvl2pPr>
             <a:lvl3pPr>
-              <a:defRPr sz="1400"/>
+              <a:defRPr sz="1800"/>
             </a:lvl3pPr>
             <a:lvl4pPr>
-              <a:defRPr sz="1400"/>
+              <a:defRPr sz="1500"/>
             </a:lvl4pPr>
             <a:lvl5pPr>
-              <a:defRPr sz="1400"/>
+              <a:defRPr sz="1500"/>
             </a:lvl5pPr>
             <a:lvl6pPr>
-              <a:defRPr sz="1400"/>
+              <a:defRPr sz="1500"/>
             </a:lvl6pPr>
             <a:lvl7pPr>
-              <a:defRPr sz="1400"/>
+              <a:defRPr sz="1500"/>
             </a:lvl7pPr>
             <a:lvl8pPr>
-              <a:defRPr sz="1400"/>
+              <a:defRPr sz="1500"/>
             </a:lvl8pPr>
             <a:lvl9pPr>
-              <a:defRPr sz="1400"/>
+              <a:defRPr sz="1500"/>
             </a:lvl9pPr>
           </a:lstStyle>
           <a:p>
@@ -5589,61 +6615,73 @@
               <a:rPr lang="es-ES"/>
               <a:t>Quinto nivel</a:t>
             </a:r>
-            <a:endParaRPr lang="en-US" dirty="0"/>
           </a:p>
         </p:txBody>
       </p:sp>
       <p:sp>
         <p:nvSpPr>
-          <p:cNvPr id="11" name="Text Placeholder 10"/>
+          <p:cNvPr id="4" name="Marcador de texto 3">
+            <a:extLst>
+              <a:ext uri="{FF2B5EF4-FFF2-40B4-BE49-F238E27FC236}">
+                <a16:creationId xmlns:a16="http://schemas.microsoft.com/office/drawing/2014/main" id="{776DF87B-2FC6-7F29-6129-174D15D06843}"/>
+              </a:ext>
+            </a:extLst>
+          </p:cNvPr>
           <p:cNvSpPr>
             <a:spLocks noGrp="1"/>
           </p:cNvSpPr>
           <p:nvPr>
-            <p:ph type="body" sz="quarter" idx="13"/>
+            <p:ph type="body" sz="half" idx="2"/>
           </p:nvPr>
         </p:nvSpPr>
         <p:spPr>
           <a:xfrm>
-            <a:off x="4599432" y="1717185"/>
-            <a:ext cx="3364992" cy="731520"/>
+            <a:off x="629841" y="2057400"/>
+            <a:ext cx="2949178" cy="3811588"/>
           </a:xfrm>
         </p:spPr>
         <p:txBody>
-          <a:bodyPr anchor="b">
-            <a:normAutofit/>
-          </a:bodyPr>
+          <a:bodyPr/>
           <a:lstStyle>
             <a:lvl1pPr marL="0" indent="0">
-              <a:buFontTx/>
               <a:buNone/>
-              <a:defRPr lang="en-US" sz="1800" b="0" kern="1200" spc="10" baseline="0" dirty="0">
-                <a:solidFill>
-                  <a:schemeClr val="tx2"/>
-                </a:solidFill>
-                <a:latin typeface="+mn-lt"/>
-                <a:ea typeface="+mn-ea"/>
-                <a:cs typeface="+mn-cs"/>
-              </a:defRPr>
+              <a:defRPr sz="1200"/>
             </a:lvl1pPr>
+            <a:lvl2pPr marL="342900" indent="0">
+              <a:buNone/>
+              <a:defRPr sz="1050"/>
+            </a:lvl2pPr>
+            <a:lvl3pPr marL="685800" indent="0">
+              <a:buNone/>
+              <a:defRPr sz="900"/>
+            </a:lvl3pPr>
+            <a:lvl4pPr marL="1028700" indent="0">
+              <a:buNone/>
+              <a:defRPr sz="750"/>
+            </a:lvl4pPr>
+            <a:lvl5pPr marL="1371600" indent="0">
+              <a:buNone/>
+              <a:defRPr sz="750"/>
+            </a:lvl5pPr>
+            <a:lvl6pPr marL="1714500" indent="0">
+              <a:buNone/>
+              <a:defRPr sz="750"/>
+            </a:lvl6pPr>
+            <a:lvl7pPr marL="2057400" indent="0">
+              <a:buNone/>
+              <a:defRPr sz="750"/>
+            </a:lvl7pPr>
+            <a:lvl8pPr marL="2400300" indent="0">
+              <a:buNone/>
+              <a:defRPr sz="750"/>
+            </a:lvl8pPr>
+            <a:lvl9pPr marL="2743200" indent="0">
+              <a:buNone/>
+              <a:defRPr sz="750"/>
+            </a:lvl9pPr>
           </a:lstStyle>
           <a:p>
-            <a:pPr marL="0" lvl="0" indent="0" algn="l" defTabSz="914400" rtl="0" eaLnBrk="1" latinLnBrk="0" hangingPunct="1">
-              <a:lnSpc>
-                <a:spcPct val="95000"/>
-              </a:lnSpc>
-              <a:spcBef>
-                <a:spcPts val="0"/>
-              </a:spcBef>
-              <a:spcAft>
-                <a:spcPts val="200"/>
-              </a:spcAft>
-              <a:buClr>
-                <a:schemeClr val="accent1"/>
-              </a:buClr>
-              <a:buSzPct val="80000"/>
-              <a:buNone/>
-            </a:pPr>
+            <a:pPr lvl="0"/>
             <a:r>
               <a:rPr lang="es-ES"/>
               <a:t>Haga clic para modificar los estilos de texto del patrón</a:t>
@@ -5653,92 +6691,13 @@
       </p:sp>
       <p:sp>
         <p:nvSpPr>
-          <p:cNvPr id="6" name="Content Placeholder 5"/>
-          <p:cNvSpPr>
-            <a:spLocks noGrp="1"/>
-          </p:cNvSpPr>
-          <p:nvPr>
-            <p:ph sz="quarter" idx="4"/>
-          </p:nvPr>
-        </p:nvSpPr>
-        <p:spPr>
-          <a:xfrm>
-            <a:off x="4594860" y="2507550"/>
-            <a:ext cx="3360420" cy="3664650"/>
-          </a:xfrm>
-        </p:spPr>
-        <p:txBody>
-          <a:bodyPr/>
-          <a:lstStyle>
-            <a:lvl1pPr>
-              <a:defRPr sz="1800"/>
-            </a:lvl1pPr>
-            <a:lvl2pPr>
-              <a:defRPr sz="1600"/>
-            </a:lvl2pPr>
-            <a:lvl3pPr>
-              <a:defRPr sz="1400"/>
-            </a:lvl3pPr>
-            <a:lvl4pPr>
-              <a:defRPr sz="1400"/>
-            </a:lvl4pPr>
-            <a:lvl5pPr>
-              <a:defRPr sz="1400"/>
-            </a:lvl5pPr>
-            <a:lvl6pPr>
-              <a:defRPr sz="1400"/>
-            </a:lvl6pPr>
-            <a:lvl7pPr>
-              <a:defRPr sz="1400"/>
-            </a:lvl7pPr>
-            <a:lvl8pPr>
-              <a:defRPr sz="1400"/>
-            </a:lvl8pPr>
-            <a:lvl9pPr>
-              <a:defRPr sz="1400"/>
-            </a:lvl9pPr>
-          </a:lstStyle>
-          <a:p>
-            <a:pPr lvl="0"/>
-            <a:r>
-              <a:rPr lang="es-ES"/>
-              <a:t>Haga clic para modificar los estilos de texto del patrón</a:t>
-            </a:r>
-          </a:p>
-          <a:p>
-            <a:pPr lvl="1"/>
-            <a:r>
-              <a:rPr lang="es-ES"/>
-              <a:t>Segundo nivel</a:t>
-            </a:r>
-          </a:p>
-          <a:p>
-            <a:pPr lvl="2"/>
-            <a:r>
-              <a:rPr lang="es-ES"/>
-              <a:t>Tercer nivel</a:t>
-            </a:r>
-          </a:p>
-          <a:p>
-            <a:pPr lvl="3"/>
-            <a:r>
-              <a:rPr lang="es-ES"/>
-              <a:t>Cuarto nivel</a:t>
-            </a:r>
-          </a:p>
-          <a:p>
-            <a:pPr lvl="4"/>
-            <a:r>
-              <a:rPr lang="es-ES"/>
-              <a:t>Quinto nivel</a:t>
-            </a:r>
-            <a:endParaRPr lang="en-US" dirty="0"/>
-          </a:p>
-        </p:txBody>
-      </p:sp>
-      <p:sp>
-        <p:nvSpPr>
-          <p:cNvPr id="7" name="Date Placeholder 6"/>
+          <p:cNvPr id="5" name="Marcador de fecha 4">
+            <a:extLst>
+              <a:ext uri="{FF2B5EF4-FFF2-40B4-BE49-F238E27FC236}">
+                <a16:creationId xmlns:a16="http://schemas.microsoft.com/office/drawing/2014/main" id="{C823EA50-910C-1F90-FA40-0E3DCC28D87C}"/>
+              </a:ext>
+            </a:extLst>
+          </p:cNvPr>
           <p:cNvSpPr>
             <a:spLocks noGrp="1"/>
           </p:cNvSpPr>
@@ -5754,9 +6713,9 @@
             <a:pPr>
               <a:defRPr/>
             </a:pPr>
-            <a:fld id="{238E6141-B6EC-432E-94C0-3087FF50EA16}" type="datetime1">
+            <a:fld id="{35D04A60-C7CB-48E8-8D1D-D1DC12EB8496}" type="datetime1">
               <a:rPr lang="es-ES" smtClean="0"/>
-              <a:t>22/11/2021</a:t>
+              <a:t>06/11/2024</a:t>
             </a:fld>
             <a:endParaRPr lang="es-ES"/>
           </a:p>
@@ -5764,7 +6723,13 @@
       </p:sp>
       <p:sp>
         <p:nvSpPr>
-          <p:cNvPr id="8" name="Footer Placeholder 7"/>
+          <p:cNvPr id="6" name="Marcador de pie de página 5">
+            <a:extLst>
+              <a:ext uri="{FF2B5EF4-FFF2-40B4-BE49-F238E27FC236}">
+                <a16:creationId xmlns:a16="http://schemas.microsoft.com/office/drawing/2014/main" id="{70EE990A-8017-1C04-BCA3-2F327C0CDB78}"/>
+              </a:ext>
+            </a:extLst>
+          </p:cNvPr>
           <p:cNvSpPr>
             <a:spLocks noGrp="1"/>
           </p:cNvSpPr>
@@ -5789,552 +6754,13 @@
       </p:sp>
       <p:sp>
         <p:nvSpPr>
-          <p:cNvPr id="9" name="Slide Number Placeholder 8"/>
-          <p:cNvSpPr>
-            <a:spLocks noGrp="1"/>
-          </p:cNvSpPr>
-          <p:nvPr>
-            <p:ph type="sldNum" sz="quarter" idx="12"/>
-          </p:nvPr>
-        </p:nvSpPr>
-        <p:spPr/>
-        <p:txBody>
-          <a:bodyPr/>
-          <a:lstStyle/>
-          <a:p>
-            <a:pPr>
-              <a:defRPr/>
-            </a:pPr>
-            <a:fld id="{6644E08B-D10D-4B47-9A7B-373C9F0051C9}" type="slidenum">
-              <a:rPr lang="es-ES" altLang="es-ES" smtClean="0"/>
-              <a:pPr>
-                <a:defRPr/>
-              </a:pPr>
-              <a:t>‹Nº›</a:t>
-            </a:fld>
-            <a:endParaRPr lang="es-ES" altLang="es-ES"/>
-          </a:p>
-        </p:txBody>
-      </p:sp>
-    </p:spTree>
-    <p:extLst>
-      <p:ext uri="{BB962C8B-B14F-4D97-AF65-F5344CB8AC3E}">
-        <p14:creationId xmlns:p14="http://schemas.microsoft.com/office/powerpoint/2010/main" val="2839877991"/>
-      </p:ext>
-    </p:extLst>
-  </p:cSld>
-  <p:clrMapOvr>
-    <a:masterClrMapping/>
-  </p:clrMapOvr>
-</p:sldLayout>
-</file>
-
-<file path=ppt/slideLayouts/slideLayout6.xml><?xml version="1.0" encoding="utf-8"?>
-<p:sldLayout xmlns:a="http://schemas.openxmlformats.org/drawingml/2006/main" xmlns:r="http://schemas.openxmlformats.org/officeDocument/2006/relationships" xmlns:p="http://schemas.openxmlformats.org/presentationml/2006/main" type="titleOnly" preserve="1">
-  <p:cSld name="Solo el título">
-    <p:spTree>
-      <p:nvGrpSpPr>
-        <p:cNvPr id="1" name=""/>
-        <p:cNvGrpSpPr/>
-        <p:nvPr/>
-      </p:nvGrpSpPr>
-      <p:grpSpPr>
-        <a:xfrm>
-          <a:off x="0" y="0"/>
-          <a:ext cx="0" cy="0"/>
-          <a:chOff x="0" y="0"/>
-          <a:chExt cx="0" cy="0"/>
-        </a:xfrm>
-      </p:grpSpPr>
-      <p:sp>
-        <p:nvSpPr>
-          <p:cNvPr id="6" name="Title 5"/>
-          <p:cNvSpPr>
-            <a:spLocks noGrp="1"/>
-          </p:cNvSpPr>
-          <p:nvPr>
-            <p:ph type="title"/>
-          </p:nvPr>
-        </p:nvSpPr>
-        <p:spPr/>
-        <p:txBody>
-          <a:bodyPr/>
-          <a:lstStyle/>
-          <a:p>
-            <a:r>
-              <a:rPr lang="es-ES"/>
-              <a:t>Haga clic para modificar el estilo de título del patrón</a:t>
-            </a:r>
-            <a:endParaRPr lang="en-US" dirty="0"/>
-          </a:p>
-        </p:txBody>
-      </p:sp>
-      <p:sp>
-        <p:nvSpPr>
-          <p:cNvPr id="3" name="Date Placeholder 2"/>
-          <p:cNvSpPr>
-            <a:spLocks noGrp="1"/>
-          </p:cNvSpPr>
-          <p:nvPr>
-            <p:ph type="dt" sz="half" idx="10"/>
-          </p:nvPr>
-        </p:nvSpPr>
-        <p:spPr/>
-        <p:txBody>
-          <a:bodyPr/>
-          <a:lstStyle/>
-          <a:p>
-            <a:pPr>
-              <a:defRPr/>
-            </a:pPr>
-            <a:fld id="{F070DB3D-2217-499E-B6D6-7FECB61353D7}" type="datetime1">
-              <a:rPr lang="es-ES" smtClean="0"/>
-              <a:t>22/11/2021</a:t>
-            </a:fld>
-            <a:endParaRPr lang="es-ES"/>
-          </a:p>
-        </p:txBody>
-      </p:sp>
-      <p:sp>
-        <p:nvSpPr>
-          <p:cNvPr id="4" name="Footer Placeholder 3"/>
-          <p:cNvSpPr>
-            <a:spLocks noGrp="1"/>
-          </p:cNvSpPr>
-          <p:nvPr>
-            <p:ph type="ftr" sz="quarter" idx="11"/>
-          </p:nvPr>
-        </p:nvSpPr>
-        <p:spPr/>
-        <p:txBody>
-          <a:bodyPr/>
-          <a:lstStyle/>
-          <a:p>
-            <a:pPr>
-              <a:defRPr/>
-            </a:pPr>
-            <a:r>
-              <a:rPr lang="es-ES"/>
-              <a:t>Luis Herrero de Cos</a:t>
-            </a:r>
-          </a:p>
-        </p:txBody>
-      </p:sp>
-      <p:sp>
-        <p:nvSpPr>
-          <p:cNvPr id="5" name="Slide Number Placeholder 4"/>
-          <p:cNvSpPr>
-            <a:spLocks noGrp="1"/>
-          </p:cNvSpPr>
-          <p:nvPr>
-            <p:ph type="sldNum" sz="quarter" idx="12"/>
-          </p:nvPr>
-        </p:nvSpPr>
-        <p:spPr/>
-        <p:txBody>
-          <a:bodyPr/>
-          <a:lstStyle/>
-          <a:p>
-            <a:pPr>
-              <a:defRPr/>
-            </a:pPr>
-            <a:fld id="{B48AE63A-8C6B-4050-ADD0-06AF8FB88512}" type="slidenum">
-              <a:rPr lang="es-ES" altLang="es-ES" smtClean="0"/>
-              <a:pPr>
-                <a:defRPr/>
-              </a:pPr>
-              <a:t>‹Nº›</a:t>
-            </a:fld>
-            <a:endParaRPr lang="es-ES" altLang="es-ES"/>
-          </a:p>
-        </p:txBody>
-      </p:sp>
-    </p:spTree>
-    <p:extLst>
-      <p:ext uri="{BB962C8B-B14F-4D97-AF65-F5344CB8AC3E}">
-        <p14:creationId xmlns:p14="http://schemas.microsoft.com/office/powerpoint/2010/main" val="2615630901"/>
-      </p:ext>
-    </p:extLst>
-  </p:cSld>
-  <p:clrMapOvr>
-    <a:masterClrMapping/>
-  </p:clrMapOvr>
-</p:sldLayout>
-</file>
-
-<file path=ppt/slideLayouts/slideLayout7.xml><?xml version="1.0" encoding="utf-8"?>
-<p:sldLayout xmlns:a="http://schemas.openxmlformats.org/drawingml/2006/main" xmlns:r="http://schemas.openxmlformats.org/officeDocument/2006/relationships" xmlns:p="http://schemas.openxmlformats.org/presentationml/2006/main" type="blank" preserve="1">
-  <p:cSld name="En blanco">
-    <p:spTree>
-      <p:nvGrpSpPr>
-        <p:cNvPr id="1" name=""/>
-        <p:cNvGrpSpPr/>
-        <p:nvPr/>
-      </p:nvGrpSpPr>
-      <p:grpSpPr>
-        <a:xfrm>
-          <a:off x="0" y="0"/>
-          <a:ext cx="0" cy="0"/>
-          <a:chOff x="0" y="0"/>
-          <a:chExt cx="0" cy="0"/>
-        </a:xfrm>
-      </p:grpSpPr>
-      <p:sp>
-        <p:nvSpPr>
-          <p:cNvPr id="2" name="Date Placeholder 1"/>
-          <p:cNvSpPr>
-            <a:spLocks noGrp="1"/>
-          </p:cNvSpPr>
-          <p:nvPr>
-            <p:ph type="dt" sz="half" idx="10"/>
-          </p:nvPr>
-        </p:nvSpPr>
-        <p:spPr/>
-        <p:txBody>
-          <a:bodyPr/>
-          <a:lstStyle/>
-          <a:p>
-            <a:pPr>
-              <a:defRPr/>
-            </a:pPr>
-            <a:fld id="{3A4BA6E9-C2AB-475E-B167-F5067E2F98D2}" type="datetime1">
-              <a:rPr lang="es-ES" smtClean="0"/>
-              <a:t>22/11/2021</a:t>
-            </a:fld>
-            <a:endParaRPr lang="es-ES"/>
-          </a:p>
-        </p:txBody>
-      </p:sp>
-      <p:sp>
-        <p:nvSpPr>
-          <p:cNvPr id="3" name="Footer Placeholder 2"/>
-          <p:cNvSpPr>
-            <a:spLocks noGrp="1"/>
-          </p:cNvSpPr>
-          <p:nvPr>
-            <p:ph type="ftr" sz="quarter" idx="11"/>
-          </p:nvPr>
-        </p:nvSpPr>
-        <p:spPr/>
-        <p:txBody>
-          <a:bodyPr/>
-          <a:lstStyle/>
-          <a:p>
-            <a:pPr>
-              <a:defRPr/>
-            </a:pPr>
-            <a:r>
-              <a:rPr lang="es-ES"/>
-              <a:t>Luis Herrero de Cos</a:t>
-            </a:r>
-          </a:p>
-        </p:txBody>
-      </p:sp>
-      <p:sp>
-        <p:nvSpPr>
-          <p:cNvPr id="4" name="Slide Number Placeholder 3"/>
-          <p:cNvSpPr>
-            <a:spLocks noGrp="1"/>
-          </p:cNvSpPr>
-          <p:nvPr>
-            <p:ph type="sldNum" sz="quarter" idx="12"/>
-          </p:nvPr>
-        </p:nvSpPr>
-        <p:spPr/>
-        <p:txBody>
-          <a:bodyPr/>
-          <a:lstStyle/>
-          <a:p>
-            <a:pPr>
-              <a:defRPr/>
-            </a:pPr>
-            <a:fld id="{82668D0A-DA1D-4814-A0B9-BD2E369BEDFD}" type="slidenum">
-              <a:rPr lang="es-ES" altLang="es-ES" smtClean="0"/>
-              <a:pPr>
-                <a:defRPr/>
-              </a:pPr>
-              <a:t>‹Nº›</a:t>
-            </a:fld>
-            <a:endParaRPr lang="es-ES" altLang="es-ES"/>
-          </a:p>
-        </p:txBody>
-      </p:sp>
-    </p:spTree>
-    <p:extLst>
-      <p:ext uri="{BB962C8B-B14F-4D97-AF65-F5344CB8AC3E}">
-        <p14:creationId xmlns:p14="http://schemas.microsoft.com/office/powerpoint/2010/main" val="359241938"/>
-      </p:ext>
-    </p:extLst>
-  </p:cSld>
-  <p:clrMapOvr>
-    <a:masterClrMapping/>
-  </p:clrMapOvr>
-</p:sldLayout>
-</file>
-
-<file path=ppt/slideLayouts/slideLayout8.xml><?xml version="1.0" encoding="utf-8"?>
-<p:sldLayout xmlns:a="http://schemas.openxmlformats.org/drawingml/2006/main" xmlns:r="http://schemas.openxmlformats.org/officeDocument/2006/relationships" xmlns:p="http://schemas.openxmlformats.org/presentationml/2006/main" type="objTx" preserve="1">
-  <p:cSld name="Contenido con título">
-    <p:spTree>
-      <p:nvGrpSpPr>
-        <p:cNvPr id="1" name=""/>
-        <p:cNvGrpSpPr/>
-        <p:nvPr/>
-      </p:nvGrpSpPr>
-      <p:grpSpPr>
-        <a:xfrm>
-          <a:off x="0" y="0"/>
-          <a:ext cx="0" cy="0"/>
-          <a:chOff x="0" y="0"/>
-          <a:chExt cx="0" cy="0"/>
-        </a:xfrm>
-      </p:grpSpPr>
-      <p:sp>
-        <p:nvSpPr>
-          <p:cNvPr id="2" name="Title 1"/>
-          <p:cNvSpPr>
-            <a:spLocks noGrp="1"/>
-          </p:cNvSpPr>
-          <p:nvPr>
-            <p:ph type="title"/>
-          </p:nvPr>
-        </p:nvSpPr>
-        <p:spPr>
-          <a:xfrm>
-            <a:off x="630936" y="457201"/>
-            <a:ext cx="2400300" cy="1600197"/>
-          </a:xfrm>
-        </p:spPr>
-        <p:txBody>
-          <a:bodyPr anchor="b">
-            <a:normAutofit/>
-          </a:bodyPr>
-          <a:lstStyle>
-            <a:lvl1pPr>
-              <a:defRPr sz="2800" b="0" baseline="0"/>
-            </a:lvl1pPr>
-          </a:lstStyle>
-          <a:p>
-            <a:r>
-              <a:rPr lang="es-ES"/>
-              <a:t>Haga clic para modificar el estilo de título del patrón</a:t>
-            </a:r>
-            <a:endParaRPr lang="en-US" dirty="0"/>
-          </a:p>
-        </p:txBody>
-      </p:sp>
-      <p:sp>
-        <p:nvSpPr>
-          <p:cNvPr id="3" name="Content Placeholder 2"/>
-          <p:cNvSpPr>
-            <a:spLocks noGrp="1"/>
-          </p:cNvSpPr>
-          <p:nvPr>
-            <p:ph idx="1"/>
-          </p:nvPr>
-        </p:nvSpPr>
-        <p:spPr>
-          <a:xfrm>
-            <a:off x="3378200" y="685800"/>
-            <a:ext cx="4559300" cy="5486400"/>
-          </a:xfrm>
-        </p:spPr>
-        <p:txBody>
-          <a:bodyPr/>
-          <a:lstStyle>
-            <a:lvl1pPr>
-              <a:defRPr sz="1800"/>
-            </a:lvl1pPr>
-            <a:lvl2pPr>
-              <a:defRPr sz="1600"/>
-            </a:lvl2pPr>
-            <a:lvl3pPr>
-              <a:defRPr sz="1400"/>
-            </a:lvl3pPr>
-            <a:lvl4pPr>
-              <a:defRPr sz="1400"/>
-            </a:lvl4pPr>
-            <a:lvl5pPr>
-              <a:defRPr sz="1400"/>
-            </a:lvl5pPr>
-            <a:lvl6pPr>
-              <a:defRPr sz="1400"/>
-            </a:lvl6pPr>
-            <a:lvl7pPr>
-              <a:defRPr sz="1400"/>
-            </a:lvl7pPr>
-            <a:lvl8pPr>
-              <a:defRPr sz="1400"/>
-            </a:lvl8pPr>
-            <a:lvl9pPr>
-              <a:defRPr sz="1400"/>
-            </a:lvl9pPr>
-          </a:lstStyle>
-          <a:p>
-            <a:pPr lvl="0"/>
-            <a:r>
-              <a:rPr lang="es-ES"/>
-              <a:t>Haga clic para modificar los estilos de texto del patrón</a:t>
-            </a:r>
-          </a:p>
-          <a:p>
-            <a:pPr lvl="1"/>
-            <a:r>
-              <a:rPr lang="es-ES"/>
-              <a:t>Segundo nivel</a:t>
-            </a:r>
-          </a:p>
-          <a:p>
-            <a:pPr lvl="2"/>
-            <a:r>
-              <a:rPr lang="es-ES"/>
-              <a:t>Tercer nivel</a:t>
-            </a:r>
-          </a:p>
-          <a:p>
-            <a:pPr lvl="3"/>
-            <a:r>
-              <a:rPr lang="es-ES"/>
-              <a:t>Cuarto nivel</a:t>
-            </a:r>
-          </a:p>
-          <a:p>
-            <a:pPr lvl="4"/>
-            <a:r>
-              <a:rPr lang="es-ES"/>
-              <a:t>Quinto nivel</a:t>
-            </a:r>
-            <a:endParaRPr lang="en-US" dirty="0"/>
-          </a:p>
-        </p:txBody>
-      </p:sp>
-      <p:sp>
-        <p:nvSpPr>
-          <p:cNvPr id="4" name="Text Placeholder 3"/>
-          <p:cNvSpPr>
-            <a:spLocks noGrp="1"/>
-          </p:cNvSpPr>
-          <p:nvPr>
-            <p:ph type="body" sz="half" idx="2"/>
-          </p:nvPr>
-        </p:nvSpPr>
-        <p:spPr>
-          <a:xfrm>
-            <a:off x="630936" y="2099735"/>
-            <a:ext cx="2400300" cy="3810001"/>
-          </a:xfrm>
-        </p:spPr>
-        <p:txBody>
-          <a:bodyPr>
-            <a:normAutofit/>
-          </a:bodyPr>
-          <a:lstStyle>
-            <a:lvl1pPr marL="0" indent="0">
-              <a:lnSpc>
-                <a:spcPct val="114000"/>
-              </a:lnSpc>
-              <a:spcBef>
-                <a:spcPts val="800"/>
-              </a:spcBef>
-              <a:buNone/>
-              <a:defRPr sz="1300"/>
-            </a:lvl1pPr>
-            <a:lvl2pPr marL="457200" indent="0">
-              <a:buNone/>
-              <a:defRPr sz="1200"/>
-            </a:lvl2pPr>
-            <a:lvl3pPr marL="914400" indent="0">
-              <a:buNone/>
-              <a:defRPr sz="1000"/>
-            </a:lvl3pPr>
-            <a:lvl4pPr marL="1371600" indent="0">
-              <a:buNone/>
-              <a:defRPr sz="900"/>
-            </a:lvl4pPr>
-            <a:lvl5pPr marL="1828800" indent="0">
-              <a:buNone/>
-              <a:defRPr sz="900"/>
-            </a:lvl5pPr>
-            <a:lvl6pPr marL="2286000" indent="0">
-              <a:buNone/>
-              <a:defRPr sz="900"/>
-            </a:lvl6pPr>
-            <a:lvl7pPr marL="2743200" indent="0">
-              <a:buNone/>
-              <a:defRPr sz="900"/>
-            </a:lvl7pPr>
-            <a:lvl8pPr marL="3200400" indent="0">
-              <a:buNone/>
-              <a:defRPr sz="900"/>
-            </a:lvl8pPr>
-            <a:lvl9pPr marL="3657600" indent="0">
-              <a:buNone/>
-              <a:defRPr sz="900"/>
-            </a:lvl9pPr>
-          </a:lstStyle>
-          <a:p>
-            <a:pPr lvl="0"/>
-            <a:r>
-              <a:rPr lang="es-ES"/>
-              <a:t>Haga clic para modificar los estilos de texto del patrón</a:t>
-            </a:r>
-          </a:p>
-        </p:txBody>
-      </p:sp>
-      <p:sp>
-        <p:nvSpPr>
-          <p:cNvPr id="5" name="Date Placeholder 4"/>
-          <p:cNvSpPr>
-            <a:spLocks noGrp="1"/>
-          </p:cNvSpPr>
-          <p:nvPr>
-            <p:ph type="dt" sz="half" idx="10"/>
-          </p:nvPr>
-        </p:nvSpPr>
-        <p:spPr/>
-        <p:txBody>
-          <a:bodyPr/>
-          <a:lstStyle/>
-          <a:p>
-            <a:pPr>
-              <a:defRPr/>
-            </a:pPr>
-            <a:fld id="{35D04A60-C7CB-48E8-8D1D-D1DC12EB8496}" type="datetime1">
-              <a:rPr lang="es-ES" smtClean="0"/>
-              <a:t>22/11/2021</a:t>
-            </a:fld>
-            <a:endParaRPr lang="es-ES"/>
-          </a:p>
-        </p:txBody>
-      </p:sp>
-      <p:sp>
-        <p:nvSpPr>
-          <p:cNvPr id="6" name="Footer Placeholder 5"/>
-          <p:cNvSpPr>
-            <a:spLocks noGrp="1"/>
-          </p:cNvSpPr>
-          <p:nvPr>
-            <p:ph type="ftr" sz="quarter" idx="11"/>
-          </p:nvPr>
-        </p:nvSpPr>
-        <p:spPr/>
-        <p:txBody>
-          <a:bodyPr/>
-          <a:lstStyle/>
-          <a:p>
-            <a:pPr>
-              <a:defRPr/>
-            </a:pPr>
-            <a:r>
-              <a:rPr lang="es-ES"/>
-              <a:t>Luis Herrero de Cos</a:t>
-            </a:r>
-          </a:p>
-        </p:txBody>
-      </p:sp>
-      <p:sp>
-        <p:nvSpPr>
-          <p:cNvPr id="7" name="Slide Number Placeholder 6"/>
+          <p:cNvPr id="7" name="Marcador de número de diapositiva 6">
+            <a:extLst>
+              <a:ext uri="{FF2B5EF4-FFF2-40B4-BE49-F238E27FC236}">
+                <a16:creationId xmlns:a16="http://schemas.microsoft.com/office/drawing/2014/main" id="{F86C0F9C-863B-ECC5-BCBC-D368771DFCDF}"/>
+              </a:ext>
+            </a:extLst>
+          </p:cNvPr>
           <p:cNvSpPr>
             <a:spLocks noGrp="1"/>
           </p:cNvSpPr>
@@ -6364,7 +6790,7 @@
     </p:spTree>
     <p:extLst>
       <p:ext uri="{BB962C8B-B14F-4D97-AF65-F5344CB8AC3E}">
-        <p14:creationId xmlns:p14="http://schemas.microsoft.com/office/powerpoint/2010/main" val="2998630674"/>
+        <p14:creationId xmlns:p14="http://schemas.microsoft.com/office/powerpoint/2010/main" val="4047336003"/>
       </p:ext>
     </p:extLst>
   </p:cSld>
@@ -6393,45 +6819,13 @@
       </p:grpSpPr>
       <p:sp>
         <p:nvSpPr>
-          <p:cNvPr id="8" name="Rectangle 7"/>
-          <p:cNvSpPr/>
-          <p:nvPr/>
-        </p:nvSpPr>
-        <p:spPr>
-          <a:xfrm>
-            <a:off x="0" y="5105400"/>
-            <a:ext cx="8469630" cy="1752600"/>
-          </a:xfrm>
-          <a:prstGeom prst="rect">
-            <a:avLst/>
-          </a:prstGeom>
-          <a:solidFill>
-            <a:srgbClr val="000000"/>
-          </a:solidFill>
-          <a:ln>
-            <a:noFill/>
-          </a:ln>
-        </p:spPr>
-        <p:style>
-          <a:lnRef idx="2">
-            <a:schemeClr val="accent1">
-              <a:shade val="50000"/>
-            </a:schemeClr>
-          </a:lnRef>
-          <a:fillRef idx="1">
-            <a:schemeClr val="accent1"/>
-          </a:fillRef>
-          <a:effectRef idx="0">
-            <a:schemeClr val="accent1"/>
-          </a:effectRef>
-          <a:fontRef idx="minor">
-            <a:schemeClr val="lt1"/>
-          </a:fontRef>
-        </p:style>
-      </p:sp>
-      <p:sp>
-        <p:nvSpPr>
-          <p:cNvPr id="2" name="Title 1"/>
+          <p:cNvPr id="2" name="Título 1">
+            <a:extLst>
+              <a:ext uri="{FF2B5EF4-FFF2-40B4-BE49-F238E27FC236}">
+                <a16:creationId xmlns:a16="http://schemas.microsoft.com/office/drawing/2014/main" id="{23592558-22BC-2F48-E9C7-A194F0722ADE}"/>
+              </a:ext>
+            </a:extLst>
+          </p:cNvPr>
           <p:cNvSpPr>
             <a:spLocks noGrp="1"/>
           </p:cNvSpPr>
@@ -6441,21 +6835,15 @@
         </p:nvSpPr>
         <p:spPr>
           <a:xfrm>
-            <a:off x="685800" y="5257800"/>
-            <a:ext cx="7486650" cy="914400"/>
+            <a:off x="629841" y="457200"/>
+            <a:ext cx="2949178" cy="1600200"/>
           </a:xfrm>
         </p:spPr>
         <p:txBody>
-          <a:bodyPr anchor="b">
-            <a:normAutofit/>
-          </a:bodyPr>
+          <a:bodyPr anchor="b"/>
           <a:lstStyle>
             <a:lvl1pPr>
-              <a:defRPr sz="2800" b="0">
-                <a:solidFill>
-                  <a:schemeClr val="bg1"/>
-                </a:solidFill>
-              </a:defRPr>
+              <a:defRPr sz="2400"/>
             </a:lvl1pPr>
           </a:lstStyle>
           <a:p>
@@ -6463,15 +6851,20 @@
               <a:rPr lang="es-ES"/>
               <a:t>Haga clic para modificar el estilo de título del patrón</a:t>
             </a:r>
-            <a:endParaRPr lang="en-US" dirty="0"/>
           </a:p>
         </p:txBody>
       </p:sp>
       <p:sp>
         <p:nvSpPr>
-          <p:cNvPr id="3" name="Picture Placeholder 2"/>
+          <p:cNvPr id="3" name="Marcador de posición de imagen 2">
+            <a:extLst>
+              <a:ext uri="{FF2B5EF4-FFF2-40B4-BE49-F238E27FC236}">
+                <a16:creationId xmlns:a16="http://schemas.microsoft.com/office/drawing/2014/main" id="{ED22A33C-E1A8-B77F-1781-85930A376131}"/>
+              </a:ext>
+            </a:extLst>
+          </p:cNvPr>
           <p:cNvSpPr>
-            <a:spLocks noGrp="1" noChangeAspect="1"/>
+            <a:spLocks noGrp="1"/>
           </p:cNvSpPr>
           <p:nvPr>
             <p:ph type="pic" idx="1"/>
@@ -6479,69 +6872,64 @@
         </p:nvSpPr>
         <p:spPr>
           <a:xfrm>
-            <a:off x="0" y="1"/>
-            <a:ext cx="8469630" cy="5128923"/>
+            <a:off x="3887391" y="987426"/>
+            <a:ext cx="4629150" cy="4873625"/>
           </a:xfrm>
-          <a:solidFill>
-            <a:schemeClr val="accent1"/>
-          </a:solidFill>
         </p:spPr>
         <p:txBody>
-          <a:bodyPr anchor="t"/>
+          <a:bodyPr/>
           <a:lstStyle>
             <a:lvl1pPr marL="0" indent="0">
               <a:buNone/>
-              <a:defRPr sz="3200">
-                <a:solidFill>
-                  <a:schemeClr val="bg1"/>
-                </a:solidFill>
-              </a:defRPr>
+              <a:defRPr sz="2400"/>
             </a:lvl1pPr>
-            <a:lvl2pPr marL="457200" indent="0">
+            <a:lvl2pPr marL="342900" indent="0">
               <a:buNone/>
-              <a:defRPr sz="2800"/>
+              <a:defRPr sz="2100"/>
             </a:lvl2pPr>
-            <a:lvl3pPr marL="914400" indent="0">
+            <a:lvl3pPr marL="685800" indent="0">
               <a:buNone/>
-              <a:defRPr sz="2400"/>
+              <a:defRPr sz="1800"/>
             </a:lvl3pPr>
-            <a:lvl4pPr marL="1371600" indent="0">
+            <a:lvl4pPr marL="1028700" indent="0">
               <a:buNone/>
-              <a:defRPr sz="2000"/>
+              <a:defRPr sz="1500"/>
             </a:lvl4pPr>
-            <a:lvl5pPr marL="1828800" indent="0">
+            <a:lvl5pPr marL="1371600" indent="0">
               <a:buNone/>
-              <a:defRPr sz="2000"/>
+              <a:defRPr sz="1500"/>
             </a:lvl5pPr>
-            <a:lvl6pPr marL="2286000" indent="0">
+            <a:lvl6pPr marL="1714500" indent="0">
               <a:buNone/>
-              <a:defRPr sz="2000"/>
+              <a:defRPr sz="1500"/>
             </a:lvl6pPr>
-            <a:lvl7pPr marL="2743200" indent="0">
+            <a:lvl7pPr marL="2057400" indent="0">
               <a:buNone/>
-              <a:defRPr sz="2000"/>
+              <a:defRPr sz="1500"/>
             </a:lvl7pPr>
-            <a:lvl8pPr marL="3200400" indent="0">
+            <a:lvl8pPr marL="2400300" indent="0">
               <a:buNone/>
-              <a:defRPr sz="2000"/>
+              <a:defRPr sz="1500"/>
             </a:lvl8pPr>
-            <a:lvl9pPr marL="3657600" indent="0">
+            <a:lvl9pPr marL="2743200" indent="0">
               <a:buNone/>
-              <a:defRPr sz="2000"/>
+              <a:defRPr sz="1500"/>
             </a:lvl9pPr>
           </a:lstStyle>
           <a:p>
-            <a:r>
-              <a:rPr lang="es-ES"/>
-              <a:t>Haga clic en el icono para agregar una imagen</a:t>
-            </a:r>
-            <a:endParaRPr lang="en-US" dirty="0"/>
+            <a:endParaRPr lang="es-ES"/>
           </a:p>
         </p:txBody>
       </p:sp>
       <p:sp>
         <p:nvSpPr>
-          <p:cNvPr id="4" name="Text Placeholder 3"/>
+          <p:cNvPr id="4" name="Marcador de texto 3">
+            <a:extLst>
+              <a:ext uri="{FF2B5EF4-FFF2-40B4-BE49-F238E27FC236}">
+                <a16:creationId xmlns:a16="http://schemas.microsoft.com/office/drawing/2014/main" id="{D21F00A0-F9E8-11CC-A382-5D090E043FC5}"/>
+              </a:ext>
+            </a:extLst>
+          </p:cNvPr>
           <p:cNvSpPr>
             <a:spLocks noGrp="1"/>
           </p:cNvSpPr>
@@ -6551,62 +6939,48 @@
         </p:nvSpPr>
         <p:spPr>
           <a:xfrm>
-            <a:off x="685800" y="6108590"/>
-            <a:ext cx="7486650" cy="597011"/>
+            <a:off x="629841" y="2057400"/>
+            <a:ext cx="2949178" cy="3811588"/>
           </a:xfrm>
         </p:spPr>
         <p:txBody>
-          <a:bodyPr>
-            <a:normAutofit/>
-          </a:bodyPr>
+          <a:bodyPr/>
           <a:lstStyle>
             <a:lvl1pPr marL="0" indent="0">
-              <a:lnSpc>
-                <a:spcPct val="100000"/>
-              </a:lnSpc>
-              <a:spcBef>
-                <a:spcPts val="800"/>
-              </a:spcBef>
-              <a:buNone/>
-              <a:defRPr sz="1300">
-                <a:solidFill>
-                  <a:schemeClr val="bg1">
-                    <a:lumMod val="85000"/>
-                  </a:schemeClr>
-                </a:solidFill>
-              </a:defRPr>
-            </a:lvl1pPr>
-            <a:lvl2pPr marL="457200" indent="0">
               <a:buNone/>
               <a:defRPr sz="1200"/>
+            </a:lvl1pPr>
+            <a:lvl2pPr marL="342900" indent="0">
+              <a:buNone/>
+              <a:defRPr sz="1050"/>
             </a:lvl2pPr>
-            <a:lvl3pPr marL="914400" indent="0">
-              <a:buNone/>
-              <a:defRPr sz="1000"/>
-            </a:lvl3pPr>
-            <a:lvl4pPr marL="1371600" indent="0">
+            <a:lvl3pPr marL="685800" indent="0">
               <a:buNone/>
               <a:defRPr sz="900"/>
+            </a:lvl3pPr>
+            <a:lvl4pPr marL="1028700" indent="0">
+              <a:buNone/>
+              <a:defRPr sz="750"/>
             </a:lvl4pPr>
-            <a:lvl5pPr marL="1828800" indent="0">
+            <a:lvl5pPr marL="1371600" indent="0">
               <a:buNone/>
-              <a:defRPr sz="900"/>
+              <a:defRPr sz="750"/>
             </a:lvl5pPr>
-            <a:lvl6pPr marL="2286000" indent="0">
+            <a:lvl6pPr marL="1714500" indent="0">
               <a:buNone/>
-              <a:defRPr sz="900"/>
+              <a:defRPr sz="750"/>
             </a:lvl6pPr>
-            <a:lvl7pPr marL="2743200" indent="0">
+            <a:lvl7pPr marL="2057400" indent="0">
               <a:buNone/>
-              <a:defRPr sz="900"/>
+              <a:defRPr sz="750"/>
             </a:lvl7pPr>
-            <a:lvl8pPr marL="3200400" indent="0">
+            <a:lvl8pPr marL="2400300" indent="0">
               <a:buNone/>
-              <a:defRPr sz="900"/>
+              <a:defRPr sz="750"/>
             </a:lvl8pPr>
-            <a:lvl9pPr marL="3657600" indent="0">
+            <a:lvl9pPr marL="2743200" indent="0">
               <a:buNone/>
-              <a:defRPr sz="900"/>
+              <a:defRPr sz="750"/>
             </a:lvl9pPr>
           </a:lstStyle>
           <a:p>
@@ -6620,7 +6994,13 @@
       </p:sp>
       <p:sp>
         <p:nvSpPr>
-          <p:cNvPr id="5" name="Date Placeholder 4"/>
+          <p:cNvPr id="5" name="Marcador de fecha 4">
+            <a:extLst>
+              <a:ext uri="{FF2B5EF4-FFF2-40B4-BE49-F238E27FC236}">
+                <a16:creationId xmlns:a16="http://schemas.microsoft.com/office/drawing/2014/main" id="{311FE295-7BB7-4269-DF17-125FCCDDA0B8}"/>
+              </a:ext>
+            </a:extLst>
+          </p:cNvPr>
           <p:cNvSpPr>
             <a:spLocks noGrp="1"/>
           </p:cNvSpPr>
@@ -6638,7 +7018,7 @@
             </a:pPr>
             <a:fld id="{1117E230-65DB-478C-B035-5EE5F3245524}" type="datetime1">
               <a:rPr lang="es-ES" smtClean="0"/>
-              <a:t>22/11/2021</a:t>
+              <a:t>06/11/2024</a:t>
             </a:fld>
             <a:endParaRPr lang="es-ES"/>
           </a:p>
@@ -6646,7 +7026,13 @@
       </p:sp>
       <p:sp>
         <p:nvSpPr>
-          <p:cNvPr id="6" name="Footer Placeholder 5"/>
+          <p:cNvPr id="6" name="Marcador de pie de página 5">
+            <a:extLst>
+              <a:ext uri="{FF2B5EF4-FFF2-40B4-BE49-F238E27FC236}">
+                <a16:creationId xmlns:a16="http://schemas.microsoft.com/office/drawing/2014/main" id="{D044ACEA-D0ED-DBCE-1364-107C5D302AD3}"/>
+              </a:ext>
+            </a:extLst>
+          </p:cNvPr>
           <p:cNvSpPr>
             <a:spLocks noGrp="1"/>
           </p:cNvSpPr>
@@ -6671,7 +7057,13 @@
       </p:sp>
       <p:sp>
         <p:nvSpPr>
-          <p:cNvPr id="7" name="Slide Number Placeholder 6"/>
+          <p:cNvPr id="7" name="Marcador de número de diapositiva 6">
+            <a:extLst>
+              <a:ext uri="{FF2B5EF4-FFF2-40B4-BE49-F238E27FC236}">
+                <a16:creationId xmlns:a16="http://schemas.microsoft.com/office/drawing/2014/main" id="{C3BE4201-76F5-BEE4-C729-928A990C783E}"/>
+              </a:ext>
+            </a:extLst>
+          </p:cNvPr>
           <p:cNvSpPr>
             <a:spLocks noGrp="1"/>
           </p:cNvSpPr>
@@ -6701,7 +7093,7 @@
     </p:spTree>
     <p:extLst>
       <p:ext uri="{BB962C8B-B14F-4D97-AF65-F5344CB8AC3E}">
-        <p14:creationId xmlns:p14="http://schemas.microsoft.com/office/powerpoint/2010/main" val="601568643"/>
+        <p14:creationId xmlns:p14="http://schemas.microsoft.com/office/powerpoint/2010/main" val="558421191"/>
       </p:ext>
     </p:extLst>
   </p:cSld>
@@ -6735,47 +7127,13 @@
       </p:grpSpPr>
       <p:sp>
         <p:nvSpPr>
-          <p:cNvPr id="7" name="Rectangle 6"/>
-          <p:cNvSpPr/>
-          <p:nvPr/>
-        </p:nvSpPr>
-        <p:spPr>
-          <a:xfrm>
-            <a:off x="8418195" y="0"/>
-            <a:ext cx="731520" cy="6858000"/>
-          </a:xfrm>
-          <a:prstGeom prst="rect">
-            <a:avLst/>
-          </a:prstGeom>
-          <a:solidFill>
-            <a:schemeClr val="tx2">
-              <a:lumMod val="75000"/>
-            </a:schemeClr>
-          </a:solidFill>
-          <a:ln>
-            <a:noFill/>
-          </a:ln>
-        </p:spPr>
-        <p:style>
-          <a:lnRef idx="2">
-            <a:schemeClr val="accent1">
-              <a:shade val="50000"/>
-            </a:schemeClr>
-          </a:lnRef>
-          <a:fillRef idx="1">
-            <a:schemeClr val="accent1"/>
-          </a:fillRef>
-          <a:effectRef idx="0">
-            <a:schemeClr val="accent1"/>
-          </a:effectRef>
-          <a:fontRef idx="minor">
-            <a:schemeClr val="lt1"/>
-          </a:fontRef>
-        </p:style>
-      </p:sp>
-      <p:sp>
-        <p:nvSpPr>
-          <p:cNvPr id="2" name="Title Placeholder 1"/>
+          <p:cNvPr id="2" name="Marcador de título 1">
+            <a:extLst>
+              <a:ext uri="{FF2B5EF4-FFF2-40B4-BE49-F238E27FC236}">
+                <a16:creationId xmlns:a16="http://schemas.microsoft.com/office/drawing/2014/main" id="{D56CE0ED-8CF7-3B45-7C04-6BE18EC2265E}"/>
+              </a:ext>
+            </a:extLst>
+          </p:cNvPr>
           <p:cNvSpPr>
             <a:spLocks noGrp="1"/>
           </p:cNvSpPr>
@@ -6785,15 +7143,15 @@
         </p:nvSpPr>
         <p:spPr>
           <a:xfrm>
-            <a:off x="946404" y="365760"/>
-            <a:ext cx="7269480" cy="1325562"/>
+            <a:off x="628650" y="365126"/>
+            <a:ext cx="7886700" cy="1325563"/>
           </a:xfrm>
           <a:prstGeom prst="rect">
             <a:avLst/>
           </a:prstGeom>
         </p:spPr>
         <p:txBody>
-          <a:bodyPr vert="horz" lIns="91440" tIns="45720" rIns="91440" bIns="45720" rtlCol="0" anchor="b">
+          <a:bodyPr vert="horz" lIns="91440" tIns="45720" rIns="91440" bIns="45720" rtlCol="0" anchor="ctr">
             <a:normAutofit/>
           </a:bodyPr>
           <a:lstStyle/>
@@ -6802,13 +7160,18 @@
               <a:rPr lang="es-ES"/>
               <a:t>Haga clic para modificar el estilo de título del patrón</a:t>
             </a:r>
-            <a:endParaRPr lang="en-US" dirty="0"/>
           </a:p>
         </p:txBody>
       </p:sp>
       <p:sp>
         <p:nvSpPr>
-          <p:cNvPr id="3" name="Text Placeholder 2"/>
+          <p:cNvPr id="3" name="Marcador de texto 2">
+            <a:extLst>
+              <a:ext uri="{FF2B5EF4-FFF2-40B4-BE49-F238E27FC236}">
+                <a16:creationId xmlns:a16="http://schemas.microsoft.com/office/drawing/2014/main" id="{C7D4203A-D221-D1DB-083D-4217D58B9DD7}"/>
+              </a:ext>
+            </a:extLst>
+          </p:cNvPr>
           <p:cNvSpPr>
             <a:spLocks noGrp="1"/>
           </p:cNvSpPr>
@@ -6818,8 +7181,8 @@
         </p:nvSpPr>
         <p:spPr>
           <a:xfrm>
-            <a:off x="946404" y="1828801"/>
-            <a:ext cx="6446520" cy="4351337"/>
+            <a:off x="628650" y="1825625"/>
+            <a:ext cx="7886700" cy="4351338"/>
           </a:xfrm>
           <a:prstGeom prst="rect">
             <a:avLst/>
@@ -6864,13 +7227,18 @@
               <a:rPr lang="es-ES"/>
               <a:t>Quinto nivel</a:t>
             </a:r>
-            <a:endParaRPr lang="en-US" dirty="0"/>
           </a:p>
         </p:txBody>
       </p:sp>
       <p:sp>
         <p:nvSpPr>
-          <p:cNvPr id="4" name="Date Placeholder 3"/>
+          <p:cNvPr id="4" name="Marcador de fecha 3">
+            <a:extLst>
+              <a:ext uri="{FF2B5EF4-FFF2-40B4-BE49-F238E27FC236}">
+                <a16:creationId xmlns:a16="http://schemas.microsoft.com/office/drawing/2014/main" id="{90DA10FC-2182-1837-4B7C-F6DF2CFD04A8}"/>
+              </a:ext>
+            </a:extLst>
+          </p:cNvPr>
           <p:cNvSpPr>
             <a:spLocks noGrp="1"/>
           </p:cNvSpPr>
@@ -6879,9 +7247,9 @@
           </p:nvPr>
         </p:nvSpPr>
         <p:spPr>
-          <a:xfrm rot="16200000">
-            <a:off x="7831456" y="1044178"/>
-            <a:ext cx="1904999" cy="273844"/>
+          <a:xfrm>
+            <a:off x="628650" y="6356351"/>
+            <a:ext cx="2057400" cy="365125"/>
           </a:xfrm>
           <a:prstGeom prst="rect">
             <a:avLst/>
@@ -6890,12 +7258,11 @@
         <p:txBody>
           <a:bodyPr vert="horz" lIns="91440" tIns="45720" rIns="91440" bIns="45720" rtlCol="0" anchor="ctr"/>
           <a:lstStyle>
-            <a:lvl1pPr algn="r">
-              <a:defRPr sz="1050" b="0">
+            <a:lvl1pPr algn="l">
+              <a:defRPr sz="900">
                 <a:solidFill>
-                  <a:schemeClr val="tx2">
-                    <a:lumMod val="20000"/>
-                    <a:lumOff val="80000"/>
+                  <a:schemeClr val="tx1">
+                    <a:tint val="82000"/>
                   </a:schemeClr>
                 </a:solidFill>
               </a:defRPr>
@@ -6907,7 +7274,7 @@
             </a:pPr>
             <a:fld id="{3D25626F-1ABB-4233-A963-1001A1C4C986}" type="datetime1">
               <a:rPr lang="es-ES" smtClean="0"/>
-              <a:t>22/11/2021</a:t>
+              <a:t>06/11/2024</a:t>
             </a:fld>
             <a:endParaRPr lang="es-ES"/>
           </a:p>
@@ -6915,7 +7282,13 @@
       </p:sp>
       <p:sp>
         <p:nvSpPr>
-          <p:cNvPr id="5" name="Footer Placeholder 4"/>
+          <p:cNvPr id="5" name="Marcador de pie de página 4">
+            <a:extLst>
+              <a:ext uri="{FF2B5EF4-FFF2-40B4-BE49-F238E27FC236}">
+                <a16:creationId xmlns:a16="http://schemas.microsoft.com/office/drawing/2014/main" id="{D44BADBE-25AC-9D53-863A-682AA3888F93}"/>
+              </a:ext>
+            </a:extLst>
+          </p:cNvPr>
           <p:cNvSpPr>
             <a:spLocks noGrp="1"/>
           </p:cNvSpPr>
@@ -6924,9 +7297,9 @@
           </p:nvPr>
         </p:nvSpPr>
         <p:spPr>
-          <a:xfrm rot="16200000">
-            <a:off x="6993255" y="4092178"/>
-            <a:ext cx="3581400" cy="273844"/>
+          <a:xfrm>
+            <a:off x="3028950" y="6356351"/>
+            <a:ext cx="3086100" cy="365125"/>
           </a:xfrm>
           <a:prstGeom prst="rect">
             <a:avLst/>
@@ -6935,12 +7308,11 @@
         <p:txBody>
           <a:bodyPr vert="horz" lIns="91440" tIns="45720" rIns="91440" bIns="45720" rtlCol="0" anchor="ctr"/>
           <a:lstStyle>
-            <a:lvl1pPr algn="l">
-              <a:defRPr sz="1050">
+            <a:lvl1pPr algn="ctr">
+              <a:defRPr sz="900">
                 <a:solidFill>
-                  <a:schemeClr val="tx2">
-                    <a:lumMod val="20000"/>
-                    <a:lumOff val="80000"/>
+                  <a:schemeClr val="tx1">
+                    <a:tint val="82000"/>
                   </a:schemeClr>
                 </a:solidFill>
               </a:defRPr>
@@ -6959,7 +7331,13 @@
       </p:sp>
       <p:sp>
         <p:nvSpPr>
-          <p:cNvPr id="6" name="Slide Number Placeholder 5"/>
+          <p:cNvPr id="6" name="Marcador de número de diapositiva 5">
+            <a:extLst>
+              <a:ext uri="{FF2B5EF4-FFF2-40B4-BE49-F238E27FC236}">
+                <a16:creationId xmlns:a16="http://schemas.microsoft.com/office/drawing/2014/main" id="{AC55EB9E-0904-5271-0B0C-3308E7AE0C95}"/>
+              </a:ext>
+            </a:extLst>
+          </p:cNvPr>
           <p:cNvSpPr>
             <a:spLocks noGrp="1"/>
           </p:cNvSpPr>
@@ -6969,24 +7347,21 @@
         </p:nvSpPr>
         <p:spPr>
           <a:xfrm>
-            <a:off x="8441055" y="6172201"/>
-            <a:ext cx="685800" cy="593725"/>
+            <a:off x="6457950" y="6356351"/>
+            <a:ext cx="2057400" cy="365125"/>
           </a:xfrm>
           <a:prstGeom prst="rect">
             <a:avLst/>
           </a:prstGeom>
         </p:spPr>
         <p:txBody>
-          <a:bodyPr vert="horz" lIns="27432" tIns="45720" rIns="27432" bIns="45720" rtlCol="0" anchor="ctr">
-            <a:normAutofit/>
-          </a:bodyPr>
+          <a:bodyPr vert="horz" lIns="91440" tIns="45720" rIns="91440" bIns="45720" rtlCol="0" anchor="ctr"/>
           <a:lstStyle>
-            <a:lvl1pPr algn="ctr">
-              <a:defRPr sz="3200">
+            <a:lvl1pPr algn="r">
+              <a:defRPr sz="900">
                 <a:solidFill>
-                  <a:schemeClr val="tx2">
-                    <a:lumMod val="60000"/>
-                    <a:lumOff val="40000"/>
+                  <a:schemeClr val="tx1">
+                    <a:tint val="82000"/>
                   </a:schemeClr>
                 </a:solidFill>
               </a:defRPr>
@@ -7010,28 +7385,29 @@
     </p:spTree>
     <p:extLst>
       <p:ext uri="{BB962C8B-B14F-4D97-AF65-F5344CB8AC3E}">
-        <p14:creationId xmlns:p14="http://schemas.microsoft.com/office/powerpoint/2010/main" val="2561616931"/>
+        <p14:creationId xmlns:p14="http://schemas.microsoft.com/office/powerpoint/2010/main" val="1962575804"/>
       </p:ext>
     </p:extLst>
   </p:cSld>
   <p:clrMap bg1="lt1" tx1="dk1" bg2="lt2" tx2="dk2" accent1="accent1" accent2="accent2" accent3="accent3" accent4="accent4" accent5="accent5" accent6="accent6" hlink="hlink" folHlink="folHlink"/>
   <p:sldLayoutIdLst>
-    <p:sldLayoutId id="2147483828" r:id="rId1"/>
-    <p:sldLayoutId id="2147483829" r:id="rId2"/>
-    <p:sldLayoutId id="2147483830" r:id="rId3"/>
-    <p:sldLayoutId id="2147483831" r:id="rId4"/>
-    <p:sldLayoutId id="2147483832" r:id="rId5"/>
-    <p:sldLayoutId id="2147483833" r:id="rId6"/>
-    <p:sldLayoutId id="2147483834" r:id="rId7"/>
-    <p:sldLayoutId id="2147483835" r:id="rId8"/>
-    <p:sldLayoutId id="2147483836" r:id="rId9"/>
-    <p:sldLayoutId id="2147483837" r:id="rId10"/>
-    <p:sldLayoutId id="2147483838" r:id="rId11"/>
+    <p:sldLayoutId id="2147483840" r:id="rId1"/>
+    <p:sldLayoutId id="2147483841" r:id="rId2"/>
+    <p:sldLayoutId id="2147483842" r:id="rId3"/>
+    <p:sldLayoutId id="2147483843" r:id="rId4"/>
+    <p:sldLayoutId id="2147483844" r:id="rId5"/>
+    <p:sldLayoutId id="2147483845" r:id="rId6"/>
+    <p:sldLayoutId id="2147483846" r:id="rId7"/>
+    <p:sldLayoutId id="2147483847" r:id="rId8"/>
+    <p:sldLayoutId id="2147483848" r:id="rId9"/>
+    <p:sldLayoutId id="2147483849" r:id="rId10"/>
+    <p:sldLayoutId id="2147483850" r:id="rId11"/>
+    <p:sldLayoutId id="2147483831" r:id="rId12"/>
   </p:sldLayoutIdLst>
   <p:hf hdr="0" ftr="0" dt="0"/>
   <p:txStyles>
     <p:titleStyle>
-      <a:lvl1pPr algn="l" defTabSz="914400" rtl="0" eaLnBrk="1" latinLnBrk="0" hangingPunct="1">
+      <a:lvl1pPr algn="l" defTabSz="685800" rtl="0" eaLnBrk="1" latinLnBrk="0" hangingPunct="1">
         <a:lnSpc>
           <a:spcPct val="90000"/>
         </a:lnSpc>
@@ -7039,7 +7415,7 @@
           <a:spcPct val="0"/>
         </a:spcBef>
         <a:buNone/>
-        <a:defRPr sz="4000" kern="1200" spc="-50" baseline="0">
+        <a:defRPr sz="3300" kern="1200">
           <a:solidFill>
             <a:schemeClr val="tx1"/>
           </a:solidFill>
@@ -7050,23 +7426,16 @@
       </a:lvl1pPr>
     </p:titleStyle>
     <p:bodyStyle>
-      <a:lvl1pPr marL="182880" indent="-182880" algn="l" defTabSz="914400" rtl="0" eaLnBrk="1" latinLnBrk="0" hangingPunct="1">
+      <a:lvl1pPr marL="171450" indent="-171450" algn="l" defTabSz="685800" rtl="0" eaLnBrk="1" latinLnBrk="0" hangingPunct="1">
         <a:lnSpc>
-          <a:spcPct val="95000"/>
+          <a:spcPct val="90000"/>
         </a:lnSpc>
         <a:spcBef>
-          <a:spcPts val="1400"/>
+          <a:spcPts val="750"/>
         </a:spcBef>
-        <a:spcAft>
-          <a:spcPts val="200"/>
-        </a:spcAft>
-        <a:buClr>
-          <a:schemeClr val="accent1"/>
-        </a:buClr>
-        <a:buSzPct val="80000"/>
-        <a:buFont typeface="Arial" pitchFamily="34" charset="0"/>
+        <a:buFont typeface="Arial" panose="020B0604020202020204" pitchFamily="34" charset="0"/>
         <a:buChar char="•"/>
-        <a:defRPr sz="1800" kern="1200" spc="10" baseline="0">
+        <a:defRPr sz="2100" kern="1200">
           <a:solidFill>
             <a:schemeClr val="tx1"/>
           </a:solidFill>
@@ -7075,216 +7444,144 @@
           <a:cs typeface="+mn-cs"/>
         </a:defRPr>
       </a:lvl1pPr>
-      <a:lvl2pPr marL="457200" indent="-182880" algn="l" defTabSz="914400" rtl="0" eaLnBrk="1" latinLnBrk="0" hangingPunct="1">
+      <a:lvl2pPr marL="514350" indent="-171450" algn="l" defTabSz="685800" rtl="0" eaLnBrk="1" latinLnBrk="0" hangingPunct="1">
         <a:lnSpc>
           <a:spcPct val="90000"/>
         </a:lnSpc>
         <a:spcBef>
-          <a:spcPts val="300"/>
+          <a:spcPts val="375"/>
         </a:spcBef>
-        <a:spcAft>
-          <a:spcPts val="300"/>
-        </a:spcAft>
-        <a:buClr>
-          <a:schemeClr val="accent1"/>
-        </a:buClr>
-        <a:buFont typeface="Wingdings 2" pitchFamily="18" charset="2"/>
-        <a:buChar char=""/>
-        <a:defRPr sz="1600" kern="1200">
+        <a:buFont typeface="Arial" panose="020B0604020202020204" pitchFamily="34" charset="0"/>
+        <a:buChar char="•"/>
+        <a:defRPr sz="1800" kern="1200">
           <a:solidFill>
-            <a:schemeClr val="tx1">
-              <a:lumMod val="85000"/>
-              <a:lumOff val="15000"/>
-            </a:schemeClr>
+            <a:schemeClr val="tx1"/>
           </a:solidFill>
           <a:latin typeface="+mn-lt"/>
           <a:ea typeface="+mn-ea"/>
           <a:cs typeface="+mn-cs"/>
         </a:defRPr>
       </a:lvl2pPr>
-      <a:lvl3pPr marL="731520" indent="-182880" algn="l" defTabSz="914400" rtl="0" eaLnBrk="1" latinLnBrk="0" hangingPunct="1">
+      <a:lvl3pPr marL="857250" indent="-171450" algn="l" defTabSz="685800" rtl="0" eaLnBrk="1" latinLnBrk="0" hangingPunct="1">
         <a:lnSpc>
           <a:spcPct val="90000"/>
         </a:lnSpc>
         <a:spcBef>
-          <a:spcPts val="300"/>
+          <a:spcPts val="375"/>
         </a:spcBef>
-        <a:spcAft>
-          <a:spcPts val="300"/>
-        </a:spcAft>
-        <a:buClr>
-          <a:schemeClr val="accent1"/>
-        </a:buClr>
-        <a:buFont typeface="Wingdings 2" pitchFamily="18" charset="2"/>
-        <a:buChar char=""/>
-        <a:defRPr sz="1400" kern="1200">
+        <a:buFont typeface="Arial" panose="020B0604020202020204" pitchFamily="34" charset="0"/>
+        <a:buChar char="•"/>
+        <a:defRPr sz="1500" kern="1200">
           <a:solidFill>
-            <a:schemeClr val="tx1">
-              <a:lumMod val="85000"/>
-              <a:lumOff val="15000"/>
-            </a:schemeClr>
+            <a:schemeClr val="tx1"/>
           </a:solidFill>
           <a:latin typeface="+mn-lt"/>
           <a:ea typeface="+mn-ea"/>
           <a:cs typeface="+mn-cs"/>
         </a:defRPr>
       </a:lvl3pPr>
-      <a:lvl4pPr marL="1005840" indent="-182880" algn="l" defTabSz="914400" rtl="0" eaLnBrk="1" latinLnBrk="0" hangingPunct="1">
+      <a:lvl4pPr marL="1200150" indent="-171450" algn="l" defTabSz="685800" rtl="0" eaLnBrk="1" latinLnBrk="0" hangingPunct="1">
         <a:lnSpc>
           <a:spcPct val="90000"/>
         </a:lnSpc>
         <a:spcBef>
-          <a:spcPts val="300"/>
+          <a:spcPts val="375"/>
         </a:spcBef>
-        <a:spcAft>
-          <a:spcPts val="300"/>
-        </a:spcAft>
-        <a:buClr>
-          <a:schemeClr val="accent1"/>
-        </a:buClr>
-        <a:buFont typeface="Wingdings 2" pitchFamily="18" charset="2"/>
-        <a:buChar char=""/>
-        <a:defRPr sz="1400" kern="1200">
+        <a:buFont typeface="Arial" panose="020B0604020202020204" pitchFamily="34" charset="0"/>
+        <a:buChar char="•"/>
+        <a:defRPr sz="1350" kern="1200">
           <a:solidFill>
-            <a:schemeClr val="tx1">
-              <a:lumMod val="85000"/>
-              <a:lumOff val="15000"/>
-            </a:schemeClr>
+            <a:schemeClr val="tx1"/>
           </a:solidFill>
           <a:latin typeface="+mn-lt"/>
           <a:ea typeface="+mn-ea"/>
           <a:cs typeface="+mn-cs"/>
         </a:defRPr>
       </a:lvl4pPr>
-      <a:lvl5pPr marL="1280160" indent="-182880" algn="l" defTabSz="914400" rtl="0" eaLnBrk="1" latinLnBrk="0" hangingPunct="1">
+      <a:lvl5pPr marL="1543050" indent="-171450" algn="l" defTabSz="685800" rtl="0" eaLnBrk="1" latinLnBrk="0" hangingPunct="1">
         <a:lnSpc>
           <a:spcPct val="90000"/>
         </a:lnSpc>
         <a:spcBef>
-          <a:spcPts val="300"/>
+          <a:spcPts val="375"/>
         </a:spcBef>
-        <a:spcAft>
-          <a:spcPts val="300"/>
-        </a:spcAft>
-        <a:buClr>
-          <a:schemeClr val="accent1"/>
-        </a:buClr>
-        <a:buFont typeface="Wingdings 2" pitchFamily="18" charset="2"/>
-        <a:buChar char=""/>
-        <a:defRPr sz="1400" kern="1200">
+        <a:buFont typeface="Arial" panose="020B0604020202020204" pitchFamily="34" charset="0"/>
+        <a:buChar char="•"/>
+        <a:defRPr sz="1350" kern="1200">
           <a:solidFill>
-            <a:schemeClr val="tx1">
-              <a:lumMod val="85000"/>
-              <a:lumOff val="15000"/>
-            </a:schemeClr>
+            <a:schemeClr val="tx1"/>
           </a:solidFill>
           <a:latin typeface="+mn-lt"/>
           <a:ea typeface="+mn-ea"/>
           <a:cs typeface="+mn-cs"/>
         </a:defRPr>
       </a:lvl5pPr>
-      <a:lvl6pPr marL="1600000" indent="-228600" algn="l" defTabSz="914400" rtl="0" eaLnBrk="1" latinLnBrk="0" hangingPunct="1">
+      <a:lvl6pPr marL="1885950" indent="-171450" algn="l" defTabSz="685800" rtl="0" eaLnBrk="1" latinLnBrk="0" hangingPunct="1">
         <a:lnSpc>
           <a:spcPct val="90000"/>
         </a:lnSpc>
         <a:spcBef>
-          <a:spcPts val="300"/>
+          <a:spcPts val="375"/>
         </a:spcBef>
-        <a:spcAft>
-          <a:spcPts val="300"/>
-        </a:spcAft>
-        <a:buClr>
-          <a:schemeClr val="accent1"/>
-        </a:buClr>
-        <a:buFont typeface="Wingdings 2" pitchFamily="18" charset="2"/>
-        <a:buChar char=""/>
-        <a:defRPr sz="1400" kern="1200">
+        <a:buFont typeface="Arial" panose="020B0604020202020204" pitchFamily="34" charset="0"/>
+        <a:buChar char="•"/>
+        <a:defRPr sz="1350" kern="1200">
           <a:solidFill>
-            <a:schemeClr val="tx1">
-              <a:lumMod val="85000"/>
-              <a:lumOff val="15000"/>
-            </a:schemeClr>
+            <a:schemeClr val="tx1"/>
           </a:solidFill>
           <a:latin typeface="+mn-lt"/>
           <a:ea typeface="+mn-ea"/>
           <a:cs typeface="+mn-cs"/>
         </a:defRPr>
       </a:lvl6pPr>
-      <a:lvl7pPr marL="1900000" indent="-228600" algn="l" defTabSz="914400" rtl="0" eaLnBrk="1" latinLnBrk="0" hangingPunct="1">
+      <a:lvl7pPr marL="2228850" indent="-171450" algn="l" defTabSz="685800" rtl="0" eaLnBrk="1" latinLnBrk="0" hangingPunct="1">
         <a:lnSpc>
           <a:spcPct val="90000"/>
         </a:lnSpc>
         <a:spcBef>
-          <a:spcPts val="300"/>
+          <a:spcPts val="375"/>
         </a:spcBef>
-        <a:spcAft>
-          <a:spcPts val="300"/>
-        </a:spcAft>
-        <a:buClr>
-          <a:schemeClr val="accent1"/>
-        </a:buClr>
-        <a:buFont typeface="Wingdings 2" pitchFamily="18" charset="2"/>
-        <a:buChar char=""/>
-        <a:defRPr sz="1400" kern="1200">
+        <a:buFont typeface="Arial" panose="020B0604020202020204" pitchFamily="34" charset="0"/>
+        <a:buChar char="•"/>
+        <a:defRPr sz="1350" kern="1200">
           <a:solidFill>
-            <a:schemeClr val="tx1">
-              <a:lumMod val="85000"/>
-              <a:lumOff val="15000"/>
-            </a:schemeClr>
+            <a:schemeClr val="tx1"/>
           </a:solidFill>
           <a:latin typeface="+mn-lt"/>
           <a:ea typeface="+mn-ea"/>
           <a:cs typeface="+mn-cs"/>
         </a:defRPr>
       </a:lvl7pPr>
-      <a:lvl8pPr marL="2200000" indent="-228600" algn="l" defTabSz="914400" rtl="0" eaLnBrk="1" latinLnBrk="0" hangingPunct="1">
+      <a:lvl8pPr marL="2571750" indent="-171450" algn="l" defTabSz="685800" rtl="0" eaLnBrk="1" latinLnBrk="0" hangingPunct="1">
         <a:lnSpc>
           <a:spcPct val="90000"/>
         </a:lnSpc>
         <a:spcBef>
-          <a:spcPts val="300"/>
+          <a:spcPts val="375"/>
         </a:spcBef>
-        <a:spcAft>
-          <a:spcPts val="300"/>
-        </a:spcAft>
-        <a:buClr>
-          <a:schemeClr val="accent1"/>
-        </a:buClr>
-        <a:buFont typeface="Wingdings 2" pitchFamily="18" charset="2"/>
-        <a:buChar char=""/>
-        <a:defRPr sz="1400" kern="1200">
+        <a:buFont typeface="Arial" panose="020B0604020202020204" pitchFamily="34" charset="0"/>
+        <a:buChar char="•"/>
+        <a:defRPr sz="1350" kern="1200">
           <a:solidFill>
-            <a:schemeClr val="tx1">
-              <a:lumMod val="85000"/>
-              <a:lumOff val="15000"/>
-            </a:schemeClr>
+            <a:schemeClr val="tx1"/>
           </a:solidFill>
           <a:latin typeface="+mn-lt"/>
           <a:ea typeface="+mn-ea"/>
           <a:cs typeface="+mn-cs"/>
         </a:defRPr>
       </a:lvl8pPr>
-      <a:lvl9pPr marL="2500000" indent="-228600" algn="l" defTabSz="914400" rtl="0" eaLnBrk="1" latinLnBrk="0" hangingPunct="1">
+      <a:lvl9pPr marL="2914650" indent="-171450" algn="l" defTabSz="685800" rtl="0" eaLnBrk="1" latinLnBrk="0" hangingPunct="1">
         <a:lnSpc>
           <a:spcPct val="90000"/>
         </a:lnSpc>
         <a:spcBef>
-          <a:spcPts val="300"/>
+          <a:spcPts val="375"/>
         </a:spcBef>
-        <a:spcAft>
-          <a:spcPts val="300"/>
-        </a:spcAft>
-        <a:buClr>
-          <a:schemeClr val="accent1"/>
-        </a:buClr>
-        <a:buFont typeface="Wingdings 2" pitchFamily="18" charset="2"/>
-        <a:buChar char=""/>
-        <a:defRPr sz="1400" kern="1200">
+        <a:buFont typeface="Arial" panose="020B0604020202020204" pitchFamily="34" charset="0"/>
+        <a:buChar char="•"/>
+        <a:defRPr sz="1350" kern="1200">
           <a:solidFill>
-            <a:schemeClr val="tx1">
-              <a:lumMod val="85000"/>
-              <a:lumOff val="15000"/>
-            </a:schemeClr>
+            <a:schemeClr val="tx1"/>
           </a:solidFill>
           <a:latin typeface="+mn-lt"/>
           <a:ea typeface="+mn-ea"/>
@@ -7294,10 +7591,10 @@
     </p:bodyStyle>
     <p:otherStyle>
       <a:defPPr>
-        <a:defRPr lang="en-US"/>
+        <a:defRPr lang="es-ES"/>
       </a:defPPr>
-      <a:lvl1pPr marL="0" algn="l" defTabSz="914400" rtl="0" eaLnBrk="1" latinLnBrk="0" hangingPunct="1">
-        <a:defRPr sz="1800" kern="1200">
+      <a:lvl1pPr marL="0" algn="l" defTabSz="685800" rtl="0" eaLnBrk="1" latinLnBrk="0" hangingPunct="1">
+        <a:defRPr sz="1350" kern="1200">
           <a:solidFill>
             <a:schemeClr val="tx1"/>
           </a:solidFill>
@@ -7306,8 +7603,8 @@
           <a:cs typeface="+mn-cs"/>
         </a:defRPr>
       </a:lvl1pPr>
-      <a:lvl2pPr marL="457200" algn="l" defTabSz="914400" rtl="0" eaLnBrk="1" latinLnBrk="0" hangingPunct="1">
-        <a:defRPr sz="1800" kern="1200">
+      <a:lvl2pPr marL="342900" algn="l" defTabSz="685800" rtl="0" eaLnBrk="1" latinLnBrk="0" hangingPunct="1">
+        <a:defRPr sz="1350" kern="1200">
           <a:solidFill>
             <a:schemeClr val="tx1"/>
           </a:solidFill>
@@ -7316,8 +7613,8 @@
           <a:cs typeface="+mn-cs"/>
         </a:defRPr>
       </a:lvl2pPr>
-      <a:lvl3pPr marL="914400" algn="l" defTabSz="914400" rtl="0" eaLnBrk="1" latinLnBrk="0" hangingPunct="1">
-        <a:defRPr sz="1800" kern="1200">
+      <a:lvl3pPr marL="685800" algn="l" defTabSz="685800" rtl="0" eaLnBrk="1" latinLnBrk="0" hangingPunct="1">
+        <a:defRPr sz="1350" kern="1200">
           <a:solidFill>
             <a:schemeClr val="tx1"/>
           </a:solidFill>
@@ -7326,8 +7623,8 @@
           <a:cs typeface="+mn-cs"/>
         </a:defRPr>
       </a:lvl3pPr>
-      <a:lvl4pPr marL="1371600" algn="l" defTabSz="914400" rtl="0" eaLnBrk="1" latinLnBrk="0" hangingPunct="1">
-        <a:defRPr sz="1800" kern="1200">
+      <a:lvl4pPr marL="1028700" algn="l" defTabSz="685800" rtl="0" eaLnBrk="1" latinLnBrk="0" hangingPunct="1">
+        <a:defRPr sz="1350" kern="1200">
           <a:solidFill>
             <a:schemeClr val="tx1"/>
           </a:solidFill>
@@ -7336,8 +7633,8 @@
           <a:cs typeface="+mn-cs"/>
         </a:defRPr>
       </a:lvl4pPr>
-      <a:lvl5pPr marL="1828800" algn="l" defTabSz="914400" rtl="0" eaLnBrk="1" latinLnBrk="0" hangingPunct="1">
-        <a:defRPr sz="1800" kern="1200">
+      <a:lvl5pPr marL="1371600" algn="l" defTabSz="685800" rtl="0" eaLnBrk="1" latinLnBrk="0" hangingPunct="1">
+        <a:defRPr sz="1350" kern="1200">
           <a:solidFill>
             <a:schemeClr val="tx1"/>
           </a:solidFill>
@@ -7346,8 +7643,8 @@
           <a:cs typeface="+mn-cs"/>
         </a:defRPr>
       </a:lvl5pPr>
-      <a:lvl6pPr marL="2286000" algn="l" defTabSz="914400" rtl="0" eaLnBrk="1" latinLnBrk="0" hangingPunct="1">
-        <a:defRPr sz="1800" kern="1200">
+      <a:lvl6pPr marL="1714500" algn="l" defTabSz="685800" rtl="0" eaLnBrk="1" latinLnBrk="0" hangingPunct="1">
+        <a:defRPr sz="1350" kern="1200">
           <a:solidFill>
             <a:schemeClr val="tx1"/>
           </a:solidFill>
@@ -7356,8 +7653,8 @@
           <a:cs typeface="+mn-cs"/>
         </a:defRPr>
       </a:lvl6pPr>
-      <a:lvl7pPr marL="2743200" algn="l" defTabSz="914400" rtl="0" eaLnBrk="1" latinLnBrk="0" hangingPunct="1">
-        <a:defRPr sz="1800" kern="1200">
+      <a:lvl7pPr marL="2057400" algn="l" defTabSz="685800" rtl="0" eaLnBrk="1" latinLnBrk="0" hangingPunct="1">
+        <a:defRPr sz="1350" kern="1200">
           <a:solidFill>
             <a:schemeClr val="tx1"/>
           </a:solidFill>
@@ -7366,8 +7663,8 @@
           <a:cs typeface="+mn-cs"/>
         </a:defRPr>
       </a:lvl7pPr>
-      <a:lvl8pPr marL="3200400" algn="l" defTabSz="914400" rtl="0" eaLnBrk="1" latinLnBrk="0" hangingPunct="1">
-        <a:defRPr sz="1800" kern="1200">
+      <a:lvl8pPr marL="2400300" algn="l" defTabSz="685800" rtl="0" eaLnBrk="1" latinLnBrk="0" hangingPunct="1">
+        <a:defRPr sz="1350" kern="1200">
           <a:solidFill>
             <a:schemeClr val="tx1"/>
           </a:solidFill>
@@ -7376,8 +7673,8 @@
           <a:cs typeface="+mn-cs"/>
         </a:defRPr>
       </a:lvl8pPr>
-      <a:lvl9pPr marL="3657600" algn="l" defTabSz="914400" rtl="0" eaLnBrk="1" latinLnBrk="0" hangingPunct="1">
-        <a:defRPr sz="1800" kern="1200">
+      <a:lvl9pPr marL="2743200" algn="l" defTabSz="685800" rtl="0" eaLnBrk="1" latinLnBrk="0" hangingPunct="1">
+        <a:defRPr sz="1350" kern="1200">
           <a:solidFill>
             <a:schemeClr val="tx1"/>
           </a:solidFill>
@@ -7420,134 +7717,6 @@
       </p:grpSpPr>
       <p:sp>
         <p:nvSpPr>
-          <p:cNvPr id="20" name="Rectangle 19">
-            <a:extLst>
-              <a:ext uri="{FF2B5EF4-FFF2-40B4-BE49-F238E27FC236}">
-                <a16:creationId xmlns:a16="http://schemas.microsoft.com/office/drawing/2014/main" id="{78E1DCC1-CECF-49BB-97F0-2233B406D8E6}"/>
-              </a:ext>
-              <a:ext uri="{C183D7F6-B498-43B3-948B-1728B52AA6E4}">
-                <adec:decorative xmlns:adec="http://schemas.microsoft.com/office/drawing/2017/decorative" val="1"/>
-              </a:ext>
-            </a:extLst>
-          </p:cNvPr>
-          <p:cNvSpPr>
-            <a:spLocks noGrp="1" noRot="1" noChangeAspect="1" noMove="1" noResize="1" noEditPoints="1" noAdjustHandles="1" noChangeArrowheads="1" noChangeShapeType="1" noTextEdit="1"/>
-          </p:cNvSpPr>
-          <p:nvPr>
-            <p:extLst>
-              <p:ext uri="{386F3935-93C4-4BCD-93E2-E3B085C9AB24}">
-                <p16:designElem xmlns:p16="http://schemas.microsoft.com/office/powerpoint/2015/main" val="1"/>
-              </p:ext>
-            </p:extLst>
-          </p:nvPr>
-        </p:nvSpPr>
-        <p:spPr>
-          <a:xfrm>
-            <a:off x="0" y="0"/>
-            <a:ext cx="8469630" cy="6858000"/>
-          </a:xfrm>
-          <a:prstGeom prst="rect">
-            <a:avLst/>
-          </a:prstGeom>
-          <a:solidFill>
-            <a:srgbClr val="FFFFFF"/>
-          </a:solidFill>
-          <a:ln>
-            <a:noFill/>
-          </a:ln>
-        </p:spPr>
-        <p:style>
-          <a:lnRef idx="2">
-            <a:schemeClr val="accent1">
-              <a:shade val="50000"/>
-            </a:schemeClr>
-          </a:lnRef>
-          <a:fillRef idx="1">
-            <a:schemeClr val="accent1"/>
-          </a:fillRef>
-          <a:effectRef idx="0">
-            <a:schemeClr val="accent1"/>
-          </a:effectRef>
-          <a:fontRef idx="minor">
-            <a:schemeClr val="lt1"/>
-          </a:fontRef>
-        </p:style>
-        <p:txBody>
-          <a:bodyPr rtlCol="0" anchor="ctr"/>
-          <a:lstStyle/>
-          <a:p>
-            <a:pPr algn="ctr"/>
-            <a:endParaRPr lang="en-US"/>
-          </a:p>
-        </p:txBody>
-      </p:sp>
-      <p:sp>
-        <p:nvSpPr>
-          <p:cNvPr id="22" name="Rectangle 21">
-            <a:extLst>
-              <a:ext uri="{FF2B5EF4-FFF2-40B4-BE49-F238E27FC236}">
-                <a16:creationId xmlns:a16="http://schemas.microsoft.com/office/drawing/2014/main" id="{3C7ABF58-EC6B-4932-8671-4BAEBDDF5053}"/>
-              </a:ext>
-              <a:ext uri="{C183D7F6-B498-43B3-948B-1728B52AA6E4}">
-                <adec:decorative xmlns:adec="http://schemas.microsoft.com/office/drawing/2017/decorative" val="1"/>
-              </a:ext>
-            </a:extLst>
-          </p:cNvPr>
-          <p:cNvSpPr>
-            <a:spLocks noGrp="1" noRot="1" noChangeAspect="1" noMove="1" noResize="1" noEditPoints="1" noAdjustHandles="1" noChangeArrowheads="1" noChangeShapeType="1" noTextEdit="1"/>
-          </p:cNvSpPr>
-          <p:nvPr>
-            <p:extLst>
-              <p:ext uri="{386F3935-93C4-4BCD-93E2-E3B085C9AB24}">
-                <p16:designElem xmlns:p16="http://schemas.microsoft.com/office/powerpoint/2015/main" val="1"/>
-              </p:ext>
-            </p:extLst>
-          </p:nvPr>
-        </p:nvSpPr>
-        <p:spPr>
-          <a:xfrm>
-            <a:off x="-1" y="-2811"/>
-            <a:ext cx="8469631" cy="5108211"/>
-          </a:xfrm>
-          <a:prstGeom prst="rect">
-            <a:avLst/>
-          </a:prstGeom>
-          <a:solidFill>
-            <a:schemeClr val="accent2">
-              <a:lumMod val="75000"/>
-            </a:schemeClr>
-          </a:solidFill>
-          <a:ln>
-            <a:noFill/>
-          </a:ln>
-        </p:spPr>
-        <p:style>
-          <a:lnRef idx="2">
-            <a:schemeClr val="accent1">
-              <a:shade val="50000"/>
-            </a:schemeClr>
-          </a:lnRef>
-          <a:fillRef idx="1">
-            <a:schemeClr val="accent1"/>
-          </a:fillRef>
-          <a:effectRef idx="0">
-            <a:schemeClr val="accent1"/>
-          </a:effectRef>
-          <a:fontRef idx="minor">
-            <a:schemeClr val="lt1"/>
-          </a:fontRef>
-        </p:style>
-        <p:txBody>
-          <a:bodyPr rtlCol="0" anchor="ctr"/>
-          <a:lstStyle/>
-          <a:p>
-            <a:pPr algn="ctr"/>
-            <a:endParaRPr lang="en-US"/>
-          </a:p>
-        </p:txBody>
-      </p:sp>
-      <p:sp>
-        <p:nvSpPr>
           <p:cNvPr id="2" name="Título 1">
             <a:extLst>
               <a:ext uri="{FF2B5EF4-FFF2-40B4-BE49-F238E27FC236}">
@@ -7588,64 +7757,6 @@
       </p:sp>
       <p:sp>
         <p:nvSpPr>
-          <p:cNvPr id="24" name="Rectangle 23">
-            <a:extLst>
-              <a:ext uri="{FF2B5EF4-FFF2-40B4-BE49-F238E27FC236}">
-                <a16:creationId xmlns:a16="http://schemas.microsoft.com/office/drawing/2014/main" id="{EB868EAF-CD67-49A7-8A32-BBC0EA412C4C}"/>
-              </a:ext>
-              <a:ext uri="{C183D7F6-B498-43B3-948B-1728B52AA6E4}">
-                <adec:decorative xmlns:adec="http://schemas.microsoft.com/office/drawing/2017/decorative" val="1"/>
-              </a:ext>
-            </a:extLst>
-          </p:cNvPr>
-          <p:cNvSpPr>
-            <a:spLocks noGrp="1" noRot="1" noChangeAspect="1" noMove="1" noResize="1" noEditPoints="1" noAdjustHandles="1" noChangeArrowheads="1" noChangeShapeType="1" noTextEdit="1"/>
-          </p:cNvSpPr>
-          <p:nvPr>
-            <p:extLst>
-              <p:ext uri="{386F3935-93C4-4BCD-93E2-E3B085C9AB24}">
-                <p16:designElem xmlns:p16="http://schemas.microsoft.com/office/powerpoint/2015/main" val="1"/>
-              </p:ext>
-            </p:extLst>
-          </p:nvPr>
-        </p:nvSpPr>
-        <p:spPr>
-          <a:xfrm>
-            <a:off x="0" y="5105400"/>
-            <a:ext cx="8469630" cy="1752600"/>
-          </a:xfrm>
-          <a:prstGeom prst="rect">
-            <a:avLst/>
-          </a:prstGeom>
-          <a:solidFill>
-            <a:schemeClr val="bg1">
-              <a:lumMod val="75000"/>
-              <a:lumOff val="25000"/>
-            </a:schemeClr>
-          </a:solidFill>
-          <a:ln>
-            <a:noFill/>
-          </a:ln>
-        </p:spPr>
-        <p:style>
-          <a:lnRef idx="2">
-            <a:schemeClr val="accent1">
-              <a:shade val="50000"/>
-            </a:schemeClr>
-          </a:lnRef>
-          <a:fillRef idx="1">
-            <a:schemeClr val="accent1"/>
-          </a:fillRef>
-          <a:effectRef idx="0">
-            <a:schemeClr val="accent1"/>
-          </a:effectRef>
-          <a:fontRef idx="minor">
-            <a:schemeClr val="lt1"/>
-          </a:fontRef>
-        </p:style>
-      </p:sp>
-      <p:sp>
-        <p:nvSpPr>
           <p:cNvPr id="3" name="Subtítulo 2">
             <a:extLst>
               <a:ext uri="{FF2B5EF4-FFF2-40B4-BE49-F238E27FC236}">
@@ -7668,7 +7779,7 @@
         </p:spPr>
         <p:txBody>
           <a:bodyPr anchor="ctr">
-            <a:normAutofit fontScale="92500" lnSpcReduction="10000"/>
+            <a:normAutofit/>
           </a:bodyPr>
           <a:lstStyle/>
           <a:p>
@@ -7796,205 +7907,6 @@
       </p:grpSpPr>
       <p:sp>
         <p:nvSpPr>
-          <p:cNvPr id="17" name="Title 1">
-            <a:extLst>
-              <a:ext uri="{FF2B5EF4-FFF2-40B4-BE49-F238E27FC236}">
-                <a16:creationId xmlns:a16="http://schemas.microsoft.com/office/drawing/2014/main" id="{110A10B6-2715-4D5D-B899-1B41724C2876}"/>
-              </a:ext>
-            </a:extLst>
-          </p:cNvPr>
-          <p:cNvSpPr>
-            <a:spLocks noGrp="1"/>
-          </p:cNvSpPr>
-          <p:nvPr>
-            <p:ph type="title"/>
-          </p:nvPr>
-        </p:nvSpPr>
-        <p:spPr>
-          <a:xfrm>
-            <a:off x="275660" y="5314024"/>
-            <a:ext cx="2158008" cy="914400"/>
-          </a:xfrm>
-        </p:spPr>
-        <p:txBody>
-          <a:bodyPr/>
-          <a:lstStyle/>
-          <a:p>
-            <a:r>
-              <a:rPr lang="en-US" dirty="0"/>
-              <a:t>PASO 2-1FN</a:t>
-            </a:r>
-          </a:p>
-        </p:txBody>
-      </p:sp>
-      <p:sp>
-        <p:nvSpPr>
-          <p:cNvPr id="19" name="Text Placeholder 3">
-            <a:extLst>
-              <a:ext uri="{FF2B5EF4-FFF2-40B4-BE49-F238E27FC236}">
-                <a16:creationId xmlns:a16="http://schemas.microsoft.com/office/drawing/2014/main" id="{3D9D05D2-E19B-46E1-AB85-0FDB91826A9F}"/>
-              </a:ext>
-            </a:extLst>
-          </p:cNvPr>
-          <p:cNvSpPr>
-            <a:spLocks noGrp="1"/>
-          </p:cNvSpPr>
-          <p:nvPr>
-            <p:ph type="body" sz="half" idx="2"/>
-          </p:nvPr>
-        </p:nvSpPr>
-        <p:spPr>
-          <a:xfrm>
-            <a:off x="2553544" y="5229200"/>
-            <a:ext cx="5647758" cy="1461107"/>
-          </a:xfrm>
-        </p:spPr>
-        <p:txBody>
-          <a:bodyPr>
-            <a:normAutofit fontScale="85000" lnSpcReduction="10000"/>
-          </a:bodyPr>
-          <a:lstStyle/>
-          <a:p>
-            <a:pPr algn="just"/>
-            <a:r>
-              <a:rPr lang="es-ES" b="0" i="0" dirty="0">
-                <a:solidFill>
-                  <a:schemeClr val="bg1"/>
-                </a:solidFill>
-                <a:effectLst/>
-                <a:latin typeface="Verdana" panose="020B0604030504040204" pitchFamily="34" charset="0"/>
-              </a:rPr>
-              <a:t>En la tabla anterior se repiten los atributos No de empleado, Nombre de empleado, No de departamento, Nombre de departamento y Tarifa por hora. Es decir, existe la posibilidad de que se produzcan más de una aparición de estos atributos para cada código de proyecto. Estos son los atributos que se repiten y han estado en una nueva tabla junto con una copia de la clave original (es decir: Código de proyecto).</a:t>
-            </a:r>
-          </a:p>
-          <a:p>
-            <a:pPr algn="just"/>
-            <a:r>
-              <a:rPr lang="es-ES" b="0" i="0" dirty="0">
-                <a:solidFill>
-                  <a:schemeClr val="bg1"/>
-                </a:solidFill>
-                <a:effectLst/>
-                <a:latin typeface="Verdana" panose="020B0604030504040204" pitchFamily="34" charset="0"/>
-              </a:rPr>
-              <a:t>Se ha definido una clave de Código de proyecto y Número de empleado para esta nueva tabla. Esta combinación es única para cada fila de la tabla.</a:t>
-            </a:r>
-          </a:p>
-          <a:p>
-            <a:endParaRPr lang="en-US" dirty="0"/>
-          </a:p>
-        </p:txBody>
-      </p:sp>
-      <p:sp>
-        <p:nvSpPr>
-          <p:cNvPr id="5" name="Marcador de número de diapositiva 4">
-            <a:extLst>
-              <a:ext uri="{FF2B5EF4-FFF2-40B4-BE49-F238E27FC236}">
-                <a16:creationId xmlns:a16="http://schemas.microsoft.com/office/drawing/2014/main" id="{76770FAC-961F-4C89-B06D-5E65383C04D5}"/>
-              </a:ext>
-            </a:extLst>
-          </p:cNvPr>
-          <p:cNvSpPr>
-            <a:spLocks noGrp="1"/>
-          </p:cNvSpPr>
-          <p:nvPr>
-            <p:ph type="sldNum" sz="quarter" idx="12"/>
-          </p:nvPr>
-        </p:nvSpPr>
-        <p:spPr>
-          <a:xfrm>
-            <a:off x="8441055" y="6172201"/>
-            <a:ext cx="685800" cy="593725"/>
-          </a:xfrm>
-        </p:spPr>
-        <p:txBody>
-          <a:bodyPr anchor="ctr">
-            <a:normAutofit/>
-          </a:bodyPr>
-          <a:lstStyle/>
-          <a:p>
-            <a:pPr>
-              <a:spcAft>
-                <a:spcPts val="600"/>
-              </a:spcAft>
-              <a:defRPr/>
-            </a:pPr>
-            <a:fld id="{E28453F8-7A8B-482B-912B-1D97498DEB72}" type="slidenum">
-              <a:rPr lang="es-ES" altLang="es-ES" smtClean="0"/>
-              <a:pPr>
-                <a:spcAft>
-                  <a:spcPts val="600"/>
-                </a:spcAft>
-                <a:defRPr/>
-              </a:pPr>
-              <a:t>10</a:t>
-            </a:fld>
-            <a:endParaRPr lang="es-ES" altLang="es-ES"/>
-          </a:p>
-        </p:txBody>
-      </p:sp>
-      <p:pic>
-        <p:nvPicPr>
-          <p:cNvPr id="11" name="Imagen 10">
-            <a:extLst>
-              <a:ext uri="{FF2B5EF4-FFF2-40B4-BE49-F238E27FC236}">
-                <a16:creationId xmlns:a16="http://schemas.microsoft.com/office/drawing/2014/main" id="{4AA4B6F3-C37C-496E-9DF5-CD45CF3C29B4}"/>
-              </a:ext>
-            </a:extLst>
-          </p:cNvPr>
-          <p:cNvPicPr>
-            <a:picLocks noChangeAspect="1"/>
-          </p:cNvPicPr>
-          <p:nvPr/>
-        </p:nvPicPr>
-        <p:blipFill>
-          <a:blip r:embed="rId2"/>
-          <a:stretch>
-            <a:fillRect/>
-          </a:stretch>
-        </p:blipFill>
-        <p:spPr>
-          <a:xfrm>
-            <a:off x="107504" y="1086776"/>
-            <a:ext cx="8252538" cy="2126200"/>
-          </a:xfrm>
-          <a:prstGeom prst="rect">
-            <a:avLst/>
-          </a:prstGeom>
-        </p:spPr>
-      </p:pic>
-    </p:spTree>
-    <p:extLst>
-      <p:ext uri="{BB962C8B-B14F-4D97-AF65-F5344CB8AC3E}">
-        <p14:creationId xmlns:p14="http://schemas.microsoft.com/office/powerpoint/2010/main" val="3474736697"/>
-      </p:ext>
-    </p:extLst>
-  </p:cSld>
-  <p:clrMapOvr>
-    <a:masterClrMapping/>
-  </p:clrMapOvr>
-</p:sld>
-</file>
-
-<file path=ppt/slides/slide11.xml><?xml version="1.0" encoding="utf-8"?>
-<p:sld xmlns:a="http://schemas.openxmlformats.org/drawingml/2006/main" xmlns:r="http://schemas.openxmlformats.org/officeDocument/2006/relationships" xmlns:p="http://schemas.openxmlformats.org/presentationml/2006/main">
-  <p:cSld>
-    <p:spTree>
-      <p:nvGrpSpPr>
-        <p:cNvPr id="1" name=""/>
-        <p:cNvGrpSpPr/>
-        <p:nvPr/>
-      </p:nvGrpSpPr>
-      <p:grpSpPr>
-        <a:xfrm>
-          <a:off x="0" y="0"/>
-          <a:ext cx="0" cy="0"/>
-          <a:chOff x="0" y="0"/>
-          <a:chExt cx="0" cy="0"/>
-        </a:xfrm>
-      </p:grpSpPr>
-      <p:sp>
-        <p:nvSpPr>
           <p:cNvPr id="2" name="Título 1">
             <a:extLst>
               <a:ext uri="{FF2B5EF4-FFF2-40B4-BE49-F238E27FC236}">
@@ -8009,19 +7921,16 @@
             <p:ph type="title"/>
           </p:nvPr>
         </p:nvSpPr>
-        <p:spPr>
-          <a:xfrm>
-            <a:off x="323528" y="5373216"/>
-            <a:ext cx="2232248" cy="914400"/>
-          </a:xfrm>
-        </p:spPr>
+        <p:spPr/>
         <p:txBody>
-          <a:bodyPr/>
+          <a:bodyPr>
+            <a:noAutofit/>
+          </a:bodyPr>
           <a:lstStyle/>
           <a:p>
             <a:r>
-              <a:rPr lang="es-ES" dirty="0"/>
-              <a:t>PASO 3-2FN</a:t>
+              <a:rPr lang="es-ES" sz="2400" dirty="0"/>
+              <a:t>2FN: Esta en 1FN y solo un campo en la clave principal. Si hay más de un campo en la clave principal, buscamos atributos que dependen solo de una parte de la clave</a:t>
             </a:r>
           </a:p>
         </p:txBody>
@@ -8039,18 +7948,13 @@
             <a:spLocks noGrp="1"/>
           </p:cNvSpPr>
           <p:nvPr>
-            <p:ph type="body" sz="half" idx="2"/>
+            <p:ph idx="1"/>
           </p:nvPr>
         </p:nvSpPr>
-        <p:spPr>
-          <a:xfrm>
-            <a:off x="2915816" y="5281322"/>
-            <a:ext cx="5184576" cy="1576677"/>
-          </a:xfrm>
-        </p:spPr>
+        <p:spPr/>
         <p:txBody>
           <a:bodyPr>
-            <a:normAutofit fontScale="92500" lnSpcReduction="20000"/>
+            <a:normAutofit/>
           </a:bodyPr>
           <a:lstStyle/>
           <a:p>
@@ -8121,7 +8025,7 @@
               <a:pPr>
                 <a:defRPr/>
               </a:pPr>
-              <a:t>11</a:t>
+              <a:t>10</a:t>
             </a:fld>
             <a:endParaRPr lang="es-ES" altLang="es-ES"/>
           </a:p>
@@ -8149,7 +8053,7 @@
         </p:blipFill>
         <p:spPr>
           <a:xfrm>
-            <a:off x="11848" y="570385"/>
+            <a:off x="459066" y="2420888"/>
             <a:ext cx="8225867" cy="3434680"/>
           </a:xfrm>
           <a:prstGeom prst="rect">
@@ -8206,7 +8110,7 @@
 </p:sld>
 </file>
 
-<file path=ppt/slides/slide12.xml><?xml version="1.0" encoding="utf-8"?>
+<file path=ppt/slides/slide11.xml><?xml version="1.0" encoding="utf-8"?>
 <p:sld xmlns:a="http://schemas.openxmlformats.org/drawingml/2006/main" xmlns:r="http://schemas.openxmlformats.org/officeDocument/2006/relationships" xmlns:p="http://schemas.openxmlformats.org/presentationml/2006/main">
   <p:cSld>
     <p:spTree>
@@ -8239,19 +8143,16 @@
             <p:ph type="title"/>
           </p:nvPr>
         </p:nvSpPr>
-        <p:spPr>
-          <a:xfrm>
-            <a:off x="323528" y="5373216"/>
-            <a:ext cx="2232248" cy="914400"/>
-          </a:xfrm>
-        </p:spPr>
+        <p:spPr/>
         <p:txBody>
-          <a:bodyPr/>
+          <a:bodyPr>
+            <a:normAutofit fontScale="90000"/>
+          </a:bodyPr>
           <a:lstStyle/>
           <a:p>
             <a:r>
               <a:rPr lang="es-ES" dirty="0"/>
-              <a:t>PASO 4-3FN</a:t>
+              <a:t>3FN: Esta en 2FN y los atributos dependen solo de la clave principal. Si no es así, se crea otra tabla.</a:t>
             </a:r>
           </a:p>
         </p:txBody>
@@ -8269,18 +8170,13 @@
             <a:spLocks noGrp="1"/>
           </p:cNvSpPr>
           <p:nvPr>
-            <p:ph type="body" sz="half" idx="2"/>
+            <p:ph idx="1"/>
           </p:nvPr>
         </p:nvSpPr>
-        <p:spPr>
-          <a:xfrm>
-            <a:off x="2915816" y="5281322"/>
-            <a:ext cx="5184576" cy="1576677"/>
-          </a:xfrm>
-        </p:spPr>
+        <p:spPr/>
         <p:txBody>
           <a:bodyPr>
-            <a:normAutofit lnSpcReduction="10000"/>
+            <a:normAutofit/>
           </a:bodyPr>
           <a:lstStyle/>
           <a:p>
@@ -8358,7 +8254,7 @@
               <a:pPr>
                 <a:defRPr/>
               </a:pPr>
-              <a:t>12</a:t>
+              <a:t>11</a:t>
             </a:fld>
             <a:endParaRPr lang="es-ES" altLang="es-ES"/>
           </a:p>
@@ -8386,7 +8282,7 @@
         </p:blipFill>
         <p:spPr>
           <a:xfrm>
-            <a:off x="107504" y="64736"/>
+            <a:off x="539552" y="1631380"/>
             <a:ext cx="8244408" cy="4845860"/>
           </a:xfrm>
           <a:prstGeom prst="rect">
@@ -8432,196 +8328,6 @@
           <a:chExt cx="0" cy="0"/>
         </a:xfrm>
       </p:grpSpPr>
-      <p:sp>
-        <p:nvSpPr>
-          <p:cNvPr id="138" name="Rectangle 137">
-            <a:extLst>
-              <a:ext uri="{FF2B5EF4-FFF2-40B4-BE49-F238E27FC236}">
-                <a16:creationId xmlns:a16="http://schemas.microsoft.com/office/drawing/2014/main" id="{0E99ED6D-365F-4CAE-942F-ECA78F74BD7F}"/>
-              </a:ext>
-              <a:ext uri="{C183D7F6-B498-43B3-948B-1728B52AA6E4}">
-                <adec:decorative xmlns:adec="http://schemas.microsoft.com/office/drawing/2017/decorative" val="1"/>
-              </a:ext>
-            </a:extLst>
-          </p:cNvPr>
-          <p:cNvSpPr>
-            <a:spLocks noGrp="1" noRot="1" noChangeAspect="1" noMove="1" noResize="1" noEditPoints="1" noAdjustHandles="1" noChangeArrowheads="1" noChangeShapeType="1" noTextEdit="1"/>
-          </p:cNvSpPr>
-          <p:nvPr>
-            <p:extLst>
-              <p:ext uri="{386F3935-93C4-4BCD-93E2-E3B085C9AB24}">
-                <p16:designElem xmlns:p16="http://schemas.microsoft.com/office/powerpoint/2015/main" val="1"/>
-              </p:ext>
-            </p:extLst>
-          </p:nvPr>
-        </p:nvSpPr>
-        <p:spPr>
-          <a:xfrm>
-            <a:off x="8469630" y="0"/>
-            <a:ext cx="685800" cy="6858000"/>
-          </a:xfrm>
-          <a:prstGeom prst="rect">
-            <a:avLst/>
-          </a:prstGeom>
-          <a:solidFill>
-            <a:schemeClr val="tx2">
-              <a:lumMod val="75000"/>
-            </a:schemeClr>
-          </a:solidFill>
-          <a:ln>
-            <a:noFill/>
-          </a:ln>
-        </p:spPr>
-        <p:style>
-          <a:lnRef idx="2">
-            <a:schemeClr val="accent1">
-              <a:shade val="50000"/>
-            </a:schemeClr>
-          </a:lnRef>
-          <a:fillRef idx="1">
-            <a:schemeClr val="accent1"/>
-          </a:fillRef>
-          <a:effectRef idx="0">
-            <a:schemeClr val="accent1"/>
-          </a:effectRef>
-          <a:fontRef idx="minor">
-            <a:schemeClr val="lt1"/>
-          </a:fontRef>
-        </p:style>
-      </p:sp>
-      <p:sp>
-        <p:nvSpPr>
-          <p:cNvPr id="140" name="Rectangle 139">
-            <a:extLst>
-              <a:ext uri="{FF2B5EF4-FFF2-40B4-BE49-F238E27FC236}">
-                <a16:creationId xmlns:a16="http://schemas.microsoft.com/office/drawing/2014/main" id="{F52E1877-3902-4B70-8515-0964EDC30C7D}"/>
-              </a:ext>
-              <a:ext uri="{C183D7F6-B498-43B3-948B-1728B52AA6E4}">
-                <adec:decorative xmlns:adec="http://schemas.microsoft.com/office/drawing/2017/decorative" val="1"/>
-              </a:ext>
-            </a:extLst>
-          </p:cNvPr>
-          <p:cNvSpPr>
-            <a:spLocks noGrp="1" noRot="1" noChangeAspect="1" noMove="1" noResize="1" noEditPoints="1" noAdjustHandles="1" noChangeArrowheads="1" noChangeShapeType="1" noTextEdit="1"/>
-          </p:cNvSpPr>
-          <p:nvPr>
-            <p:extLst>
-              <p:ext uri="{386F3935-93C4-4BCD-93E2-E3B085C9AB24}">
-                <p16:designElem xmlns:p16="http://schemas.microsoft.com/office/powerpoint/2015/main" val="1"/>
-              </p:ext>
-            </p:extLst>
-          </p:nvPr>
-        </p:nvSpPr>
-        <p:spPr>
-          <a:xfrm>
-            <a:off x="0" y="0"/>
-            <a:ext cx="8469630" cy="6858000"/>
-          </a:xfrm>
-          <a:prstGeom prst="rect">
-            <a:avLst/>
-          </a:prstGeom>
-          <a:solidFill>
-            <a:schemeClr val="bg2"/>
-          </a:solidFill>
-          <a:ln>
-            <a:noFill/>
-          </a:ln>
-        </p:spPr>
-        <p:style>
-          <a:lnRef idx="2">
-            <a:schemeClr val="accent1">
-              <a:shade val="50000"/>
-            </a:schemeClr>
-          </a:lnRef>
-          <a:fillRef idx="1">
-            <a:schemeClr val="accent1"/>
-          </a:fillRef>
-          <a:effectRef idx="0">
-            <a:schemeClr val="accent1"/>
-          </a:effectRef>
-          <a:fontRef idx="minor">
-            <a:schemeClr val="lt1"/>
-          </a:fontRef>
-        </p:style>
-        <p:txBody>
-          <a:bodyPr rtlCol="0" anchor="ctr"/>
-          <a:lstStyle/>
-          <a:p>
-            <a:pPr algn="ctr"/>
-            <a:endParaRPr lang="en-US"/>
-          </a:p>
-        </p:txBody>
-      </p:sp>
-      <p:sp>
-        <p:nvSpPr>
-          <p:cNvPr id="142" name="Rectangle 141">
-            <a:extLst>
-              <a:ext uri="{FF2B5EF4-FFF2-40B4-BE49-F238E27FC236}">
-                <a16:creationId xmlns:a16="http://schemas.microsoft.com/office/drawing/2014/main" id="{D02A5863-EFF7-462C-8FF5-B710B33E2636}"/>
-              </a:ext>
-              <a:ext uri="{C183D7F6-B498-43B3-948B-1728B52AA6E4}">
-                <adec:decorative xmlns:adec="http://schemas.microsoft.com/office/drawing/2017/decorative" val="1"/>
-              </a:ext>
-            </a:extLst>
-          </p:cNvPr>
-          <p:cNvSpPr>
-            <a:spLocks noGrp="1" noRot="1" noChangeAspect="1" noMove="1" noResize="1" noEditPoints="1" noAdjustHandles="1" noChangeArrowheads="1" noChangeShapeType="1" noTextEdit="1"/>
-          </p:cNvSpPr>
-          <p:nvPr>
-            <p:extLst>
-              <p:ext uri="{386F3935-93C4-4BCD-93E2-E3B085C9AB24}">
-                <p16:designElem xmlns:p16="http://schemas.microsoft.com/office/powerpoint/2015/main" val="1"/>
-              </p:ext>
-            </p:extLst>
-          </p:nvPr>
-        </p:nvSpPr>
-        <p:spPr>
-          <a:xfrm>
-            <a:off x="357759" y="480060"/>
-            <a:ext cx="7749921" cy="5897880"/>
-          </a:xfrm>
-          <a:prstGeom prst="rect">
-            <a:avLst/>
-          </a:prstGeom>
-          <a:solidFill>
-            <a:srgbClr val="FFFFFF"/>
-          </a:solidFill>
-          <a:ln w="9525">
-            <a:noFill/>
-          </a:ln>
-          <a:effectLst>
-            <a:outerShdw blurRad="63500" dist="17780" dir="5400000" algn="t" rotWithShape="0">
-              <a:prstClr val="black">
-                <a:alpha val="43000"/>
-              </a:prstClr>
-            </a:outerShdw>
-          </a:effectLst>
-        </p:spPr>
-        <p:style>
-          <a:lnRef idx="2">
-            <a:schemeClr val="accent1">
-              <a:shade val="50000"/>
-            </a:schemeClr>
-          </a:lnRef>
-          <a:fillRef idx="1">
-            <a:schemeClr val="accent1"/>
-          </a:fillRef>
-          <a:effectRef idx="0">
-            <a:schemeClr val="accent1"/>
-          </a:effectRef>
-          <a:fontRef idx="minor">
-            <a:schemeClr val="lt1"/>
-          </a:fontRef>
-        </p:style>
-        <p:txBody>
-          <a:bodyPr rtlCol="0" anchor="ctr"/>
-          <a:lstStyle/>
-          <a:p>
-            <a:pPr algn="ctr"/>
-            <a:endParaRPr lang="en-US"/>
-          </a:p>
-        </p:txBody>
-      </p:sp>
       <p:sp>
         <p:nvSpPr>
           <p:cNvPr id="4099" name="4 Marcador de número de diapositiva"/>
@@ -8813,7 +8519,7 @@
           <p:nvPr>
             <p:extLst>
               <p:ext uri="{D42A27DB-BD31-4B8C-83A1-F6EECF244321}">
-                <p14:modId xmlns:p14="http://schemas.microsoft.com/office/powerpoint/2010/main" val="2793881725"/>
+                <p14:modId xmlns:p14="http://schemas.microsoft.com/office/powerpoint/2010/main" val="2941057335"/>
               </p:ext>
             </p:extLst>
           </p:nvPr>
@@ -9483,1603 +9189,6 @@
         </p:nvSpPr>
         <p:spPr>
           <a:xfrm>
-            <a:off x="226441" y="145257"/>
-            <a:ext cx="8108380" cy="648072"/>
-          </a:xfrm>
-        </p:spPr>
-        <p:txBody>
-          <a:bodyPr/>
-          <a:lstStyle/>
-          <a:p>
-            <a:r>
-              <a:rPr lang="es-ES" dirty="0"/>
-              <a:t>Primera forma normal (1FN)</a:t>
-            </a:r>
-          </a:p>
-        </p:txBody>
-      </p:sp>
-      <p:sp>
-        <p:nvSpPr>
-          <p:cNvPr id="3" name="Marcador de contenido 2">
-            <a:extLst>
-              <a:ext uri="{FF2B5EF4-FFF2-40B4-BE49-F238E27FC236}">
-                <a16:creationId xmlns:a16="http://schemas.microsoft.com/office/drawing/2014/main" id="{3CDB9DFA-8B7A-43AF-B6DE-3B4599EF554F}"/>
-              </a:ext>
-            </a:extLst>
-          </p:cNvPr>
-          <p:cNvSpPr>
-            <a:spLocks noGrp="1"/>
-          </p:cNvSpPr>
-          <p:nvPr>
-            <p:ph idx="1"/>
-          </p:nvPr>
-        </p:nvSpPr>
-        <p:spPr>
-          <a:xfrm>
-            <a:off x="323528" y="794903"/>
-            <a:ext cx="7704856" cy="2664296"/>
-          </a:xfrm>
-        </p:spPr>
-        <p:txBody>
-          <a:bodyPr>
-            <a:normAutofit fontScale="70000" lnSpcReduction="20000"/>
-          </a:bodyPr>
-          <a:lstStyle/>
-          <a:p>
-            <a:r>
-              <a:rPr lang="es-ES" dirty="0"/>
-              <a:t>Recuerda que los atributos deben tener valores atómico.</a:t>
-            </a:r>
-          </a:p>
-          <a:p>
-            <a:r>
-              <a:rPr lang="es-ES" dirty="0"/>
-              <a:t>Como podemos ver el atributo emails, no es atómico por cada empleado </a:t>
-            </a:r>
-            <a:r>
-              <a:rPr lang="es-ES" dirty="0">
-                <a:sym typeface="Wingdings" panose="05000000000000000000" pitchFamily="2" charset="2"/>
-              </a:rPr>
-              <a:t> No cumple la 1FN.</a:t>
-            </a:r>
-          </a:p>
-          <a:p>
-            <a:r>
-              <a:rPr lang="es-ES" dirty="0">
-                <a:sym typeface="Wingdings" panose="05000000000000000000" pitchFamily="2" charset="2"/>
-              </a:rPr>
-              <a:t>SOLUCIÓN 1. Creamos una nueva relación así:</a:t>
-            </a:r>
-          </a:p>
-          <a:p>
-            <a:pPr lvl="1"/>
-            <a:r>
-              <a:rPr lang="es-ES" dirty="0">
-                <a:sym typeface="Wingdings" panose="05000000000000000000" pitchFamily="2" charset="2"/>
-              </a:rPr>
-              <a:t>El atributo (emails) que violaba 1FN se elimina.</a:t>
-            </a:r>
-          </a:p>
-          <a:p>
-            <a:pPr lvl="1"/>
-            <a:r>
-              <a:rPr lang="es-ES" dirty="0">
-                <a:sym typeface="Wingdings" panose="05000000000000000000" pitchFamily="2" charset="2"/>
-              </a:rPr>
-              <a:t>Se incluye un nuevo atributo que solo puede contener valores simples, de modo que en nuestro caso para una tupla que tenga n valores duplicados del atributo emails, en la nueva relación tendrá que existir n tuplas, pero con un único valor en ese atributo nuevo (email). </a:t>
-            </a:r>
-          </a:p>
-          <a:p>
-            <a:pPr lvl="1"/>
-            <a:r>
-              <a:rPr lang="es-ES" dirty="0">
-                <a:sym typeface="Wingdings" panose="05000000000000000000" pitchFamily="2" charset="2"/>
-              </a:rPr>
-              <a:t>La clave primaria de la nueva relación pasa a estar formada por (</a:t>
-            </a:r>
-            <a:r>
-              <a:rPr lang="es-ES" dirty="0" err="1">
-                <a:sym typeface="Wingdings" panose="05000000000000000000" pitchFamily="2" charset="2"/>
-              </a:rPr>
-              <a:t>nss</a:t>
-            </a:r>
-            <a:r>
-              <a:rPr lang="es-ES" dirty="0">
-                <a:sym typeface="Wingdings" panose="05000000000000000000" pitchFamily="2" charset="2"/>
-              </a:rPr>
-              <a:t>. email) dado que podrá haber valores repetidos de la anterior clave primaria (</a:t>
-            </a:r>
-            <a:r>
-              <a:rPr lang="es-ES" dirty="0" err="1">
-                <a:sym typeface="Wingdings" panose="05000000000000000000" pitchFamily="2" charset="2"/>
-              </a:rPr>
-              <a:t>nss</a:t>
-            </a:r>
-            <a:r>
-              <a:rPr lang="es-ES" dirty="0">
-                <a:sym typeface="Wingdings" panose="05000000000000000000" pitchFamily="2" charset="2"/>
-              </a:rPr>
-              <a:t>) para los valores multivaluados de email que acabamos de separar. Así por ejemplo para las dos tuplas con </a:t>
-            </a:r>
-            <a:r>
-              <a:rPr lang="es-ES" dirty="0" err="1">
-                <a:sym typeface="Wingdings" panose="05000000000000000000" pitchFamily="2" charset="2"/>
-              </a:rPr>
-              <a:t>nss</a:t>
-            </a:r>
-            <a:r>
-              <a:rPr lang="es-ES" dirty="0">
-                <a:sym typeface="Wingdings" panose="05000000000000000000" pitchFamily="2" charset="2"/>
-              </a:rPr>
-              <a:t> (111) tengo dos email (</a:t>
-            </a:r>
-            <a:r>
-              <a:rPr lang="es-ES" sz="1400" dirty="0">
-                <a:effectLst/>
-                <a:hlinkClick r:id="rId2"/>
-              </a:rPr>
-              <a:t>luisp@edu.e</a:t>
-            </a:r>
-            <a:r>
-              <a:rPr lang="es-ES" sz="1400" dirty="0">
-                <a:hlinkClick r:id="rId2"/>
-              </a:rPr>
-              <a:t>s, </a:t>
-            </a:r>
-            <a:r>
-              <a:rPr lang="es-ES" sz="1400" dirty="0">
-                <a:effectLst/>
-                <a:hlinkClick r:id="rId3"/>
-              </a:rPr>
-              <a:t>jefu2@edu.es</a:t>
-            </a:r>
-            <a:r>
-              <a:rPr lang="es-ES" dirty="0">
-                <a:sym typeface="Wingdings" panose="05000000000000000000" pitchFamily="2" charset="2"/>
-              </a:rPr>
-              <a:t>). DATE CUENTA QUE SON ESTOS EMAIL LOS QUE LO DIFERENCIAN.</a:t>
-            </a:r>
-            <a:endParaRPr lang="es-ES" dirty="0"/>
-          </a:p>
-          <a:p>
-            <a:pPr marL="0" indent="0">
-              <a:buNone/>
-            </a:pPr>
-            <a:r>
-              <a:rPr lang="es-ES" dirty="0"/>
-              <a:t>   EMPLEADOS(</a:t>
-            </a:r>
-            <a:r>
-              <a:rPr lang="es-ES" u="sng" dirty="0" err="1"/>
-              <a:t>nss</a:t>
-            </a:r>
-            <a:r>
-              <a:rPr lang="es-ES" dirty="0"/>
-              <a:t>, nombre, puesto, salario, emails)</a:t>
-            </a:r>
-          </a:p>
-          <a:p>
-            <a:pPr marL="0" indent="0">
-              <a:buNone/>
-            </a:pPr>
-            <a:endParaRPr lang="es-ES" dirty="0"/>
-          </a:p>
-        </p:txBody>
-      </p:sp>
-      <p:sp>
-        <p:nvSpPr>
-          <p:cNvPr id="4" name="Marcador de número de diapositiva 3">
-            <a:extLst>
-              <a:ext uri="{FF2B5EF4-FFF2-40B4-BE49-F238E27FC236}">
-                <a16:creationId xmlns:a16="http://schemas.microsoft.com/office/drawing/2014/main" id="{F7FA39CB-35A6-4406-BE60-0146580AD2FF}"/>
-              </a:ext>
-            </a:extLst>
-          </p:cNvPr>
-          <p:cNvSpPr>
-            <a:spLocks noGrp="1"/>
-          </p:cNvSpPr>
-          <p:nvPr>
-            <p:ph type="sldNum" sz="quarter" idx="12"/>
-          </p:nvPr>
-        </p:nvSpPr>
-        <p:spPr/>
-        <p:txBody>
-          <a:bodyPr/>
-          <a:lstStyle/>
-          <a:p>
-            <a:pPr>
-              <a:defRPr/>
-            </a:pPr>
-            <a:fld id="{D59A6A4B-46E3-43DE-99F2-D9A5AD28FA7D}" type="slidenum">
-              <a:rPr lang="es-ES" altLang="es-ES" smtClean="0"/>
-              <a:pPr>
-                <a:defRPr/>
-              </a:pPr>
-              <a:t>4</a:t>
-            </a:fld>
-            <a:endParaRPr lang="es-ES" altLang="es-ES"/>
-          </a:p>
-        </p:txBody>
-      </p:sp>
-      <p:graphicFrame>
-        <p:nvGraphicFramePr>
-          <p:cNvPr id="11" name="Tabla 10">
-            <a:extLst>
-              <a:ext uri="{FF2B5EF4-FFF2-40B4-BE49-F238E27FC236}">
-                <a16:creationId xmlns:a16="http://schemas.microsoft.com/office/drawing/2014/main" id="{B4A565AE-0EC5-46EB-9DEA-23684825FE76}"/>
-              </a:ext>
-            </a:extLst>
-          </p:cNvPr>
-          <p:cNvGraphicFramePr>
-            <a:graphicFrameLocks noGrp="1"/>
-          </p:cNvGraphicFramePr>
-          <p:nvPr>
-            <p:extLst>
-              <p:ext uri="{D42A27DB-BD31-4B8C-83A1-F6EECF244321}">
-                <p14:modId xmlns:p14="http://schemas.microsoft.com/office/powerpoint/2010/main" val="3971125763"/>
-              </p:ext>
-            </p:extLst>
-          </p:nvPr>
-        </p:nvGraphicFramePr>
-        <p:xfrm>
-          <a:off x="555868" y="3410333"/>
-          <a:ext cx="5083823" cy="1463040"/>
-        </p:xfrm>
-        <a:graphic>
-          <a:graphicData uri="http://schemas.openxmlformats.org/drawingml/2006/table">
-            <a:tbl>
-              <a:tblPr>
-                <a:tableStyleId>{85BE263C-DBD7-4A20-BB59-AAB30ACAA65A}</a:tableStyleId>
-              </a:tblPr>
-              <a:tblGrid>
-                <a:gridCol w="467070">
-                  <a:extLst>
-                    <a:ext uri="{9D8B030D-6E8A-4147-A177-3AD203B41FA5}">
-                      <a16:colId xmlns:a16="http://schemas.microsoft.com/office/drawing/2014/main" val="1411730683"/>
-                    </a:ext>
-                  </a:extLst>
-                </a:gridCol>
-                <a:gridCol w="1200551">
-                  <a:extLst>
-                    <a:ext uri="{9D8B030D-6E8A-4147-A177-3AD203B41FA5}">
-                      <a16:colId xmlns:a16="http://schemas.microsoft.com/office/drawing/2014/main" val="1053716197"/>
-                    </a:ext>
-                  </a:extLst>
-                </a:gridCol>
-                <a:gridCol w="1338563">
-                  <a:extLst>
-                    <a:ext uri="{9D8B030D-6E8A-4147-A177-3AD203B41FA5}">
-                      <a16:colId xmlns:a16="http://schemas.microsoft.com/office/drawing/2014/main" val="466200512"/>
-                    </a:ext>
-                  </a:extLst>
-                </a:gridCol>
-                <a:gridCol w="684168">
-                  <a:extLst>
-                    <a:ext uri="{9D8B030D-6E8A-4147-A177-3AD203B41FA5}">
-                      <a16:colId xmlns:a16="http://schemas.microsoft.com/office/drawing/2014/main" val="781925501"/>
-                    </a:ext>
-                  </a:extLst>
-                </a:gridCol>
-                <a:gridCol w="1393471">
-                  <a:extLst>
-                    <a:ext uri="{9D8B030D-6E8A-4147-A177-3AD203B41FA5}">
-                      <a16:colId xmlns:a16="http://schemas.microsoft.com/office/drawing/2014/main" val="1774372275"/>
-                    </a:ext>
-                  </a:extLst>
-                </a:gridCol>
-              </a:tblGrid>
-              <a:tr h="247519">
-                <a:tc>
-                  <a:txBody>
-                    <a:bodyPr/>
-                    <a:lstStyle/>
-                    <a:p>
-                      <a:r>
-                        <a:rPr lang="es-ES" sz="1200" b="1" dirty="0" err="1">
-                          <a:effectLst/>
-                        </a:rPr>
-                        <a:t>nss</a:t>
-                      </a:r>
-                      <a:endParaRPr lang="es-ES" sz="1200" b="1" dirty="0">
-                        <a:effectLst/>
-                      </a:endParaRPr>
-                    </a:p>
-                  </a:txBody>
-                  <a:tcPr anchor="ctr">
-                    <a:solidFill>
-                      <a:schemeClr val="accent2"/>
-                    </a:solidFill>
-                  </a:tcPr>
-                </a:tc>
-                <a:tc>
-                  <a:txBody>
-                    <a:bodyPr/>
-                    <a:lstStyle/>
-                    <a:p>
-                      <a:r>
-                        <a:rPr lang="es-ES" sz="1200">
-                          <a:effectLst/>
-                        </a:rPr>
-                        <a:t>nombre</a:t>
-                      </a:r>
-                    </a:p>
-                  </a:txBody>
-                  <a:tcPr anchor="ctr">
-                    <a:solidFill>
-                      <a:schemeClr val="accent2"/>
-                    </a:solidFill>
-                  </a:tcPr>
-                </a:tc>
-                <a:tc>
-                  <a:txBody>
-                    <a:bodyPr/>
-                    <a:lstStyle/>
-                    <a:p>
-                      <a:r>
-                        <a:rPr lang="es-ES" sz="1200">
-                          <a:effectLst/>
-                        </a:rPr>
-                        <a:t>puesto</a:t>
-                      </a:r>
-                    </a:p>
-                  </a:txBody>
-                  <a:tcPr anchor="ctr">
-                    <a:solidFill>
-                      <a:schemeClr val="accent2"/>
-                    </a:solidFill>
-                  </a:tcPr>
-                </a:tc>
-                <a:tc>
-                  <a:txBody>
-                    <a:bodyPr/>
-                    <a:lstStyle/>
-                    <a:p>
-                      <a:r>
-                        <a:rPr lang="es-ES" sz="1200">
-                          <a:effectLst/>
-                        </a:rPr>
-                        <a:t>salario</a:t>
-                      </a:r>
-                    </a:p>
-                  </a:txBody>
-                  <a:tcPr anchor="ctr">
-                    <a:solidFill>
-                      <a:schemeClr val="accent2"/>
-                    </a:solidFill>
-                  </a:tcPr>
-                </a:tc>
-                <a:tc>
-                  <a:txBody>
-                    <a:bodyPr/>
-                    <a:lstStyle/>
-                    <a:p>
-                      <a:r>
-                        <a:rPr lang="es-ES" sz="1200" dirty="0">
-                          <a:effectLst/>
-                        </a:rPr>
-                        <a:t>emails</a:t>
-                      </a:r>
-                    </a:p>
-                  </a:txBody>
-                  <a:tcPr anchor="ctr">
-                    <a:solidFill>
-                      <a:schemeClr val="accent2"/>
-                    </a:solidFill>
-                  </a:tcPr>
-                </a:tc>
-                <a:extLst>
-                  <a:ext uri="{0D108BD9-81ED-4DB2-BD59-A6C34878D82A}">
-                    <a16:rowId xmlns:a16="http://schemas.microsoft.com/office/drawing/2014/main" val="723363103"/>
-                  </a:ext>
-                </a:extLst>
-              </a:tr>
-              <a:tr h="412532">
-                <a:tc>
-                  <a:txBody>
-                    <a:bodyPr/>
-                    <a:lstStyle/>
-                    <a:p>
-                      <a:r>
-                        <a:rPr lang="es-ES" sz="1200">
-                          <a:effectLst/>
-                        </a:rPr>
-                        <a:t>111</a:t>
-                      </a:r>
-                    </a:p>
-                  </a:txBody>
-                  <a:tcPr anchor="ctr"/>
-                </a:tc>
-                <a:tc>
-                  <a:txBody>
-                    <a:bodyPr/>
-                    <a:lstStyle/>
-                    <a:p>
-                      <a:r>
-                        <a:rPr lang="es-ES" sz="1200" dirty="0">
-                          <a:effectLst/>
-                        </a:rPr>
-                        <a:t>Luis Pérez</a:t>
-                      </a:r>
-                    </a:p>
-                  </a:txBody>
-                  <a:tcPr anchor="ctr"/>
-                </a:tc>
-                <a:tc>
-                  <a:txBody>
-                    <a:bodyPr/>
-                    <a:lstStyle/>
-                    <a:p>
-                      <a:r>
-                        <a:rPr lang="es-ES" sz="1200" dirty="0">
-                          <a:effectLst/>
-                        </a:rPr>
-                        <a:t>Jefe de Unidad</a:t>
-                      </a:r>
-                    </a:p>
-                  </a:txBody>
-                  <a:tcPr anchor="ctr"/>
-                </a:tc>
-                <a:tc>
-                  <a:txBody>
-                    <a:bodyPr/>
-                    <a:lstStyle/>
-                    <a:p>
-                      <a:r>
-                        <a:rPr lang="es-ES" sz="1200">
-                          <a:effectLst/>
-                        </a:rPr>
-                        <a:t>3000</a:t>
-                      </a:r>
-                    </a:p>
-                  </a:txBody>
-                  <a:tcPr anchor="ctr"/>
-                </a:tc>
-                <a:tc>
-                  <a:txBody>
-                    <a:bodyPr/>
-                    <a:lstStyle/>
-                    <a:p>
-                      <a:r>
-                        <a:rPr lang="es-ES" sz="1200" dirty="0">
-                          <a:effectLst/>
-                          <a:hlinkClick r:id="rId2"/>
-                        </a:rPr>
-                        <a:t>luisp@edu.es</a:t>
-                      </a:r>
-                    </a:p>
-                    <a:p>
-                      <a:r>
-                        <a:rPr lang="es-ES" sz="1200" dirty="0">
-                          <a:effectLst/>
-                          <a:hlinkClick r:id="rId2"/>
-                        </a:rPr>
-                        <a:t>jefu2@edu.es</a:t>
-                      </a:r>
-                      <a:endParaRPr lang="es-ES" sz="1200" dirty="0">
-                        <a:effectLst/>
-                      </a:endParaRPr>
-                    </a:p>
-                  </a:txBody>
-                  <a:tcPr anchor="ctr"/>
-                </a:tc>
-                <a:extLst>
-                  <a:ext uri="{0D108BD9-81ED-4DB2-BD59-A6C34878D82A}">
-                    <a16:rowId xmlns:a16="http://schemas.microsoft.com/office/drawing/2014/main" val="1801272498"/>
-                  </a:ext>
-                </a:extLst>
-              </a:tr>
-              <a:tr h="412532">
-                <a:tc>
-                  <a:txBody>
-                    <a:bodyPr/>
-                    <a:lstStyle/>
-                    <a:p>
-                      <a:r>
-                        <a:rPr lang="es-ES" sz="1200" dirty="0">
-                          <a:effectLst/>
-                        </a:rPr>
-                        <a:t>150</a:t>
-                      </a:r>
-                    </a:p>
-                  </a:txBody>
-                  <a:tcPr anchor="ctr"/>
-                </a:tc>
-                <a:tc>
-                  <a:txBody>
-                    <a:bodyPr/>
-                    <a:lstStyle/>
-                    <a:p>
-                      <a:r>
-                        <a:rPr lang="es-ES" sz="1200" dirty="0">
-                          <a:effectLst/>
-                        </a:rPr>
-                        <a:t>María Ruiz</a:t>
-                      </a:r>
-                    </a:p>
-                  </a:txBody>
-                  <a:tcPr anchor="ctr"/>
-                </a:tc>
-                <a:tc>
-                  <a:txBody>
-                    <a:bodyPr/>
-                    <a:lstStyle/>
-                    <a:p>
-                      <a:r>
-                        <a:rPr lang="es-ES" sz="1200" dirty="0">
-                          <a:effectLst/>
-                        </a:rPr>
-                        <a:t>Jefa Técnica</a:t>
-                      </a:r>
-                    </a:p>
-                  </a:txBody>
-                  <a:tcPr anchor="ctr"/>
-                </a:tc>
-                <a:tc>
-                  <a:txBody>
-                    <a:bodyPr/>
-                    <a:lstStyle/>
-                    <a:p>
-                      <a:r>
-                        <a:rPr lang="es-ES" sz="1200" dirty="0">
-                          <a:effectLst/>
-                        </a:rPr>
-                        <a:t>2200</a:t>
-                      </a:r>
-                    </a:p>
-                  </a:txBody>
-                  <a:tcPr anchor="ctr"/>
-                </a:tc>
-                <a:tc>
-                  <a:txBody>
-                    <a:bodyPr/>
-                    <a:lstStyle/>
-                    <a:p>
-                      <a:r>
-                        <a:rPr lang="es-ES" sz="1200" dirty="0">
-                          <a:effectLst/>
-                          <a:hlinkClick r:id="rId4"/>
-                        </a:rPr>
-                        <a:t>marr@edu.es</a:t>
-                      </a:r>
-                      <a:endParaRPr lang="es-ES" sz="1200" dirty="0">
-                        <a:effectLst/>
-                      </a:endParaRPr>
-                    </a:p>
-                    <a:p>
-                      <a:r>
-                        <a:rPr lang="es-ES" sz="1200" dirty="0">
-                          <a:effectLst/>
-                          <a:hlinkClick r:id="rId5"/>
-                        </a:rPr>
-                        <a:t>jeft@edu.es</a:t>
-                      </a:r>
-                      <a:endParaRPr lang="es-ES" sz="1200" dirty="0">
-                        <a:effectLst/>
-                      </a:endParaRPr>
-                    </a:p>
-                  </a:txBody>
-                  <a:tcPr anchor="ctr"/>
-                </a:tc>
-                <a:extLst>
-                  <a:ext uri="{0D108BD9-81ED-4DB2-BD59-A6C34878D82A}">
-                    <a16:rowId xmlns:a16="http://schemas.microsoft.com/office/drawing/2014/main" val="627772367"/>
-                  </a:ext>
-                </a:extLst>
-              </a:tr>
-              <a:tr h="247519">
-                <a:tc>
-                  <a:txBody>
-                    <a:bodyPr/>
-                    <a:lstStyle/>
-                    <a:p>
-                      <a:r>
-                        <a:rPr lang="es-ES" sz="1200" dirty="0">
-                          <a:effectLst/>
-                        </a:rPr>
-                        <a:t>232</a:t>
-                      </a:r>
-                    </a:p>
-                  </a:txBody>
-                  <a:tcPr anchor="ctr"/>
-                </a:tc>
-                <a:tc>
-                  <a:txBody>
-                    <a:bodyPr/>
-                    <a:lstStyle/>
-                    <a:p>
-                      <a:r>
-                        <a:rPr lang="es-ES" sz="1200">
-                          <a:effectLst/>
-                        </a:rPr>
-                        <a:t>José Sánchez</a:t>
-                      </a:r>
-                    </a:p>
-                  </a:txBody>
-                  <a:tcPr anchor="ctr"/>
-                </a:tc>
-                <a:tc>
-                  <a:txBody>
-                    <a:bodyPr/>
-                    <a:lstStyle/>
-                    <a:p>
-                      <a:r>
-                        <a:rPr lang="es-ES" sz="1200">
-                          <a:effectLst/>
-                        </a:rPr>
-                        <a:t>Administrativo</a:t>
-                      </a:r>
-                    </a:p>
-                  </a:txBody>
-                  <a:tcPr anchor="ctr"/>
-                </a:tc>
-                <a:tc>
-                  <a:txBody>
-                    <a:bodyPr/>
-                    <a:lstStyle/>
-                    <a:p>
-                      <a:r>
-                        <a:rPr lang="es-ES" sz="1200" dirty="0">
-                          <a:effectLst/>
-                        </a:rPr>
-                        <a:t>1500</a:t>
-                      </a:r>
-                    </a:p>
-                  </a:txBody>
-                  <a:tcPr anchor="ctr"/>
-                </a:tc>
-                <a:tc>
-                  <a:txBody>
-                    <a:bodyPr/>
-                    <a:lstStyle/>
-                    <a:p>
-                      <a:r>
-                        <a:rPr lang="es-ES" sz="1200" dirty="0">
-                          <a:effectLst/>
-                          <a:hlinkClick r:id="rId6"/>
-                        </a:rPr>
-                        <a:t>joss@edu.es</a:t>
-                      </a:r>
-                      <a:endParaRPr lang="es-ES" sz="1200" dirty="0">
-                        <a:effectLst/>
-                      </a:endParaRPr>
-                    </a:p>
-                  </a:txBody>
-                  <a:tcPr anchor="ctr"/>
-                </a:tc>
-                <a:extLst>
-                  <a:ext uri="{0D108BD9-81ED-4DB2-BD59-A6C34878D82A}">
-                    <a16:rowId xmlns:a16="http://schemas.microsoft.com/office/drawing/2014/main" val="3772948077"/>
-                  </a:ext>
-                </a:extLst>
-              </a:tr>
-            </a:tbl>
-          </a:graphicData>
-        </a:graphic>
-      </p:graphicFrame>
-      <p:graphicFrame>
-        <p:nvGraphicFramePr>
-          <p:cNvPr id="6" name="Tabla 5">
-            <a:extLst>
-              <a:ext uri="{FF2B5EF4-FFF2-40B4-BE49-F238E27FC236}">
-                <a16:creationId xmlns:a16="http://schemas.microsoft.com/office/drawing/2014/main" id="{5B5C6407-E749-4711-A4BD-5AF0C58ECA6B}"/>
-              </a:ext>
-            </a:extLst>
-          </p:cNvPr>
-          <p:cNvGraphicFramePr>
-            <a:graphicFrameLocks noGrp="1"/>
-          </p:cNvGraphicFramePr>
-          <p:nvPr>
-            <p:extLst>
-              <p:ext uri="{D42A27DB-BD31-4B8C-83A1-F6EECF244321}">
-                <p14:modId xmlns:p14="http://schemas.microsoft.com/office/powerpoint/2010/main" val="2765437595"/>
-              </p:ext>
-            </p:extLst>
-          </p:nvPr>
-        </p:nvGraphicFramePr>
-        <p:xfrm>
-          <a:off x="3276077" y="5212080"/>
-          <a:ext cx="5083823" cy="1645920"/>
-        </p:xfrm>
-        <a:graphic>
-          <a:graphicData uri="http://schemas.openxmlformats.org/drawingml/2006/table">
-            <a:tbl>
-              <a:tblPr>
-                <a:effectLst>
-                  <a:outerShdw blurRad="50800" dist="38100" dir="5400000" algn="t" rotWithShape="0">
-                    <a:prstClr val="black">
-                      <a:alpha val="40000"/>
-                    </a:prstClr>
-                  </a:outerShdw>
-                </a:effectLst>
-                <a:tableStyleId>{85BE263C-DBD7-4A20-BB59-AAB30ACAA65A}</a:tableStyleId>
-              </a:tblPr>
-              <a:tblGrid>
-                <a:gridCol w="467070">
-                  <a:extLst>
-                    <a:ext uri="{9D8B030D-6E8A-4147-A177-3AD203B41FA5}">
-                      <a16:colId xmlns:a16="http://schemas.microsoft.com/office/drawing/2014/main" val="1668709103"/>
-                    </a:ext>
-                  </a:extLst>
-                </a:gridCol>
-                <a:gridCol w="1200551">
-                  <a:extLst>
-                    <a:ext uri="{9D8B030D-6E8A-4147-A177-3AD203B41FA5}">
-                      <a16:colId xmlns:a16="http://schemas.microsoft.com/office/drawing/2014/main" val="3507551141"/>
-                    </a:ext>
-                  </a:extLst>
-                </a:gridCol>
-                <a:gridCol w="1338563">
-                  <a:extLst>
-                    <a:ext uri="{9D8B030D-6E8A-4147-A177-3AD203B41FA5}">
-                      <a16:colId xmlns:a16="http://schemas.microsoft.com/office/drawing/2014/main" val="2273032988"/>
-                    </a:ext>
-                  </a:extLst>
-                </a:gridCol>
-                <a:gridCol w="684168">
-                  <a:extLst>
-                    <a:ext uri="{9D8B030D-6E8A-4147-A177-3AD203B41FA5}">
-                      <a16:colId xmlns:a16="http://schemas.microsoft.com/office/drawing/2014/main" val="1894633503"/>
-                    </a:ext>
-                  </a:extLst>
-                </a:gridCol>
-                <a:gridCol w="1393471">
-                  <a:extLst>
-                    <a:ext uri="{9D8B030D-6E8A-4147-A177-3AD203B41FA5}">
-                      <a16:colId xmlns:a16="http://schemas.microsoft.com/office/drawing/2014/main" val="3140872497"/>
-                    </a:ext>
-                  </a:extLst>
-                </a:gridCol>
-              </a:tblGrid>
-              <a:tr h="247519">
-                <a:tc>
-                  <a:txBody>
-                    <a:bodyPr/>
-                    <a:lstStyle/>
-                    <a:p>
-                      <a:r>
-                        <a:rPr lang="es-ES" sz="1200" b="1" dirty="0" err="1">
-                          <a:effectLst/>
-                        </a:rPr>
-                        <a:t>nss</a:t>
-                      </a:r>
-                      <a:endParaRPr lang="es-ES" sz="1200" b="1" dirty="0">
-                        <a:effectLst/>
-                      </a:endParaRPr>
-                    </a:p>
-                  </a:txBody>
-                  <a:tcPr anchor="ctr">
-                    <a:solidFill>
-                      <a:schemeClr val="accent2"/>
-                    </a:solidFill>
-                  </a:tcPr>
-                </a:tc>
-                <a:tc>
-                  <a:txBody>
-                    <a:bodyPr/>
-                    <a:lstStyle/>
-                    <a:p>
-                      <a:r>
-                        <a:rPr lang="es-ES" sz="1200">
-                          <a:effectLst/>
-                        </a:rPr>
-                        <a:t>nombre</a:t>
-                      </a:r>
-                    </a:p>
-                  </a:txBody>
-                  <a:tcPr anchor="ctr">
-                    <a:solidFill>
-                      <a:schemeClr val="accent2"/>
-                    </a:solidFill>
-                  </a:tcPr>
-                </a:tc>
-                <a:tc>
-                  <a:txBody>
-                    <a:bodyPr/>
-                    <a:lstStyle/>
-                    <a:p>
-                      <a:r>
-                        <a:rPr lang="es-ES" sz="1200">
-                          <a:effectLst/>
-                        </a:rPr>
-                        <a:t>puesto</a:t>
-                      </a:r>
-                    </a:p>
-                  </a:txBody>
-                  <a:tcPr anchor="ctr">
-                    <a:solidFill>
-                      <a:schemeClr val="accent2"/>
-                    </a:solidFill>
-                  </a:tcPr>
-                </a:tc>
-                <a:tc>
-                  <a:txBody>
-                    <a:bodyPr/>
-                    <a:lstStyle/>
-                    <a:p>
-                      <a:r>
-                        <a:rPr lang="es-ES" sz="1200" dirty="0">
-                          <a:effectLst/>
-                        </a:rPr>
-                        <a:t>salario</a:t>
-                      </a:r>
-                    </a:p>
-                  </a:txBody>
-                  <a:tcPr anchor="ctr">
-                    <a:solidFill>
-                      <a:schemeClr val="accent2"/>
-                    </a:solidFill>
-                  </a:tcPr>
-                </a:tc>
-                <a:tc>
-                  <a:txBody>
-                    <a:bodyPr/>
-                    <a:lstStyle/>
-                    <a:p>
-                      <a:r>
-                        <a:rPr lang="es-ES" sz="1200" b="1" dirty="0">
-                          <a:effectLst/>
-                        </a:rPr>
-                        <a:t>email</a:t>
-                      </a:r>
-                    </a:p>
-                  </a:txBody>
-                  <a:tcPr anchor="ctr">
-                    <a:solidFill>
-                      <a:schemeClr val="accent2"/>
-                    </a:solidFill>
-                  </a:tcPr>
-                </a:tc>
-                <a:extLst>
-                  <a:ext uri="{0D108BD9-81ED-4DB2-BD59-A6C34878D82A}">
-                    <a16:rowId xmlns:a16="http://schemas.microsoft.com/office/drawing/2014/main" val="2659320397"/>
-                  </a:ext>
-                </a:extLst>
-              </a:tr>
-              <a:tr h="228600">
-                <a:tc>
-                  <a:txBody>
-                    <a:bodyPr/>
-                    <a:lstStyle/>
-                    <a:p>
-                      <a:r>
-                        <a:rPr lang="es-ES" sz="1200" dirty="0">
-                          <a:effectLst/>
-                        </a:rPr>
-                        <a:t>111</a:t>
-                      </a:r>
-                    </a:p>
-                  </a:txBody>
-                  <a:tcPr anchor="ctr"/>
-                </a:tc>
-                <a:tc>
-                  <a:txBody>
-                    <a:bodyPr/>
-                    <a:lstStyle/>
-                    <a:p>
-                      <a:r>
-                        <a:rPr lang="es-ES" sz="1200" dirty="0">
-                          <a:effectLst/>
-                        </a:rPr>
-                        <a:t>Luis Pérez</a:t>
-                      </a:r>
-                    </a:p>
-                  </a:txBody>
-                  <a:tcPr anchor="ctr"/>
-                </a:tc>
-                <a:tc>
-                  <a:txBody>
-                    <a:bodyPr/>
-                    <a:lstStyle/>
-                    <a:p>
-                      <a:r>
-                        <a:rPr lang="es-ES" sz="1200" dirty="0">
-                          <a:effectLst/>
-                        </a:rPr>
-                        <a:t>Jefe de Unidad</a:t>
-                      </a:r>
-                    </a:p>
-                  </a:txBody>
-                  <a:tcPr anchor="ctr"/>
-                </a:tc>
-                <a:tc>
-                  <a:txBody>
-                    <a:bodyPr/>
-                    <a:lstStyle/>
-                    <a:p>
-                      <a:r>
-                        <a:rPr lang="es-ES" sz="1200">
-                          <a:effectLst/>
-                        </a:rPr>
-                        <a:t>3000</a:t>
-                      </a:r>
-                    </a:p>
-                  </a:txBody>
-                  <a:tcPr anchor="ctr"/>
-                </a:tc>
-                <a:tc>
-                  <a:txBody>
-                    <a:bodyPr/>
-                    <a:lstStyle/>
-                    <a:p>
-                      <a:r>
-                        <a:rPr lang="es-ES" sz="1200" dirty="0">
-                          <a:effectLst/>
-                          <a:hlinkClick r:id="rId2"/>
-                        </a:rPr>
-                        <a:t>luisp@edu.es</a:t>
-                      </a:r>
-                    </a:p>
-                  </a:txBody>
-                  <a:tcPr anchor="ctr"/>
-                </a:tc>
-                <a:extLst>
-                  <a:ext uri="{0D108BD9-81ED-4DB2-BD59-A6C34878D82A}">
-                    <a16:rowId xmlns:a16="http://schemas.microsoft.com/office/drawing/2014/main" val="3945201126"/>
-                  </a:ext>
-                </a:extLst>
-              </a:tr>
-              <a:tr h="228600">
-                <a:tc>
-                  <a:txBody>
-                    <a:bodyPr/>
-                    <a:lstStyle/>
-                    <a:p>
-                      <a:r>
-                        <a:rPr lang="es-ES" sz="1200" dirty="0">
-                          <a:effectLst/>
-                        </a:rPr>
-                        <a:t>111</a:t>
-                      </a:r>
-                    </a:p>
-                  </a:txBody>
-                  <a:tcPr anchor="ctr"/>
-                </a:tc>
-                <a:tc>
-                  <a:txBody>
-                    <a:bodyPr/>
-                    <a:lstStyle/>
-                    <a:p>
-                      <a:r>
-                        <a:rPr lang="es-ES" sz="1200" dirty="0">
-                          <a:effectLst/>
-                        </a:rPr>
-                        <a:t>Luis Pérez</a:t>
-                      </a:r>
-                    </a:p>
-                  </a:txBody>
-                  <a:tcPr anchor="ctr"/>
-                </a:tc>
-                <a:tc>
-                  <a:txBody>
-                    <a:bodyPr/>
-                    <a:lstStyle/>
-                    <a:p>
-                      <a:r>
-                        <a:rPr lang="es-ES" sz="1200" dirty="0">
-                          <a:effectLst/>
-                        </a:rPr>
-                        <a:t>Jefe de Unidad</a:t>
-                      </a:r>
-                    </a:p>
-                  </a:txBody>
-                  <a:tcPr anchor="ctr"/>
-                </a:tc>
-                <a:tc>
-                  <a:txBody>
-                    <a:bodyPr/>
-                    <a:lstStyle/>
-                    <a:p>
-                      <a:r>
-                        <a:rPr lang="es-ES" sz="1200">
-                          <a:effectLst/>
-                        </a:rPr>
-                        <a:t>3000</a:t>
-                      </a:r>
-                    </a:p>
-                  </a:txBody>
-                  <a:tcPr anchor="ctr"/>
-                </a:tc>
-                <a:tc>
-                  <a:txBody>
-                    <a:bodyPr/>
-                    <a:lstStyle/>
-                    <a:p>
-                      <a:r>
-                        <a:rPr lang="es-ES" sz="1200" dirty="0">
-                          <a:effectLst/>
-                          <a:hlinkClick r:id="rId2"/>
-                        </a:rPr>
-                        <a:t>jefu2@edu.es</a:t>
-                      </a:r>
-                      <a:endParaRPr lang="es-ES" sz="1200" dirty="0">
-                        <a:effectLst/>
-                      </a:endParaRPr>
-                    </a:p>
-                  </a:txBody>
-                  <a:tcPr anchor="ctr"/>
-                </a:tc>
-                <a:extLst>
-                  <a:ext uri="{0D108BD9-81ED-4DB2-BD59-A6C34878D82A}">
-                    <a16:rowId xmlns:a16="http://schemas.microsoft.com/office/drawing/2014/main" val="2168147209"/>
-                  </a:ext>
-                </a:extLst>
-              </a:tr>
-              <a:tr h="228600">
-                <a:tc>
-                  <a:txBody>
-                    <a:bodyPr/>
-                    <a:lstStyle/>
-                    <a:p>
-                      <a:r>
-                        <a:rPr lang="es-ES" sz="1200" dirty="0">
-                          <a:effectLst/>
-                        </a:rPr>
-                        <a:t>150</a:t>
-                      </a:r>
-                    </a:p>
-                  </a:txBody>
-                  <a:tcPr anchor="ctr"/>
-                </a:tc>
-                <a:tc>
-                  <a:txBody>
-                    <a:bodyPr/>
-                    <a:lstStyle/>
-                    <a:p>
-                      <a:r>
-                        <a:rPr lang="es-ES" sz="1200" dirty="0">
-                          <a:effectLst/>
-                        </a:rPr>
-                        <a:t>María Ruiz</a:t>
-                      </a:r>
-                    </a:p>
-                  </a:txBody>
-                  <a:tcPr anchor="ctr"/>
-                </a:tc>
-                <a:tc>
-                  <a:txBody>
-                    <a:bodyPr/>
-                    <a:lstStyle/>
-                    <a:p>
-                      <a:r>
-                        <a:rPr lang="es-ES" sz="1200" dirty="0">
-                          <a:effectLst/>
-                        </a:rPr>
-                        <a:t>Jefa Técnica</a:t>
-                      </a:r>
-                    </a:p>
-                  </a:txBody>
-                  <a:tcPr anchor="ctr"/>
-                </a:tc>
-                <a:tc>
-                  <a:txBody>
-                    <a:bodyPr/>
-                    <a:lstStyle/>
-                    <a:p>
-                      <a:r>
-                        <a:rPr lang="es-ES" sz="1200" dirty="0">
-                          <a:effectLst/>
-                        </a:rPr>
-                        <a:t>2200</a:t>
-                      </a:r>
-                    </a:p>
-                  </a:txBody>
-                  <a:tcPr anchor="ctr"/>
-                </a:tc>
-                <a:tc>
-                  <a:txBody>
-                    <a:bodyPr/>
-                    <a:lstStyle/>
-                    <a:p>
-                      <a:r>
-                        <a:rPr lang="es-ES" sz="1200" dirty="0">
-                          <a:effectLst/>
-                          <a:hlinkClick r:id="rId4"/>
-                        </a:rPr>
-                        <a:t>marr@edu.es</a:t>
-                      </a:r>
-                      <a:endParaRPr lang="es-ES" sz="1200" dirty="0">
-                        <a:effectLst/>
-                      </a:endParaRPr>
-                    </a:p>
-                  </a:txBody>
-                  <a:tcPr anchor="ctr"/>
-                </a:tc>
-                <a:extLst>
-                  <a:ext uri="{0D108BD9-81ED-4DB2-BD59-A6C34878D82A}">
-                    <a16:rowId xmlns:a16="http://schemas.microsoft.com/office/drawing/2014/main" val="3904854340"/>
-                  </a:ext>
-                </a:extLst>
-              </a:tr>
-              <a:tr h="228600">
-                <a:tc>
-                  <a:txBody>
-                    <a:bodyPr/>
-                    <a:lstStyle/>
-                    <a:p>
-                      <a:r>
-                        <a:rPr lang="es-ES" sz="1200" dirty="0">
-                          <a:effectLst/>
-                        </a:rPr>
-                        <a:t>150</a:t>
-                      </a:r>
-                    </a:p>
-                  </a:txBody>
-                  <a:tcPr anchor="ctr"/>
-                </a:tc>
-                <a:tc>
-                  <a:txBody>
-                    <a:bodyPr/>
-                    <a:lstStyle/>
-                    <a:p>
-                      <a:r>
-                        <a:rPr lang="es-ES" sz="1200" dirty="0">
-                          <a:effectLst/>
-                        </a:rPr>
-                        <a:t>María Ruiz</a:t>
-                      </a:r>
-                    </a:p>
-                  </a:txBody>
-                  <a:tcPr anchor="ctr"/>
-                </a:tc>
-                <a:tc>
-                  <a:txBody>
-                    <a:bodyPr/>
-                    <a:lstStyle/>
-                    <a:p>
-                      <a:r>
-                        <a:rPr lang="es-ES" sz="1200" dirty="0">
-                          <a:effectLst/>
-                        </a:rPr>
-                        <a:t>Jefa Técnica</a:t>
-                      </a:r>
-                    </a:p>
-                  </a:txBody>
-                  <a:tcPr anchor="ctr"/>
-                </a:tc>
-                <a:tc>
-                  <a:txBody>
-                    <a:bodyPr/>
-                    <a:lstStyle/>
-                    <a:p>
-                      <a:r>
-                        <a:rPr lang="es-ES" sz="1200" dirty="0">
-                          <a:effectLst/>
-                        </a:rPr>
-                        <a:t>2200</a:t>
-                      </a:r>
-                    </a:p>
-                  </a:txBody>
-                  <a:tcPr anchor="ctr"/>
-                </a:tc>
-                <a:tc>
-                  <a:txBody>
-                    <a:bodyPr/>
-                    <a:lstStyle/>
-                    <a:p>
-                      <a:r>
-                        <a:rPr lang="es-ES" sz="1200" dirty="0">
-                          <a:effectLst/>
-                          <a:hlinkClick r:id="rId5"/>
-                        </a:rPr>
-                        <a:t>jeft@edu.es</a:t>
-                      </a:r>
-                      <a:endParaRPr lang="es-ES" sz="1200" dirty="0">
-                        <a:effectLst/>
-                      </a:endParaRPr>
-                    </a:p>
-                  </a:txBody>
-                  <a:tcPr anchor="ctr"/>
-                </a:tc>
-                <a:extLst>
-                  <a:ext uri="{0D108BD9-81ED-4DB2-BD59-A6C34878D82A}">
-                    <a16:rowId xmlns:a16="http://schemas.microsoft.com/office/drawing/2014/main" val="3385980020"/>
-                  </a:ext>
-                </a:extLst>
-              </a:tr>
-              <a:tr h="247519">
-                <a:tc>
-                  <a:txBody>
-                    <a:bodyPr/>
-                    <a:lstStyle/>
-                    <a:p>
-                      <a:r>
-                        <a:rPr lang="es-ES" sz="1200" dirty="0">
-                          <a:effectLst/>
-                        </a:rPr>
-                        <a:t>232</a:t>
-                      </a:r>
-                    </a:p>
-                  </a:txBody>
-                  <a:tcPr anchor="ctr"/>
-                </a:tc>
-                <a:tc>
-                  <a:txBody>
-                    <a:bodyPr/>
-                    <a:lstStyle/>
-                    <a:p>
-                      <a:r>
-                        <a:rPr lang="es-ES" sz="1200">
-                          <a:effectLst/>
-                        </a:rPr>
-                        <a:t>José Sánchez</a:t>
-                      </a:r>
-                    </a:p>
-                  </a:txBody>
-                  <a:tcPr anchor="ctr"/>
-                </a:tc>
-                <a:tc>
-                  <a:txBody>
-                    <a:bodyPr/>
-                    <a:lstStyle/>
-                    <a:p>
-                      <a:r>
-                        <a:rPr lang="es-ES" sz="1200">
-                          <a:effectLst/>
-                        </a:rPr>
-                        <a:t>Administrativo</a:t>
-                      </a:r>
-                    </a:p>
-                  </a:txBody>
-                  <a:tcPr anchor="ctr"/>
-                </a:tc>
-                <a:tc>
-                  <a:txBody>
-                    <a:bodyPr/>
-                    <a:lstStyle/>
-                    <a:p>
-                      <a:r>
-                        <a:rPr lang="es-ES" sz="1200" dirty="0">
-                          <a:effectLst/>
-                        </a:rPr>
-                        <a:t>1500</a:t>
-                      </a:r>
-                    </a:p>
-                  </a:txBody>
-                  <a:tcPr anchor="ctr"/>
-                </a:tc>
-                <a:tc>
-                  <a:txBody>
-                    <a:bodyPr/>
-                    <a:lstStyle/>
-                    <a:p>
-                      <a:r>
-                        <a:rPr lang="es-ES" sz="1200" dirty="0">
-                          <a:effectLst/>
-                          <a:hlinkClick r:id="rId6"/>
-                        </a:rPr>
-                        <a:t>joss@edu.es</a:t>
-                      </a:r>
-                      <a:endParaRPr lang="es-ES" sz="1200" dirty="0">
-                        <a:effectLst/>
-                      </a:endParaRPr>
-                    </a:p>
-                  </a:txBody>
-                  <a:tcPr anchor="ctr"/>
-                </a:tc>
-                <a:extLst>
-                  <a:ext uri="{0D108BD9-81ED-4DB2-BD59-A6C34878D82A}">
-                    <a16:rowId xmlns:a16="http://schemas.microsoft.com/office/drawing/2014/main" val="2014204596"/>
-                  </a:ext>
-                </a:extLst>
-              </a:tr>
-            </a:tbl>
-          </a:graphicData>
-        </a:graphic>
-      </p:graphicFrame>
-      <p:sp>
-        <p:nvSpPr>
-          <p:cNvPr id="9" name="CuadroTexto 8">
-            <a:extLst>
-              <a:ext uri="{FF2B5EF4-FFF2-40B4-BE49-F238E27FC236}">
-                <a16:creationId xmlns:a16="http://schemas.microsoft.com/office/drawing/2014/main" id="{7805F71A-04BE-40BB-A94E-E6463E2232EE}"/>
-              </a:ext>
-            </a:extLst>
-          </p:cNvPr>
-          <p:cNvSpPr txBox="1"/>
-          <p:nvPr/>
-        </p:nvSpPr>
-        <p:spPr>
-          <a:xfrm>
-            <a:off x="4644008" y="4935081"/>
-            <a:ext cx="3933510" cy="276999"/>
-          </a:xfrm>
-          <a:prstGeom prst="rect">
-            <a:avLst/>
-          </a:prstGeom>
-          <a:noFill/>
-          <a:effectLst>
-            <a:outerShdw blurRad="50800" dist="38100" dir="5400000" algn="t" rotWithShape="0">
-              <a:prstClr val="black">
-                <a:alpha val="40000"/>
-              </a:prstClr>
-            </a:outerShdw>
-          </a:effectLst>
-        </p:spPr>
-        <p:txBody>
-          <a:bodyPr wrap="square">
-            <a:spAutoFit/>
-          </a:bodyPr>
-          <a:lstStyle/>
-          <a:p>
-            <a:r>
-              <a:rPr lang="es-ES" sz="1200" dirty="0"/>
-              <a:t>EMPLEADOS(</a:t>
-            </a:r>
-            <a:r>
-              <a:rPr lang="es-ES" sz="1200" u="sng" dirty="0" err="1"/>
-              <a:t>nss</a:t>
-            </a:r>
-            <a:r>
-              <a:rPr lang="es-ES" sz="1200" dirty="0"/>
-              <a:t>, nombre, puesto, salario, </a:t>
-            </a:r>
-            <a:r>
-              <a:rPr lang="es-ES" sz="1200" u="sng" dirty="0"/>
-              <a:t>email</a:t>
-            </a:r>
-            <a:r>
-              <a:rPr lang="es-ES" sz="1200" dirty="0"/>
-              <a:t>)</a:t>
-            </a:r>
-          </a:p>
-        </p:txBody>
-      </p:sp>
-      <p:pic>
-        <p:nvPicPr>
-          <p:cNvPr id="10" name="Gráfico 9" descr="Atrás contorno">
-            <a:extLst>
-              <a:ext uri="{FF2B5EF4-FFF2-40B4-BE49-F238E27FC236}">
-                <a16:creationId xmlns:a16="http://schemas.microsoft.com/office/drawing/2014/main" id="{B72408A2-7255-40F1-9815-F347E7BA5E7F}"/>
-              </a:ext>
-            </a:extLst>
-          </p:cNvPr>
-          <p:cNvPicPr>
-            <a:picLocks noChangeAspect="1"/>
-          </p:cNvPicPr>
-          <p:nvPr/>
-        </p:nvPicPr>
-        <p:blipFill>
-          <a:blip r:embed="rId7">
-            <a:extLst>
-              <a:ext uri="{28A0092B-C50C-407E-A947-70E740481C1C}">
-                <a14:useLocalDpi xmlns:a14="http://schemas.microsoft.com/office/drawing/2010/main" val="0"/>
-              </a:ext>
-              <a:ext uri="{96DAC541-7B7A-43D3-8B79-37D633B846F1}">
-                <asvg:svgBlip xmlns:asvg="http://schemas.microsoft.com/office/drawing/2016/SVG/main" r:embed="rId8"/>
-              </a:ext>
-            </a:extLst>
-          </a:blip>
-          <a:stretch>
-            <a:fillRect/>
-          </a:stretch>
-        </p:blipFill>
-        <p:spPr>
-          <a:xfrm rot="2884272">
-            <a:off x="6298285" y="3878308"/>
-            <a:ext cx="689554" cy="689554"/>
-          </a:xfrm>
-          <a:prstGeom prst="rect">
-            <a:avLst/>
-          </a:prstGeom>
-          <a:effectLst>
-            <a:glow rad="63500">
-              <a:schemeClr val="accent2">
-                <a:satMod val="175000"/>
-                <a:alpha val="40000"/>
-              </a:schemeClr>
-            </a:glow>
-            <a:outerShdw blurRad="50800" dist="38100" dir="5400000" algn="t" rotWithShape="0">
-              <a:prstClr val="black">
-                <a:alpha val="40000"/>
-              </a:prstClr>
-            </a:outerShdw>
-          </a:effectLst>
-        </p:spPr>
-      </p:pic>
-    </p:spTree>
-    <p:extLst>
-      <p:ext uri="{BB962C8B-B14F-4D97-AF65-F5344CB8AC3E}">
-        <p14:creationId xmlns:p14="http://schemas.microsoft.com/office/powerpoint/2010/main" val="1598373747"/>
-      </p:ext>
-    </p:extLst>
-  </p:cSld>
-  <p:clrMapOvr>
-    <a:masterClrMapping/>
-  </p:clrMapOvr>
-  <p:timing>
-    <p:tnLst>
-      <p:par>
-        <p:cTn id="1" dur="indefinite" restart="never" nodeType="tmRoot">
-          <p:childTnLst>
-            <p:seq concurrent="1" nextAc="seek">
-              <p:cTn id="2" dur="indefinite" nodeType="mainSeq">
-                <p:childTnLst>
-                  <p:par>
-                    <p:cTn id="3" fill="hold">
-                      <p:stCondLst>
-                        <p:cond delay="indefinite"/>
-                      </p:stCondLst>
-                      <p:childTnLst>
-                        <p:par>
-                          <p:cTn id="4" fill="hold">
-                            <p:stCondLst>
-                              <p:cond delay="0"/>
-                            </p:stCondLst>
-                            <p:childTnLst>
-                              <p:par>
-                                <p:cTn id="5" presetID="10" presetClass="entr" presetSubtype="0" fill="hold" nodeType="clickEffect">
-                                  <p:stCondLst>
-                                    <p:cond delay="0"/>
-                                  </p:stCondLst>
-                                  <p:childTnLst>
-                                    <p:set>
-                                      <p:cBhvr>
-                                        <p:cTn id="6" dur="1" fill="hold">
-                                          <p:stCondLst>
-                                            <p:cond delay="0"/>
-                                          </p:stCondLst>
-                                        </p:cTn>
-                                        <p:tgtEl>
-                                          <p:spTgt spid="10"/>
-                                        </p:tgtEl>
-                                        <p:attrNameLst>
-                                          <p:attrName>style.visibility</p:attrName>
-                                        </p:attrNameLst>
-                                      </p:cBhvr>
-                                      <p:to>
-                                        <p:strVal val="visible"/>
-                                      </p:to>
-                                    </p:set>
-                                    <p:animEffect transition="in" filter="fade">
-                                      <p:cBhvr>
-                                        <p:cTn id="7" dur="2000"/>
-                                        <p:tgtEl>
-                                          <p:spTgt spid="10"/>
-                                        </p:tgtEl>
-                                      </p:cBhvr>
-                                    </p:animEffect>
-                                  </p:childTnLst>
-                                </p:cTn>
-                              </p:par>
-                              <p:par>
-                                <p:cTn id="8" presetID="10" presetClass="entr" presetSubtype="0" fill="hold" grpId="0" nodeType="withEffect">
-                                  <p:stCondLst>
-                                    <p:cond delay="0"/>
-                                  </p:stCondLst>
-                                  <p:childTnLst>
-                                    <p:set>
-                                      <p:cBhvr>
-                                        <p:cTn id="9" dur="1" fill="hold">
-                                          <p:stCondLst>
-                                            <p:cond delay="0"/>
-                                          </p:stCondLst>
-                                        </p:cTn>
-                                        <p:tgtEl>
-                                          <p:spTgt spid="9"/>
-                                        </p:tgtEl>
-                                        <p:attrNameLst>
-                                          <p:attrName>style.visibility</p:attrName>
-                                        </p:attrNameLst>
-                                      </p:cBhvr>
-                                      <p:to>
-                                        <p:strVal val="visible"/>
-                                      </p:to>
-                                    </p:set>
-                                    <p:animEffect transition="in" filter="fade">
-                                      <p:cBhvr>
-                                        <p:cTn id="10" dur="2000"/>
-                                        <p:tgtEl>
-                                          <p:spTgt spid="9"/>
-                                        </p:tgtEl>
-                                      </p:cBhvr>
-                                    </p:animEffect>
-                                  </p:childTnLst>
-                                </p:cTn>
-                              </p:par>
-                              <p:par>
-                                <p:cTn id="11" presetID="10" presetClass="entr" presetSubtype="0" fill="hold" nodeType="withEffect">
-                                  <p:stCondLst>
-                                    <p:cond delay="0"/>
-                                  </p:stCondLst>
-                                  <p:childTnLst>
-                                    <p:set>
-                                      <p:cBhvr>
-                                        <p:cTn id="12" dur="1" fill="hold">
-                                          <p:stCondLst>
-                                            <p:cond delay="0"/>
-                                          </p:stCondLst>
-                                        </p:cTn>
-                                        <p:tgtEl>
-                                          <p:spTgt spid="6"/>
-                                        </p:tgtEl>
-                                        <p:attrNameLst>
-                                          <p:attrName>style.visibility</p:attrName>
-                                        </p:attrNameLst>
-                                      </p:cBhvr>
-                                      <p:to>
-                                        <p:strVal val="visible"/>
-                                      </p:to>
-                                    </p:set>
-                                    <p:animEffect transition="in" filter="fade">
-                                      <p:cBhvr>
-                                        <p:cTn id="13" dur="2000"/>
-                                        <p:tgtEl>
-                                          <p:spTgt spid="6"/>
-                                        </p:tgtEl>
-                                      </p:cBhvr>
-                                    </p:animEffect>
-                                  </p:childTnLst>
-                                </p:cTn>
-                              </p:par>
-                            </p:childTnLst>
-                          </p:cTn>
-                        </p:par>
-                      </p:childTnLst>
-                    </p:cTn>
-                  </p:par>
-                </p:childTnLst>
-              </p:cTn>
-              <p:prevCondLst>
-                <p:cond evt="onPrev" delay="0">
-                  <p:tgtEl>
-                    <p:sldTgt/>
-                  </p:tgtEl>
-                </p:cond>
-              </p:prevCondLst>
-              <p:nextCondLst>
-                <p:cond evt="onNext" delay="0">
-                  <p:tgtEl>
-                    <p:sldTgt/>
-                  </p:tgtEl>
-                </p:cond>
-              </p:nextCondLst>
-            </p:seq>
-          </p:childTnLst>
-        </p:cTn>
-      </p:par>
-    </p:tnLst>
-    <p:bldLst>
-      <p:bldP spid="9" grpId="0"/>
-    </p:bldLst>
-  </p:timing>
-</p:sld>
-</file>
-
-<file path=ppt/slides/slide5.xml><?xml version="1.0" encoding="utf-8"?>
-<p:sld xmlns:a="http://schemas.openxmlformats.org/drawingml/2006/main" xmlns:r="http://schemas.openxmlformats.org/officeDocument/2006/relationships" xmlns:p="http://schemas.openxmlformats.org/presentationml/2006/main">
-  <p:cSld>
-    <p:spTree>
-      <p:nvGrpSpPr>
-        <p:cNvPr id="1" name=""/>
-        <p:cNvGrpSpPr/>
-        <p:nvPr/>
-      </p:nvGrpSpPr>
-      <p:grpSpPr>
-        <a:xfrm>
-          <a:off x="0" y="0"/>
-          <a:ext cx="0" cy="0"/>
-          <a:chOff x="0" y="0"/>
-          <a:chExt cx="0" cy="0"/>
-        </a:xfrm>
-      </p:grpSpPr>
-      <p:sp>
-        <p:nvSpPr>
-          <p:cNvPr id="2" name="Título 1">
-            <a:extLst>
-              <a:ext uri="{FF2B5EF4-FFF2-40B4-BE49-F238E27FC236}">
-                <a16:creationId xmlns:a16="http://schemas.microsoft.com/office/drawing/2014/main" id="{4018329E-63ED-4A23-A2DA-897FF63DECB2}"/>
-              </a:ext>
-            </a:extLst>
-          </p:cNvPr>
-          <p:cNvSpPr>
-            <a:spLocks noGrp="1"/>
-          </p:cNvSpPr>
-          <p:nvPr>
-            <p:ph type="title"/>
-          </p:nvPr>
-        </p:nvSpPr>
-        <p:spPr>
-          <a:xfrm>
             <a:off x="224486" y="261393"/>
             <a:ext cx="8108380" cy="648072"/>
           </a:xfrm>
@@ -11127,7 +9236,7 @@
               <a:rPr lang="es-ES" dirty="0">
                 <a:sym typeface="Wingdings" panose="05000000000000000000" pitchFamily="2" charset="2"/>
               </a:rPr>
-              <a:t>SOLUCIÓN 2. Dividimos la relación en dos así:</a:t>
+              <a:t>Dividimos la relación en dos así:</a:t>
             </a:r>
           </a:p>
           <a:p>
@@ -11136,7 +9245,7 @@
               <a:rPr lang="es-ES" dirty="0">
                 <a:sym typeface="Wingdings" panose="05000000000000000000" pitchFamily="2" charset="2"/>
               </a:rPr>
-              <a:t>Modificamos la relación empleados eliminando el atributo (emails) que violaba 1FN.</a:t>
+              <a:t>Modificamos la relación empleados eliminando el atributo (emails) que no cumple 1FN.</a:t>
             </a:r>
           </a:p>
           <a:p>
@@ -11145,7 +9254,19 @@
               <a:rPr lang="es-ES" dirty="0">
                 <a:sym typeface="Wingdings" panose="05000000000000000000" pitchFamily="2" charset="2"/>
               </a:rPr>
-              <a:t>Se crea una nueva relación(emails), formada por la el atributo que violaba 1FN (email) y la clave primaria de la relación inicial empleados. (</a:t>
+              <a:t>Se crea una nueva relación(emails), formada por el atributo que </a:t>
+            </a:r>
+            <a:r>
+              <a:rPr lang="es-ES" dirty="0" err="1">
+                <a:sym typeface="Wingdings" panose="05000000000000000000" pitchFamily="2" charset="2"/>
+              </a:rPr>
+              <a:t>impedia</a:t>
+            </a:r>
+            <a:r>
+              <a:rPr lang="es-ES" dirty="0">
+                <a:sym typeface="Wingdings" panose="05000000000000000000" pitchFamily="2" charset="2"/>
+              </a:rPr>
+              <a:t> 1FN (email) y la clave primaria de la relación inicial empleados. (</a:t>
             </a:r>
             <a:r>
               <a:rPr lang="es-ES" dirty="0" err="1">
@@ -11247,7 +9368,7 @@
               <a:pPr>
                 <a:defRPr/>
               </a:pPr>
-              <a:t>5</a:t>
+              <a:t>4</a:t>
             </a:fld>
             <a:endParaRPr lang="es-ES" altLang="es-ES"/>
           </a:p>
@@ -12791,7 +10912,7 @@
 </p:sld>
 </file>
 
-<file path=ppt/slides/slide6.xml><?xml version="1.0" encoding="utf-8"?>
+<file path=ppt/slides/slide5.xml><?xml version="1.0" encoding="utf-8"?>
 <p:sld xmlns:a="http://schemas.openxmlformats.org/drawingml/2006/main" xmlns:r="http://schemas.openxmlformats.org/officeDocument/2006/relationships" xmlns:p="http://schemas.openxmlformats.org/presentationml/2006/main">
   <p:cSld>
     <p:spTree>
@@ -12865,7 +10986,7 @@
         </p:spPr>
         <p:txBody>
           <a:bodyPr>
-            <a:normAutofit fontScale="70000" lnSpcReduction="20000"/>
+            <a:normAutofit/>
           </a:bodyPr>
           <a:lstStyle/>
           <a:p>
@@ -12881,7 +11002,7 @@
               <a:rPr lang="es-ES" dirty="0">
                 <a:sym typeface="Wingdings" panose="05000000000000000000" pitchFamily="2" charset="2"/>
               </a:rPr>
-              <a:t>Recuerda que todos los atributos que no sean de la clave principal tienen dependencia funcional completa respecto de todos los atributos que formen la clave.</a:t>
+              <a:t>Recuerda que todos los atributos que no sean de la clave principal dependen de la clave completa.</a:t>
             </a:r>
           </a:p>
           <a:p>
@@ -12889,15 +11010,7 @@
               <a:rPr lang="es-ES" dirty="0">
                 <a:sym typeface="Wingdings" panose="05000000000000000000" pitchFamily="2" charset="2"/>
               </a:rPr>
-              <a:t>O lo que es lo mismo que si la clave primaria no existiese, los atributos que dependan de ella de manera completa tampoco. Pregúntate lo siguiente: ¿dado un valor para A, obtengo un único valor para B y viceversa?  será necesario llevarlo a una nueva relación.</a:t>
-            </a:r>
-          </a:p>
-          <a:p>
-            <a:r>
-              <a:rPr lang="es-ES" dirty="0">
-                <a:sym typeface="Wingdings" panose="05000000000000000000" pitchFamily="2" charset="2"/>
-              </a:rPr>
-              <a:t>Es aplicable por lo tanto cuando la clave primaria es compuesta(más de un atributo) si es simple y está en 1FN, lo está en 2FN.</a:t>
+              <a:t>Si está en 1FN y clave principal de un campo, ya está en 2FN.</a:t>
             </a:r>
           </a:p>
           <a:p>
@@ -12968,7 +11081,7 @@
               <a:pPr>
                 <a:defRPr/>
               </a:pPr>
-              <a:t>6</a:t>
+              <a:t>5</a:t>
             </a:fld>
             <a:endParaRPr lang="es-ES" altLang="es-ES"/>
           </a:p>
@@ -13973,7 +12086,7 @@
 </p:sld>
 </file>
 
-<file path=ppt/slides/slide7.xml><?xml version="1.0" encoding="utf-8"?>
+<file path=ppt/slides/slide6.xml><?xml version="1.0" encoding="utf-8"?>
 <p:sld xmlns:a="http://schemas.openxmlformats.org/drawingml/2006/main" xmlns:r="http://schemas.openxmlformats.org/officeDocument/2006/relationships" xmlns:p="http://schemas.openxmlformats.org/presentationml/2006/main">
   <p:cSld>
     <p:spTree>
@@ -14047,7 +12160,7 @@
         </p:spPr>
         <p:txBody>
           <a:bodyPr>
-            <a:normAutofit fontScale="62500" lnSpcReduction="20000"/>
+            <a:normAutofit lnSpcReduction="10000"/>
           </a:bodyPr>
           <a:lstStyle/>
           <a:p>
@@ -14063,15 +12176,7 @@
               <a:rPr lang="es-ES" dirty="0">
                 <a:sym typeface="Wingdings" panose="05000000000000000000" pitchFamily="2" charset="2"/>
               </a:rPr>
-              <a:t>Recuerda que cada atributo que no está incluido en la clave primaria no depende transitivamente de la clave primaria.</a:t>
-            </a:r>
-          </a:p>
-          <a:p>
-            <a:r>
-              <a:rPr lang="es-ES" dirty="0">
-                <a:sym typeface="Wingdings" panose="05000000000000000000" pitchFamily="2" charset="2"/>
-              </a:rPr>
-              <a:t>Explicado de otra manera tendré que buscar dependencias funcionales entre atributos que no estén en la clave primaria. De esta forma conseguiré que cada atributo no clave de la relación sea independiente del resto de los atributos de esta. Solo deben ser dependientes de la clave primaria.</a:t>
+              <a:t>Buscamos atributos que dependen de otros atributos que no son clave principal</a:t>
             </a:r>
           </a:p>
           <a:p>
@@ -14143,7 +12248,7 @@
               <a:pPr>
                 <a:defRPr/>
               </a:pPr>
-              <a:t>7</a:t>
+              <a:t>6</a:t>
             </a:fld>
             <a:endParaRPr lang="es-ES" altLang="es-ES"/>
           </a:p>
@@ -14533,218 +12638,6 @@
               <a:rPr lang="es-ES" sz="1000" dirty="0"/>
               <a:t>, salario)</a:t>
             </a:r>
-          </a:p>
-        </p:txBody>
-      </p:sp>
-      <p:sp>
-        <p:nvSpPr>
-          <p:cNvPr id="7" name="Rectángulo: esquinas redondeadas 6">
-            <a:extLst>
-              <a:ext uri="{FF2B5EF4-FFF2-40B4-BE49-F238E27FC236}">
-                <a16:creationId xmlns:a16="http://schemas.microsoft.com/office/drawing/2014/main" id="{2D58470C-2079-4B4F-8779-562EC377A363}"/>
-              </a:ext>
-            </a:extLst>
-          </p:cNvPr>
-          <p:cNvSpPr/>
-          <p:nvPr/>
-        </p:nvSpPr>
-        <p:spPr>
-          <a:xfrm>
-            <a:off x="827584" y="2956279"/>
-            <a:ext cx="1998673" cy="514826"/>
-          </a:xfrm>
-          <a:prstGeom prst="roundRect">
-            <a:avLst/>
-          </a:prstGeom>
-          <a:effectLst>
-            <a:outerShdw blurRad="50800" dist="38100" dir="5400000" algn="t" rotWithShape="0">
-              <a:prstClr val="black">
-                <a:alpha val="40000"/>
-              </a:prstClr>
-            </a:outerShdw>
-          </a:effectLst>
-        </p:spPr>
-        <p:style>
-          <a:lnRef idx="2">
-            <a:schemeClr val="accent1">
-              <a:shade val="50000"/>
-            </a:schemeClr>
-          </a:lnRef>
-          <a:fillRef idx="1">
-            <a:schemeClr val="accent1"/>
-          </a:fillRef>
-          <a:effectRef idx="0">
-            <a:schemeClr val="accent1"/>
-          </a:effectRef>
-          <a:fontRef idx="minor">
-            <a:schemeClr val="lt1"/>
-          </a:fontRef>
-        </p:style>
-        <p:txBody>
-          <a:bodyPr rtlCol="0" anchor="ctr"/>
-          <a:lstStyle/>
-          <a:p>
-            <a:pPr algn="ctr"/>
-            <a:r>
-              <a:rPr lang="es-ES" sz="800" dirty="0" err="1"/>
-              <a:t>Dep</a:t>
-            </a:r>
-            <a:r>
-              <a:rPr lang="es-ES" sz="800" dirty="0"/>
-              <a:t>. funcional transitiva</a:t>
-            </a:r>
-          </a:p>
-          <a:p>
-            <a:pPr algn="ctr"/>
-            <a:r>
-              <a:rPr lang="es-ES" sz="800" dirty="0"/>
-              <a:t>K</a:t>
-            </a:r>
-            <a:r>
-              <a:rPr lang="es-ES" sz="800" dirty="0">
-                <a:sym typeface="Wingdings" panose="05000000000000000000" pitchFamily="2" charset="2"/>
-              </a:rPr>
-              <a:t>X</a:t>
-            </a:r>
-          </a:p>
-          <a:p>
-            <a:pPr algn="ctr"/>
-            <a:r>
-              <a:rPr lang="es-ES" sz="800" dirty="0">
-                <a:sym typeface="Wingdings" panose="05000000000000000000" pitchFamily="2" charset="2"/>
-              </a:rPr>
-              <a:t>XY</a:t>
-            </a:r>
-          </a:p>
-          <a:p>
-            <a:pPr algn="ctr"/>
-            <a:r>
-              <a:rPr lang="es-ES" sz="800" dirty="0">
-                <a:sym typeface="Wingdings" panose="05000000000000000000" pitchFamily="2" charset="2"/>
-              </a:rPr>
-              <a:t>X no K</a:t>
-            </a:r>
-            <a:endParaRPr lang="es-ES" sz="1000" dirty="0"/>
-          </a:p>
-        </p:txBody>
-      </p:sp>
-      <p:sp>
-        <p:nvSpPr>
-          <p:cNvPr id="17" name="Rectángulo: esquinas redondeadas 16">
-            <a:extLst>
-              <a:ext uri="{FF2B5EF4-FFF2-40B4-BE49-F238E27FC236}">
-                <a16:creationId xmlns:a16="http://schemas.microsoft.com/office/drawing/2014/main" id="{C471A67F-3941-4C68-8E70-2660D1AA0D1F}"/>
-              </a:ext>
-            </a:extLst>
-          </p:cNvPr>
-          <p:cNvSpPr/>
-          <p:nvPr/>
-        </p:nvSpPr>
-        <p:spPr>
-          <a:xfrm>
-            <a:off x="3327266" y="2916966"/>
-            <a:ext cx="4665114" cy="651442"/>
-          </a:xfrm>
-          <a:prstGeom prst="roundRect">
-            <a:avLst/>
-          </a:prstGeom>
-          <a:solidFill>
-            <a:schemeClr val="accent2">
-              <a:lumMod val="75000"/>
-            </a:schemeClr>
-          </a:solidFill>
-          <a:effectLst>
-            <a:outerShdw blurRad="50800" dist="38100" dir="5400000" algn="t" rotWithShape="0">
-              <a:prstClr val="black">
-                <a:alpha val="40000"/>
-              </a:prstClr>
-            </a:outerShdw>
-          </a:effectLst>
-        </p:spPr>
-        <p:style>
-          <a:lnRef idx="2">
-            <a:schemeClr val="accent1">
-              <a:shade val="50000"/>
-            </a:schemeClr>
-          </a:lnRef>
-          <a:fillRef idx="1">
-            <a:schemeClr val="accent1"/>
-          </a:fillRef>
-          <a:effectRef idx="0">
-            <a:schemeClr val="accent1"/>
-          </a:effectRef>
-          <a:fontRef idx="minor">
-            <a:schemeClr val="lt1"/>
-          </a:fontRef>
-        </p:style>
-        <p:txBody>
-          <a:bodyPr rtlCol="0" anchor="ctr"/>
-          <a:lstStyle/>
-          <a:p>
-            <a:pPr algn="ctr"/>
-            <a:r>
-              <a:rPr lang="es-ES" sz="800" dirty="0" err="1"/>
-              <a:t>Dep</a:t>
-            </a:r>
-            <a:r>
-              <a:rPr lang="es-ES" sz="800" dirty="0"/>
-              <a:t>. funcional transitiva</a:t>
-            </a:r>
-          </a:p>
-          <a:p>
-            <a:pPr algn="ctr"/>
-            <a:r>
-              <a:rPr lang="es-ES" sz="800" dirty="0" err="1">
-                <a:sym typeface="Wingdings" panose="05000000000000000000" pitchFamily="2" charset="2"/>
-              </a:rPr>
-              <a:t>nsspuesto</a:t>
-            </a:r>
-            <a:endParaRPr lang="es-ES" sz="800" dirty="0">
-              <a:sym typeface="Wingdings" panose="05000000000000000000" pitchFamily="2" charset="2"/>
-            </a:endParaRPr>
-          </a:p>
-          <a:p>
-            <a:pPr algn="ctr"/>
-            <a:r>
-              <a:rPr lang="es-ES" sz="800" dirty="0" err="1">
-                <a:sym typeface="Wingdings" panose="05000000000000000000" pitchFamily="2" charset="2"/>
-              </a:rPr>
-              <a:t>puestosalario</a:t>
-            </a:r>
-            <a:endParaRPr lang="es-ES" sz="800" dirty="0">
-              <a:sym typeface="Wingdings" panose="05000000000000000000" pitchFamily="2" charset="2"/>
-            </a:endParaRPr>
-          </a:p>
-          <a:p>
-            <a:pPr algn="ctr"/>
-            <a:r>
-              <a:rPr lang="es-ES" sz="800" dirty="0">
-                <a:sym typeface="Wingdings" panose="05000000000000000000" pitchFamily="2" charset="2"/>
-              </a:rPr>
-              <a:t>Puesto </a:t>
-            </a:r>
-            <a:r>
-              <a:rPr lang="es-ES" sz="800" dirty="0" err="1">
-                <a:sym typeface="Wingdings" panose="05000000000000000000" pitchFamily="2" charset="2"/>
-              </a:rPr>
-              <a:t>nonss</a:t>
-            </a:r>
-            <a:r>
-              <a:rPr lang="es-ES" sz="800" dirty="0">
-                <a:sym typeface="Wingdings" panose="05000000000000000000" pitchFamily="2" charset="2"/>
-              </a:rPr>
-              <a:t> </a:t>
-            </a:r>
-          </a:p>
-          <a:p>
-            <a:pPr algn="ctr"/>
-            <a:r>
-              <a:rPr lang="es-ES" sz="800" dirty="0">
-                <a:sym typeface="Wingdings" panose="05000000000000000000" pitchFamily="2" charset="2"/>
-              </a:rPr>
-              <a:t>Un puesto concreto no está ocupado siempre por la misma persona</a:t>
-            </a:r>
-            <a:endParaRPr lang="es-ES" sz="800" dirty="0"/>
           </a:p>
         </p:txBody>
       </p:sp>
@@ -15793,7 +13686,7 @@
 </p:sld>
 </file>
 
-<file path=ppt/slides/slide8.xml><?xml version="1.0" encoding="utf-8"?>
+<file path=ppt/slides/slide7.xml><?xml version="1.0" encoding="utf-8"?>
 <p:sld xmlns:a="http://schemas.openxmlformats.org/drawingml/2006/main" xmlns:r="http://schemas.openxmlformats.org/officeDocument/2006/relationships" xmlns:p="http://schemas.openxmlformats.org/presentationml/2006/main">
   <p:cSld>
     <p:spTree>
@@ -15874,7 +13767,7 @@
               <a:pPr>
                 <a:defRPr/>
               </a:pPr>
-              <a:t>8</a:t>
+              <a:t>7</a:t>
             </a:fld>
             <a:endParaRPr lang="es-ES" altLang="es-ES"/>
           </a:p>
@@ -18221,7 +16114,7 @@
 </p:sld>
 </file>
 
-<file path=ppt/slides/slide9.xml><?xml version="1.0" encoding="utf-8"?>
+<file path=ppt/slides/slide8.xml><?xml version="1.0" encoding="utf-8"?>
 <p:sld xmlns:a="http://schemas.openxmlformats.org/drawingml/2006/main" xmlns:r="http://schemas.openxmlformats.org/officeDocument/2006/relationships" xmlns:p="http://schemas.openxmlformats.org/presentationml/2006/main">
   <p:cSld>
     <p:spTree>
@@ -18256,8 +16149,8 @@
         </p:nvSpPr>
         <p:spPr>
           <a:xfrm>
-            <a:off x="685800" y="5257800"/>
-            <a:ext cx="7486650" cy="914400"/>
+            <a:off x="628650" y="365126"/>
+            <a:ext cx="7886700" cy="975641"/>
           </a:xfrm>
         </p:spPr>
         <p:txBody>
@@ -18269,6 +16162,21 @@
             <a:r>
               <a:rPr lang="es-ES" dirty="0"/>
               <a:t>OTRO EJEMPLO</a:t>
+            </a:r>
+            <a:br>
+              <a:rPr lang="es-ES" dirty="0"/>
+            </a:br>
+            <a:r>
+              <a:rPr lang="es-ES" sz="2200" dirty="0"/>
+              <a:t>Clave principal: </a:t>
+            </a:r>
+            <a:r>
+              <a:rPr lang="es-ES" sz="2200" dirty="0" err="1"/>
+              <a:t>Codigo</a:t>
+            </a:r>
+            <a:r>
+              <a:rPr lang="es-ES" sz="2200" dirty="0"/>
+              <a:t> de proyecto</a:t>
             </a:r>
           </a:p>
         </p:txBody>
@@ -18289,12 +16197,7 @@
             <p:ph type="sldNum" sz="quarter" idx="12"/>
           </p:nvPr>
         </p:nvSpPr>
-        <p:spPr>
-          <a:xfrm>
-            <a:off x="8441055" y="6172201"/>
-            <a:ext cx="685800" cy="593725"/>
-          </a:xfrm>
-        </p:spPr>
+        <p:spPr/>
         <p:txBody>
           <a:bodyPr anchor="ctr">
             <a:normAutofit/>
@@ -18315,7 +16218,7 @@
                 </a:spcAft>
                 <a:defRPr/>
               </a:pPr>
-              <a:t>9</a:t>
+              <a:t>8</a:t>
             </a:fld>
             <a:endParaRPr lang="es-ES" altLang="es-ES"/>
           </a:p>
@@ -18336,13 +16239,13 @@
           <p:nvPr>
             <p:extLst>
               <p:ext uri="{D42A27DB-BD31-4B8C-83A1-F6EECF244321}">
-                <p14:modId xmlns:p14="http://schemas.microsoft.com/office/powerpoint/2010/main" val="3220914434"/>
+                <p14:modId xmlns:p14="http://schemas.microsoft.com/office/powerpoint/2010/main" val="2662178"/>
               </p:ext>
             </p:extLst>
           </p:nvPr>
         </p:nvGraphicFramePr>
         <p:xfrm>
-          <a:off x="827584" y="476672"/>
+          <a:off x="755576" y="1684048"/>
           <a:ext cx="6446840" cy="4120963"/>
         </p:xfrm>
         <a:graphic>
@@ -18482,7 +16385,7 @@
                     <a:p>
                       <a:pPr algn="l" fontAlgn="b"/>
                       <a:r>
-                        <a:rPr lang="es-ES" sz="1000" b="1" i="0" u="none" strike="noStrike">
+                        <a:rPr lang="es-ES" sz="1000" b="1" i="0" u="none" strike="noStrike" dirty="0">
                           <a:solidFill>
                             <a:srgbClr val="000000"/>
                           </a:solidFill>
@@ -19945,7 +17848,7 @@
                     <a:p>
                       <a:pPr algn="r" fontAlgn="b"/>
                       <a:r>
-                        <a:rPr lang="es-ES" sz="1000" b="0" i="0" u="none" strike="noStrike">
+                        <a:rPr lang="es-ES" sz="1000" b="0" i="0" u="none" strike="noStrike" dirty="0">
                           <a:solidFill>
                             <a:srgbClr val="000000"/>
                           </a:solidFill>
@@ -20066,6 +17969,63 @@
                     <a:p>
                       <a:pPr algn="l" fontAlgn="b"/>
                       <a:r>
+                        <a:rPr lang="es-ES" sz="1000" b="0" i="0" u="none" strike="noStrike" dirty="0">
+                          <a:solidFill>
+                            <a:srgbClr val="000000"/>
+                          </a:solidFill>
+                          <a:effectLst/>
+                          <a:latin typeface="Calibri" panose="020F0502020204030204" pitchFamily="34" charset="0"/>
+                        </a:rPr>
+                        <a:t>Sistema de pensiones</a:t>
+                      </a:r>
+                    </a:p>
+                  </a:txBody>
+                  <a:tcPr marL="6834" marR="6834" marT="6834" marB="0" anchor="b">
+                    <a:lnL w="6350" cap="flat" cmpd="sng" algn="ctr">
+                      <a:solidFill>
+                        <a:srgbClr val="000000"/>
+                      </a:solidFill>
+                      <a:prstDash val="solid"/>
+                      <a:round/>
+                      <a:headEnd type="none" w="med" len="med"/>
+                      <a:tailEnd type="none" w="med" len="med"/>
+                    </a:lnL>
+                    <a:lnR w="6350" cap="flat" cmpd="sng" algn="ctr">
+                      <a:solidFill>
+                        <a:srgbClr val="000000"/>
+                      </a:solidFill>
+                      <a:prstDash val="solid"/>
+                      <a:round/>
+                      <a:headEnd type="none" w="med" len="med"/>
+                      <a:tailEnd type="none" w="med" len="med"/>
+                    </a:lnR>
+                    <a:lnT w="6350" cap="flat" cmpd="sng" algn="ctr">
+                      <a:solidFill>
+                        <a:srgbClr val="000000"/>
+                      </a:solidFill>
+                      <a:prstDash val="solid"/>
+                      <a:round/>
+                      <a:headEnd type="none" w="med" len="med"/>
+                      <a:tailEnd type="none" w="med" len="med"/>
+                    </a:lnT>
+                    <a:lnB w="6350" cap="flat" cmpd="sng" algn="ctr">
+                      <a:solidFill>
+                        <a:srgbClr val="000000"/>
+                      </a:solidFill>
+                      <a:prstDash val="solid"/>
+                      <a:round/>
+                      <a:headEnd type="none" w="med" len="med"/>
+                      <a:tailEnd type="none" w="med" len="med"/>
+                    </a:lnB>
+                  </a:tcPr>
+                </a:tc>
+                <a:tc>
+                  <a:txBody>
+                    <a:bodyPr/>
+                    <a:lstStyle/>
+                    <a:p>
+                      <a:pPr algn="l" fontAlgn="b"/>
+                      <a:r>
                         <a:rPr lang="es-ES" sz="1000" b="0" i="0" u="none" strike="noStrike">
                           <a:solidFill>
                             <a:srgbClr val="000000"/>
@@ -20073,7 +18033,7 @@
                           <a:effectLst/>
                           <a:latin typeface="Calibri" panose="020F0502020204030204" pitchFamily="34" charset="0"/>
                         </a:rPr>
-                        <a:t>Sistema de pensiones</a:t>
+                        <a:t>M Philips</a:t>
                       </a:r>
                     </a:p>
                   </a:txBody>
@@ -20121,7 +18081,7 @@
                     <a:bodyPr/>
                     <a:lstStyle/>
                     <a:p>
-                      <a:pPr algn="l" fontAlgn="b"/>
+                      <a:pPr algn="r" fontAlgn="b"/>
                       <a:r>
                         <a:rPr lang="es-ES" sz="1000" b="0" i="0" u="none" strike="noStrike">
                           <a:solidFill>
@@ -20130,7 +18090,7 @@
                           <a:effectLst/>
                           <a:latin typeface="Calibri" panose="020F0502020204030204" pitchFamily="34" charset="0"/>
                         </a:rPr>
-                        <a:t>M Philips</a:t>
+                        <a:t>24502</a:t>
                       </a:r>
                     </a:p>
                   </a:txBody>
@@ -20178,7 +18138,7 @@
                     <a:bodyPr/>
                     <a:lstStyle/>
                     <a:p>
-                      <a:pPr algn="r" fontAlgn="b"/>
+                      <a:pPr algn="l" fontAlgn="b"/>
                       <a:r>
                         <a:rPr lang="es-ES" sz="1000" b="0" i="0" u="none" strike="noStrike">
                           <a:solidFill>
@@ -20187,7 +18147,7 @@
                           <a:effectLst/>
                           <a:latin typeface="Calibri" panose="020F0502020204030204" pitchFamily="34" charset="0"/>
                         </a:rPr>
-                        <a:t>24502</a:t>
+                        <a:t>S21010</a:t>
                       </a:r>
                     </a:p>
                   </a:txBody>
@@ -20244,7 +18204,7 @@
                           <a:effectLst/>
                           <a:latin typeface="Calibri" panose="020F0502020204030204" pitchFamily="34" charset="0"/>
                         </a:rPr>
-                        <a:t>S21010</a:t>
+                        <a:t>P Lewis</a:t>
                       </a:r>
                     </a:p>
                   </a:txBody>
@@ -20301,7 +18261,7 @@
                           <a:effectLst/>
                           <a:latin typeface="Calibri" panose="020F0502020204030204" pitchFamily="34" charset="0"/>
                         </a:rPr>
-                        <a:t>P Lewis</a:t>
+                        <a:t>L004</a:t>
                       </a:r>
                     </a:p>
                   </a:txBody>
@@ -20358,7 +18318,7 @@
                           <a:effectLst/>
                           <a:latin typeface="Calibri" panose="020F0502020204030204" pitchFamily="34" charset="0"/>
                         </a:rPr>
-                        <a:t>L004</a:t>
+                        <a:t>ESO</a:t>
                       </a:r>
                     </a:p>
                   </a:txBody>
@@ -20406,66 +18366,9 @@
                     <a:bodyPr/>
                     <a:lstStyle/>
                     <a:p>
-                      <a:pPr algn="l" fontAlgn="b"/>
-                      <a:r>
-                        <a:rPr lang="es-ES" sz="1000" b="0" i="0" u="none" strike="noStrike">
-                          <a:solidFill>
-                            <a:srgbClr val="000000"/>
-                          </a:solidFill>
-                          <a:effectLst/>
-                          <a:latin typeface="Calibri" panose="020F0502020204030204" pitchFamily="34" charset="0"/>
-                        </a:rPr>
-                        <a:t>ESO</a:t>
-                      </a:r>
-                    </a:p>
-                  </a:txBody>
-                  <a:tcPr marL="6834" marR="6834" marT="6834" marB="0" anchor="b">
-                    <a:lnL w="6350" cap="flat" cmpd="sng" algn="ctr">
-                      <a:solidFill>
-                        <a:srgbClr val="000000"/>
-                      </a:solidFill>
-                      <a:prstDash val="solid"/>
-                      <a:round/>
-                      <a:headEnd type="none" w="med" len="med"/>
-                      <a:tailEnd type="none" w="med" len="med"/>
-                    </a:lnL>
-                    <a:lnR w="6350" cap="flat" cmpd="sng" algn="ctr">
-                      <a:solidFill>
-                        <a:srgbClr val="000000"/>
-                      </a:solidFill>
-                      <a:prstDash val="solid"/>
-                      <a:round/>
-                      <a:headEnd type="none" w="med" len="med"/>
-                      <a:tailEnd type="none" w="med" len="med"/>
-                    </a:lnR>
-                    <a:lnT w="6350" cap="flat" cmpd="sng" algn="ctr">
-                      <a:solidFill>
-                        <a:srgbClr val="000000"/>
-                      </a:solidFill>
-                      <a:prstDash val="solid"/>
-                      <a:round/>
-                      <a:headEnd type="none" w="med" len="med"/>
-                      <a:tailEnd type="none" w="med" len="med"/>
-                    </a:lnT>
-                    <a:lnB w="6350" cap="flat" cmpd="sng" algn="ctr">
-                      <a:solidFill>
-                        <a:srgbClr val="000000"/>
-                      </a:solidFill>
-                      <a:prstDash val="solid"/>
-                      <a:round/>
-                      <a:headEnd type="none" w="med" len="med"/>
-                      <a:tailEnd type="none" w="med" len="med"/>
-                    </a:lnB>
-                  </a:tcPr>
-                </a:tc>
-                <a:tc>
-                  <a:txBody>
-                    <a:bodyPr/>
-                    <a:lstStyle/>
-                    <a:p>
                       <a:pPr algn="r" fontAlgn="b"/>
                       <a:r>
-                        <a:rPr lang="es-ES" sz="1000" b="0" i="0" u="none" strike="noStrike">
+                        <a:rPr lang="es-ES" sz="1000" b="0" i="0" u="none" strike="noStrike" dirty="0">
                           <a:solidFill>
                             <a:srgbClr val="000000"/>
                           </a:solidFill>
@@ -20586,6 +18489,63 @@
                     <a:p>
                       <a:pPr algn="l" fontAlgn="b"/>
                       <a:r>
+                        <a:rPr lang="es-ES" sz="1000" b="0" i="0" u="none" strike="noStrike" dirty="0">
+                          <a:solidFill>
+                            <a:srgbClr val="000000"/>
+                          </a:solidFill>
+                          <a:effectLst/>
+                          <a:latin typeface="Calibri" panose="020F0502020204030204" pitchFamily="34" charset="0"/>
+                        </a:rPr>
+                        <a:t>Sistema de sueldos</a:t>
+                      </a:r>
+                    </a:p>
+                  </a:txBody>
+                  <a:tcPr marL="6834" marR="6834" marT="6834" marB="0" anchor="b">
+                    <a:lnL w="6350" cap="flat" cmpd="sng" algn="ctr">
+                      <a:solidFill>
+                        <a:srgbClr val="000000"/>
+                      </a:solidFill>
+                      <a:prstDash val="solid"/>
+                      <a:round/>
+                      <a:headEnd type="none" w="med" len="med"/>
+                      <a:tailEnd type="none" w="med" len="med"/>
+                    </a:lnL>
+                    <a:lnR w="6350" cap="flat" cmpd="sng" algn="ctr">
+                      <a:solidFill>
+                        <a:srgbClr val="000000"/>
+                      </a:solidFill>
+                      <a:prstDash val="solid"/>
+                      <a:round/>
+                      <a:headEnd type="none" w="med" len="med"/>
+                      <a:tailEnd type="none" w="med" len="med"/>
+                    </a:lnR>
+                    <a:lnT w="6350" cap="flat" cmpd="sng" algn="ctr">
+                      <a:solidFill>
+                        <a:srgbClr val="000000"/>
+                      </a:solidFill>
+                      <a:prstDash val="solid"/>
+                      <a:round/>
+                      <a:headEnd type="none" w="med" len="med"/>
+                      <a:tailEnd type="none" w="med" len="med"/>
+                    </a:lnT>
+                    <a:lnB w="6350" cap="flat" cmpd="sng" algn="ctr">
+                      <a:solidFill>
+                        <a:srgbClr val="000000"/>
+                      </a:solidFill>
+                      <a:prstDash val="solid"/>
+                      <a:round/>
+                      <a:headEnd type="none" w="med" len="med"/>
+                      <a:tailEnd type="none" w="med" len="med"/>
+                    </a:lnB>
+                  </a:tcPr>
+                </a:tc>
+                <a:tc>
+                  <a:txBody>
+                    <a:bodyPr/>
+                    <a:lstStyle/>
+                    <a:p>
+                      <a:pPr algn="l" fontAlgn="b"/>
+                      <a:r>
                         <a:rPr lang="es-ES" sz="1000" b="0" i="0" u="none" strike="noStrike">
                           <a:solidFill>
                             <a:srgbClr val="000000"/>
@@ -20593,7 +18553,7 @@
                           <a:effectLst/>
                           <a:latin typeface="Calibri" panose="020F0502020204030204" pitchFamily="34" charset="0"/>
                         </a:rPr>
-                        <a:t>Sistema de sueldos</a:t>
+                        <a:t>H Martin</a:t>
                       </a:r>
                     </a:p>
                   </a:txBody>
@@ -20641,7 +18601,7 @@
                     <a:bodyPr/>
                     <a:lstStyle/>
                     <a:p>
-                      <a:pPr algn="l" fontAlgn="b"/>
+                      <a:pPr algn="r" fontAlgn="b"/>
                       <a:r>
                         <a:rPr lang="es-ES" sz="1000" b="0" i="0" u="none" strike="noStrike">
                           <a:solidFill>
@@ -20650,7 +18610,7 @@
                           <a:effectLst/>
                           <a:latin typeface="Calibri" panose="020F0502020204030204" pitchFamily="34" charset="0"/>
                         </a:rPr>
-                        <a:t>H Martin</a:t>
+                        <a:t>17400</a:t>
                       </a:r>
                     </a:p>
                   </a:txBody>
@@ -20698,7 +18658,7 @@
                     <a:bodyPr/>
                     <a:lstStyle/>
                     <a:p>
-                      <a:pPr algn="r" fontAlgn="b"/>
+                      <a:pPr algn="l" fontAlgn="b"/>
                       <a:r>
                         <a:rPr lang="es-ES" sz="1000" b="0" i="0" u="none" strike="noStrike">
                           <a:solidFill>
@@ -20707,7 +18667,7 @@
                           <a:effectLst/>
                           <a:latin typeface="Calibri" panose="020F0502020204030204" pitchFamily="34" charset="0"/>
                         </a:rPr>
-                        <a:t>17400</a:t>
+                        <a:t>S10010</a:t>
                       </a:r>
                     </a:p>
                   </a:txBody>
@@ -20764,7 +18724,7 @@
                           <a:effectLst/>
                           <a:latin typeface="Calibri" panose="020F0502020204030204" pitchFamily="34" charset="0"/>
                         </a:rPr>
-                        <a:t>S10010</a:t>
+                        <a:t>B Jones</a:t>
                       </a:r>
                     </a:p>
                   </a:txBody>
@@ -20821,7 +18781,7 @@
                           <a:effectLst/>
                           <a:latin typeface="Calibri" panose="020F0502020204030204" pitchFamily="34" charset="0"/>
                         </a:rPr>
-                        <a:t>B Jones</a:t>
+                        <a:t>L004</a:t>
                       </a:r>
                     </a:p>
                   </a:txBody>
@@ -20878,7 +18838,7 @@
                           <a:effectLst/>
                           <a:latin typeface="Calibri" panose="020F0502020204030204" pitchFamily="34" charset="0"/>
                         </a:rPr>
-                        <a:t>L004</a:t>
+                        <a:t>ESO</a:t>
                       </a:r>
                     </a:p>
                   </a:txBody>
@@ -20926,66 +18886,9 @@
                     <a:bodyPr/>
                     <a:lstStyle/>
                     <a:p>
-                      <a:pPr algn="l" fontAlgn="b"/>
-                      <a:r>
-                        <a:rPr lang="es-ES" sz="1000" b="0" i="0" u="none" strike="noStrike">
-                          <a:solidFill>
-                            <a:srgbClr val="000000"/>
-                          </a:solidFill>
-                          <a:effectLst/>
-                          <a:latin typeface="Calibri" panose="020F0502020204030204" pitchFamily="34" charset="0"/>
-                        </a:rPr>
-                        <a:t>ESO</a:t>
-                      </a:r>
-                    </a:p>
-                  </a:txBody>
-                  <a:tcPr marL="6834" marR="6834" marT="6834" marB="0" anchor="b">
-                    <a:lnL w="6350" cap="flat" cmpd="sng" algn="ctr">
-                      <a:solidFill>
-                        <a:srgbClr val="000000"/>
-                      </a:solidFill>
-                      <a:prstDash val="solid"/>
-                      <a:round/>
-                      <a:headEnd type="none" w="med" len="med"/>
-                      <a:tailEnd type="none" w="med" len="med"/>
-                    </a:lnL>
-                    <a:lnR w="6350" cap="flat" cmpd="sng" algn="ctr">
-                      <a:solidFill>
-                        <a:srgbClr val="000000"/>
-                      </a:solidFill>
-                      <a:prstDash val="solid"/>
-                      <a:round/>
-                      <a:headEnd type="none" w="med" len="med"/>
-                      <a:tailEnd type="none" w="med" len="med"/>
-                    </a:lnR>
-                    <a:lnT w="6350" cap="flat" cmpd="sng" algn="ctr">
-                      <a:solidFill>
-                        <a:srgbClr val="000000"/>
-                      </a:solidFill>
-                      <a:prstDash val="solid"/>
-                      <a:round/>
-                      <a:headEnd type="none" w="med" len="med"/>
-                      <a:tailEnd type="none" w="med" len="med"/>
-                    </a:lnT>
-                    <a:lnB w="6350" cap="flat" cmpd="sng" algn="ctr">
-                      <a:solidFill>
-                        <a:srgbClr val="000000"/>
-                      </a:solidFill>
-                      <a:prstDash val="solid"/>
-                      <a:round/>
-                      <a:headEnd type="none" w="med" len="med"/>
-                      <a:tailEnd type="none" w="med" len="med"/>
-                    </a:lnB>
-                  </a:tcPr>
-                </a:tc>
-                <a:tc>
-                  <a:txBody>
-                    <a:bodyPr/>
-                    <a:lstStyle/>
-                    <a:p>
                       <a:pPr algn="r" fontAlgn="b"/>
                       <a:r>
-                        <a:rPr lang="es-ES" sz="1000" b="0" i="0" u="none" strike="noStrike">
+                        <a:rPr lang="es-ES" sz="1000" b="0" i="0" u="none" strike="noStrike" dirty="0">
                           <a:solidFill>
                             <a:srgbClr val="000000"/>
                           </a:solidFill>
@@ -24178,55 +22081,329 @@
 </p:sld>
 </file>
 
+<file path=ppt/slides/slide9.xml><?xml version="1.0" encoding="utf-8"?>
+<p:sld xmlns:a="http://schemas.openxmlformats.org/drawingml/2006/main" xmlns:r="http://schemas.openxmlformats.org/officeDocument/2006/relationships" xmlns:p="http://schemas.openxmlformats.org/presentationml/2006/main">
+  <p:cSld>
+    <p:spTree>
+      <p:nvGrpSpPr>
+        <p:cNvPr id="1" name=""/>
+        <p:cNvGrpSpPr/>
+        <p:nvPr/>
+      </p:nvGrpSpPr>
+      <p:grpSpPr>
+        <a:xfrm>
+          <a:off x="0" y="0"/>
+          <a:ext cx="0" cy="0"/>
+          <a:chOff x="0" y="0"/>
+          <a:chExt cx="0" cy="0"/>
+        </a:xfrm>
+      </p:grpSpPr>
+      <p:sp>
+        <p:nvSpPr>
+          <p:cNvPr id="17" name="Title 1">
+            <a:extLst>
+              <a:ext uri="{FF2B5EF4-FFF2-40B4-BE49-F238E27FC236}">
+                <a16:creationId xmlns:a16="http://schemas.microsoft.com/office/drawing/2014/main" id="{110A10B6-2715-4D5D-B899-1B41724C2876}"/>
+              </a:ext>
+            </a:extLst>
+          </p:cNvPr>
+          <p:cNvSpPr>
+            <a:spLocks noGrp="1"/>
+          </p:cNvSpPr>
+          <p:nvPr>
+            <p:ph type="title"/>
+          </p:nvPr>
+        </p:nvSpPr>
+        <p:spPr/>
+        <p:txBody>
+          <a:bodyPr>
+            <a:normAutofit/>
+          </a:bodyPr>
+          <a:lstStyle/>
+          <a:p>
+            <a:r>
+              <a:rPr lang="en-US" sz="2800" dirty="0"/>
+              <a:t>1FN: </a:t>
+            </a:r>
+            <a:r>
+              <a:rPr lang="en-US" sz="2800" dirty="0" err="1"/>
+              <a:t>dejamos</a:t>
+            </a:r>
+            <a:r>
+              <a:rPr lang="en-US" sz="2800" dirty="0"/>
+              <a:t> </a:t>
+            </a:r>
+            <a:r>
+              <a:rPr lang="en-US" sz="2800" dirty="0" err="1"/>
+              <a:t>en</a:t>
+            </a:r>
+            <a:r>
+              <a:rPr lang="en-US" sz="2800" dirty="0"/>
+              <a:t> </a:t>
+            </a:r>
+            <a:r>
+              <a:rPr lang="en-US" sz="2800" dirty="0" err="1"/>
+              <a:t>una</a:t>
+            </a:r>
+            <a:r>
+              <a:rPr lang="en-US" sz="2800" dirty="0"/>
+              <a:t> </a:t>
+            </a:r>
+            <a:r>
+              <a:rPr lang="en-US" sz="2800" dirty="0" err="1"/>
+              <a:t>tabla</a:t>
+            </a:r>
+            <a:r>
+              <a:rPr lang="en-US" sz="2800" dirty="0"/>
+              <a:t> </a:t>
+            </a:r>
+            <a:r>
+              <a:rPr lang="en-US" sz="2800" dirty="0" err="1"/>
+              <a:t>los</a:t>
+            </a:r>
+            <a:r>
+              <a:rPr lang="en-US" sz="2800" dirty="0"/>
+              <a:t> </a:t>
+            </a:r>
+            <a:r>
+              <a:rPr lang="en-US" sz="2800" dirty="0" err="1"/>
+              <a:t>datos</a:t>
+            </a:r>
+            <a:r>
+              <a:rPr lang="en-US" sz="2800" dirty="0"/>
+              <a:t> que no se </a:t>
+            </a:r>
+            <a:r>
+              <a:rPr lang="en-US" sz="2800" dirty="0" err="1"/>
+              <a:t>repiten</a:t>
+            </a:r>
+            <a:r>
+              <a:rPr lang="en-US" sz="2800" dirty="0"/>
+              <a:t> y </a:t>
+            </a:r>
+            <a:r>
+              <a:rPr lang="en-US" sz="2800" dirty="0" err="1"/>
+              <a:t>en</a:t>
+            </a:r>
+            <a:r>
+              <a:rPr lang="en-US" sz="2800" dirty="0"/>
+              <a:t> </a:t>
+            </a:r>
+            <a:r>
+              <a:rPr lang="en-US" sz="2800" dirty="0" err="1"/>
+              <a:t>otra</a:t>
+            </a:r>
+            <a:r>
+              <a:rPr lang="en-US" sz="2800" dirty="0"/>
+              <a:t> </a:t>
+            </a:r>
+            <a:r>
+              <a:rPr lang="en-US" sz="2800" dirty="0" err="1"/>
+              <a:t>los</a:t>
+            </a:r>
+            <a:r>
+              <a:rPr lang="en-US" sz="2800" dirty="0"/>
+              <a:t> </a:t>
+            </a:r>
+            <a:r>
+              <a:rPr lang="en-US" sz="2800" dirty="0" err="1"/>
+              <a:t>repetidos</a:t>
+            </a:r>
+            <a:r>
+              <a:rPr lang="en-US" sz="2800" dirty="0"/>
+              <a:t>.</a:t>
+            </a:r>
+          </a:p>
+        </p:txBody>
+      </p:sp>
+      <p:sp>
+        <p:nvSpPr>
+          <p:cNvPr id="19" name="Text Placeholder 3">
+            <a:extLst>
+              <a:ext uri="{FF2B5EF4-FFF2-40B4-BE49-F238E27FC236}">
+                <a16:creationId xmlns:a16="http://schemas.microsoft.com/office/drawing/2014/main" id="{3D9D05D2-E19B-46E1-AB85-0FDB91826A9F}"/>
+              </a:ext>
+            </a:extLst>
+          </p:cNvPr>
+          <p:cNvSpPr>
+            <a:spLocks noGrp="1"/>
+          </p:cNvSpPr>
+          <p:nvPr>
+            <p:ph idx="1"/>
+          </p:nvPr>
+        </p:nvSpPr>
+        <p:spPr/>
+        <p:txBody>
+          <a:bodyPr>
+            <a:normAutofit/>
+          </a:bodyPr>
+          <a:lstStyle/>
+          <a:p>
+            <a:pPr algn="just"/>
+            <a:r>
+              <a:rPr lang="es-ES" b="0" i="0" dirty="0">
+                <a:solidFill>
+                  <a:schemeClr val="bg1"/>
+                </a:solidFill>
+                <a:effectLst/>
+                <a:latin typeface="Verdana" panose="020B0604030504040204" pitchFamily="34" charset="0"/>
+              </a:rPr>
+              <a:t>En la tabla anterior se repiten los atributos No de empleado, Nombre de empleado, No de departamento, Nombre de departamento y Tarifa por hora. Es decir, existe la posibilidad de que se produzcan más de una aparición de estos atributos para cada código de proyecto. Estos son los atributos que se repiten y han estado en una nueva tabla junto con una copia de la clave original (es decir: Código de proyecto).</a:t>
+            </a:r>
+          </a:p>
+          <a:p>
+            <a:pPr algn="just"/>
+            <a:r>
+              <a:rPr lang="es-ES" b="0" i="0" dirty="0">
+                <a:solidFill>
+                  <a:schemeClr val="bg1"/>
+                </a:solidFill>
+                <a:effectLst/>
+                <a:latin typeface="Verdana" panose="020B0604030504040204" pitchFamily="34" charset="0"/>
+              </a:rPr>
+              <a:t>Se ha definido una clave de Código de proyecto y Número de empleado para esta nueva tabla. Esta combinación es única para cada fila de la tabla.</a:t>
+            </a:r>
+          </a:p>
+          <a:p>
+            <a:endParaRPr lang="en-US" dirty="0"/>
+          </a:p>
+        </p:txBody>
+      </p:sp>
+      <p:sp>
+        <p:nvSpPr>
+          <p:cNvPr id="5" name="Marcador de número de diapositiva 4">
+            <a:extLst>
+              <a:ext uri="{FF2B5EF4-FFF2-40B4-BE49-F238E27FC236}">
+                <a16:creationId xmlns:a16="http://schemas.microsoft.com/office/drawing/2014/main" id="{76770FAC-961F-4C89-B06D-5E65383C04D5}"/>
+              </a:ext>
+            </a:extLst>
+          </p:cNvPr>
+          <p:cNvSpPr>
+            <a:spLocks noGrp="1"/>
+          </p:cNvSpPr>
+          <p:nvPr>
+            <p:ph type="sldNum" sz="quarter" idx="12"/>
+          </p:nvPr>
+        </p:nvSpPr>
+        <p:spPr/>
+        <p:txBody>
+          <a:bodyPr anchor="ctr">
+            <a:normAutofit/>
+          </a:bodyPr>
+          <a:lstStyle/>
+          <a:p>
+            <a:pPr>
+              <a:spcAft>
+                <a:spcPts val="600"/>
+              </a:spcAft>
+              <a:defRPr/>
+            </a:pPr>
+            <a:fld id="{E28453F8-7A8B-482B-912B-1D97498DEB72}" type="slidenum">
+              <a:rPr lang="es-ES" altLang="es-ES" smtClean="0"/>
+              <a:pPr>
+                <a:spcAft>
+                  <a:spcPts val="600"/>
+                </a:spcAft>
+                <a:defRPr/>
+              </a:pPr>
+              <a:t>9</a:t>
+            </a:fld>
+            <a:endParaRPr lang="es-ES" altLang="es-ES"/>
+          </a:p>
+        </p:txBody>
+      </p:sp>
+      <p:pic>
+        <p:nvPicPr>
+          <p:cNvPr id="11" name="Imagen 10">
+            <a:extLst>
+              <a:ext uri="{FF2B5EF4-FFF2-40B4-BE49-F238E27FC236}">
+                <a16:creationId xmlns:a16="http://schemas.microsoft.com/office/drawing/2014/main" id="{4AA4B6F3-C37C-496E-9DF5-CD45CF3C29B4}"/>
+              </a:ext>
+            </a:extLst>
+          </p:cNvPr>
+          <p:cNvPicPr>
+            <a:picLocks noChangeAspect="1"/>
+          </p:cNvPicPr>
+          <p:nvPr/>
+        </p:nvPicPr>
+        <p:blipFill>
+          <a:blip r:embed="rId2"/>
+          <a:stretch>
+            <a:fillRect/>
+          </a:stretch>
+        </p:blipFill>
+        <p:spPr>
+          <a:xfrm>
+            <a:off x="262812" y="1875094"/>
+            <a:ext cx="8252538" cy="2126200"/>
+          </a:xfrm>
+          <a:prstGeom prst="rect">
+            <a:avLst/>
+          </a:prstGeom>
+        </p:spPr>
+      </p:pic>
+    </p:spTree>
+    <p:extLst>
+      <p:ext uri="{BB962C8B-B14F-4D97-AF65-F5344CB8AC3E}">
+        <p14:creationId xmlns:p14="http://schemas.microsoft.com/office/powerpoint/2010/main" val="3474736697"/>
+      </p:ext>
+    </p:extLst>
+  </p:cSld>
+  <p:clrMapOvr>
+    <a:masterClrMapping/>
+  </p:clrMapOvr>
+</p:sld>
+</file>
+
 <file path=ppt/theme/theme1.xml><?xml version="1.0" encoding="utf-8"?>
-<a:theme xmlns:a="http://schemas.openxmlformats.org/drawingml/2006/main" name="Vista">
+<a:theme xmlns:a="http://schemas.openxmlformats.org/drawingml/2006/main" name="Tema de Office">
   <a:themeElements>
-    <a:clrScheme name="Vista">
+    <a:clrScheme name="Office">
       <a:dk1>
-        <a:srgbClr val="000000"/>
+        <a:sysClr val="windowText" lastClr="000000"/>
       </a:dk1>
       <a:lt1>
-        <a:srgbClr val="FFFFFF"/>
+        <a:sysClr val="window" lastClr="FFFFFF"/>
       </a:lt1>
       <a:dk2>
-        <a:srgbClr val="46464A"/>
+        <a:srgbClr val="0E2841"/>
       </a:dk2>
       <a:lt2>
-        <a:srgbClr val="D6D3CC"/>
+        <a:srgbClr val="E8E8E8"/>
       </a:lt2>
       <a:accent1>
-        <a:srgbClr val="6F6F74"/>
+        <a:srgbClr val="156082"/>
       </a:accent1>
       <a:accent2>
-        <a:srgbClr val="92A9B9"/>
+        <a:srgbClr val="E97132"/>
       </a:accent2>
       <a:accent3>
-        <a:srgbClr val="A7B789"/>
+        <a:srgbClr val="196B24"/>
       </a:accent3>
       <a:accent4>
-        <a:srgbClr val="B9A489"/>
+        <a:srgbClr val="0F9ED5"/>
       </a:accent4>
       <a:accent5>
-        <a:srgbClr val="8D6374"/>
+        <a:srgbClr val="A02B93"/>
       </a:accent5>
       <a:accent6>
-        <a:srgbClr val="9B7362"/>
+        <a:srgbClr val="4EA72E"/>
       </a:accent6>
       <a:hlink>
-        <a:srgbClr val="67AABF"/>
+        <a:srgbClr val="467886"/>
       </a:hlink>
       <a:folHlink>
-        <a:srgbClr val="ABAFA5"/>
+        <a:srgbClr val="96607D"/>
       </a:folHlink>
     </a:clrScheme>
-    <a:fontScheme name="Century Gothic">
+    <a:fontScheme name="Office">
       <a:majorFont>
-        <a:latin typeface="Century Gothic" panose="020F0302020204030204"/>
+        <a:latin typeface="Aptos Display" panose="02110004020202020204"/>
         <a:ea typeface=""/>
         <a:cs typeface=""/>
-        <a:font script="Jpan" typeface="メイリオ"/>
+        <a:font script="Jpan" typeface="游ゴシック Light"/>
         <a:font script="Hang" typeface="맑은 고딕"/>
-        <a:font script="Hans" typeface="宋体"/>
+        <a:font script="Hans" typeface="等线 Light"/>
         <a:font script="Hant" typeface="新細明體"/>
         <a:font script="Arab" typeface="Times New Roman"/>
         <a:font script="Hebr" typeface="Times New Roman"/>
@@ -24254,14 +22431,31 @@
         <a:font script="Viet" typeface="Times New Roman"/>
         <a:font script="Uigh" typeface="Microsoft Uighur"/>
         <a:font script="Geor" typeface="Sylfaen"/>
+        <a:font script="Armn" typeface="Arial"/>
+        <a:font script="Bugi" typeface="Leelawadee UI"/>
+        <a:font script="Bopo" typeface="Microsoft JhengHei"/>
+        <a:font script="Java" typeface="Javanese Text"/>
+        <a:font script="Lisu" typeface="Segoe UI"/>
+        <a:font script="Mymr" typeface="Myanmar Text"/>
+        <a:font script="Nkoo" typeface="Ebrima"/>
+        <a:font script="Olck" typeface="Nirmala UI"/>
+        <a:font script="Osma" typeface="Ebrima"/>
+        <a:font script="Phag" typeface="Phagspa"/>
+        <a:font script="Syrn" typeface="Estrangelo Edessa"/>
+        <a:font script="Syrj" typeface="Estrangelo Edessa"/>
+        <a:font script="Syre" typeface="Estrangelo Edessa"/>
+        <a:font script="Sora" typeface="Nirmala UI"/>
+        <a:font script="Tale" typeface="Microsoft Tai Le"/>
+        <a:font script="Talu" typeface="Microsoft New Tai Lue"/>
+        <a:font script="Tfng" typeface="Ebrima"/>
       </a:majorFont>
       <a:minorFont>
-        <a:latin typeface="Century Gothic" panose="020F0302020204030204"/>
+        <a:latin typeface="Aptos" panose="02110004020202020204"/>
         <a:ea typeface=""/>
         <a:cs typeface=""/>
-        <a:font script="Jpan" typeface="メイリオ"/>
+        <a:font script="Jpan" typeface="游ゴシック"/>
         <a:font script="Hang" typeface="맑은 고딕"/>
-        <a:font script="Hans" typeface="宋体"/>
+        <a:font script="Hans" typeface="等线"/>
         <a:font script="Hant" typeface="新細明體"/>
         <a:font script="Arab" typeface="Arial"/>
         <a:font script="Hebr" typeface="Arial"/>
@@ -24289,48 +22483,104 @@
         <a:font script="Viet" typeface="Arial"/>
         <a:font script="Uigh" typeface="Microsoft Uighur"/>
         <a:font script="Geor" typeface="Sylfaen"/>
+        <a:font script="Armn" typeface="Arial"/>
+        <a:font script="Bugi" typeface="Leelawadee UI"/>
+        <a:font script="Bopo" typeface="Microsoft JhengHei"/>
+        <a:font script="Java" typeface="Javanese Text"/>
+        <a:font script="Lisu" typeface="Segoe UI"/>
+        <a:font script="Mymr" typeface="Myanmar Text"/>
+        <a:font script="Nkoo" typeface="Ebrima"/>
+        <a:font script="Olck" typeface="Nirmala UI"/>
+        <a:font script="Osma" typeface="Ebrima"/>
+        <a:font script="Phag" typeface="Phagspa"/>
+        <a:font script="Syrn" typeface="Estrangelo Edessa"/>
+        <a:font script="Syrj" typeface="Estrangelo Edessa"/>
+        <a:font script="Syre" typeface="Estrangelo Edessa"/>
+        <a:font script="Sora" typeface="Nirmala UI"/>
+        <a:font script="Tale" typeface="Microsoft Tai Le"/>
+        <a:font script="Talu" typeface="Microsoft New Tai Lue"/>
+        <a:font script="Tfng" typeface="Ebrima"/>
       </a:minorFont>
     </a:fontScheme>
-    <a:fmtScheme name="Vista">
+    <a:fmtScheme name="Office">
       <a:fillStyleLst>
         <a:solidFill>
           <a:schemeClr val="phClr"/>
         </a:solidFill>
-        <a:solidFill>
-          <a:schemeClr val="phClr">
-            <a:tint val="60000"/>
-            <a:satMod val="120000"/>
-          </a:schemeClr>
-        </a:solidFill>
-        <a:solidFill>
-          <a:schemeClr val="phClr">
-            <a:shade val="75000"/>
-            <a:satMod val="160000"/>
-          </a:schemeClr>
-        </a:solidFill>
+        <a:gradFill rotWithShape="1">
+          <a:gsLst>
+            <a:gs pos="0">
+              <a:schemeClr val="phClr">
+                <a:lumMod val="110000"/>
+                <a:satMod val="105000"/>
+                <a:tint val="67000"/>
+              </a:schemeClr>
+            </a:gs>
+            <a:gs pos="50000">
+              <a:schemeClr val="phClr">
+                <a:lumMod val="105000"/>
+                <a:satMod val="103000"/>
+                <a:tint val="73000"/>
+              </a:schemeClr>
+            </a:gs>
+            <a:gs pos="100000">
+              <a:schemeClr val="phClr">
+                <a:lumMod val="105000"/>
+                <a:satMod val="109000"/>
+                <a:tint val="81000"/>
+              </a:schemeClr>
+            </a:gs>
+          </a:gsLst>
+          <a:lin ang="5400000" scaled="0"/>
+        </a:gradFill>
+        <a:gradFill rotWithShape="1">
+          <a:gsLst>
+            <a:gs pos="0">
+              <a:schemeClr val="phClr">
+                <a:satMod val="103000"/>
+                <a:lumMod val="102000"/>
+                <a:tint val="94000"/>
+              </a:schemeClr>
+            </a:gs>
+            <a:gs pos="50000">
+              <a:schemeClr val="phClr">
+                <a:satMod val="110000"/>
+                <a:lumMod val="100000"/>
+                <a:shade val="100000"/>
+              </a:schemeClr>
+            </a:gs>
+            <a:gs pos="100000">
+              <a:schemeClr val="phClr">
+                <a:lumMod val="99000"/>
+                <a:satMod val="120000"/>
+                <a:shade val="78000"/>
+              </a:schemeClr>
+            </a:gs>
+          </a:gsLst>
+          <a:lin ang="5400000" scaled="0"/>
+        </a:gradFill>
       </a:fillStyleLst>
       <a:lnStyleLst>
-        <a:ln w="9525" cap="flat" cmpd="sng" algn="ctr">
+        <a:ln w="12700" cap="flat" cmpd="sng" algn="ctr">
           <a:solidFill>
             <a:schemeClr val="phClr"/>
           </a:solidFill>
           <a:prstDash val="solid"/>
+          <a:miter lim="800000"/>
         </a:ln>
-        <a:ln w="13970" cap="flat" cmpd="sng" algn="ctr">
+        <a:ln w="19050" cap="flat" cmpd="sng" algn="ctr">
           <a:solidFill>
             <a:schemeClr val="phClr"/>
           </a:solidFill>
           <a:prstDash val="solid"/>
+          <a:miter lim="800000"/>
         </a:ln>
-        <a:ln w="17145" cap="flat" cmpd="sng" algn="ctr">
+        <a:ln w="25400" cap="flat" cmpd="sng" algn="ctr">
           <a:solidFill>
-            <a:schemeClr val="phClr">
-              <a:shade val="95000"/>
-              <a:alpha val="95000"/>
-              <a:satMod val="150000"/>
-            </a:schemeClr>
+            <a:schemeClr val="phClr"/>
           </a:solidFill>
           <a:prstDash val="solid"/>
+          <a:miter lim="800000"/>
         </a:ln>
       </a:lnStyleLst>
       <a:effectStyleLst>
@@ -24338,52 +22588,16 @@
           <a:effectLst/>
         </a:effectStyle>
         <a:effectStyle>
+          <a:effectLst/>
+        </a:effectStyle>
+        <a:effectStyle>
           <a:effectLst>
-            <a:outerShdw blurRad="50800" dist="15240" dir="5400000" algn="tl" rotWithShape="0">
+            <a:outerShdw blurRad="57150" dist="19050" dir="5400000" algn="ctr" rotWithShape="0">
               <a:srgbClr val="000000">
-                <a:alpha val="75000"/>
+                <a:alpha val="63000"/>
               </a:srgbClr>
             </a:outerShdw>
           </a:effectLst>
-          <a:scene3d>
-            <a:camera prst="orthographicFront">
-              <a:rot lat="0" lon="0" rev="0"/>
-            </a:camera>
-            <a:lightRig rig="brightRoom" dir="tl"/>
-          </a:scene3d>
-          <a:sp3d contourW="9525" prstMaterial="flat">
-            <a:bevelT w="0" h="0" prst="coolSlant"/>
-            <a:contourClr>
-              <a:schemeClr val="phClr">
-                <a:shade val="35000"/>
-                <a:satMod val="130000"/>
-              </a:schemeClr>
-            </a:contourClr>
-          </a:sp3d>
-        </a:effectStyle>
-        <a:effectStyle>
-          <a:effectLst>
-            <a:outerShdw blurRad="76200" dist="25400" dir="5400000" algn="tl" rotWithShape="0">
-              <a:srgbClr val="000000">
-                <a:alpha val="55000"/>
-              </a:srgbClr>
-            </a:outerShdw>
-          </a:effectLst>
-          <a:scene3d>
-            <a:camera prst="orthographicFront">
-              <a:rot lat="0" lon="0" rev="0"/>
-            </a:camera>
-            <a:lightRig rig="brightRoom" dir="tl"/>
-          </a:scene3d>
-          <a:sp3d contourW="19050" prstMaterial="flat">
-            <a:bevelT w="0" h="0" prst="coolSlant"/>
-            <a:contourClr>
-              <a:schemeClr val="phClr">
-                <a:shade val="25000"/>
-                <a:satMod val="140000"/>
-              </a:schemeClr>
-            </a:contourClr>
-          </a:sp3d>
         </a:effectStyle>
       </a:effectStyleLst>
       <a:bgFillStyleLst>
@@ -24400,32 +22614,57 @@
           <a:gsLst>
             <a:gs pos="0">
               <a:schemeClr val="phClr">
-                <a:tint val="94000"/>
+                <a:tint val="93000"/>
+                <a:satMod val="150000"/>
                 <a:shade val="98000"/>
+                <a:lumMod val="102000"/>
+              </a:schemeClr>
+            </a:gs>
+            <a:gs pos="50000">
+              <a:schemeClr val="phClr">
+                <a:tint val="98000"/>
                 <a:satMod val="130000"/>
-                <a:lumMod val="102000"/>
+                <a:shade val="90000"/>
+                <a:lumMod val="103000"/>
               </a:schemeClr>
             </a:gs>
             <a:gs pos="100000">
               <a:schemeClr val="phClr">
-                <a:tint val="98000"/>
-                <a:shade val="78000"/>
-                <a:satMod val="140000"/>
+                <a:shade val="63000"/>
+                <a:satMod val="120000"/>
               </a:schemeClr>
             </a:gs>
           </a:gsLst>
-          <a:path path="circle">
-            <a:fillToRect l="100000" t="100000" r="100000" b="100000"/>
-          </a:path>
+          <a:lin ang="5400000" scaled="0"/>
         </a:gradFill>
       </a:bgFillStyleLst>
     </a:fmtScheme>
   </a:themeElements>
-  <a:objectDefaults/>
+  <a:objectDefaults>
+    <a:lnDef>
+      <a:spPr/>
+      <a:bodyPr/>
+      <a:lstStyle/>
+      <a:style>
+        <a:lnRef idx="2">
+          <a:schemeClr val="accent1"/>
+        </a:lnRef>
+        <a:fillRef idx="0">
+          <a:schemeClr val="accent1"/>
+        </a:fillRef>
+        <a:effectRef idx="1">
+          <a:schemeClr val="accent1"/>
+        </a:effectRef>
+        <a:fontRef idx="minor">
+          <a:schemeClr val="tx1"/>
+        </a:fontRef>
+      </a:style>
+    </a:lnDef>
+  </a:objectDefaults>
   <a:extraClrSchemeLst/>
   <a:extLst>
     <a:ext uri="{05A4C25C-085E-4340-85A3-A5531E510DB2}">
-      <thm15:themeFamily xmlns:thm15="http://schemas.microsoft.com/office/thememl/2012/main" name="Unidad 2 Diseño logico de BD-modelo Relacional - PARTE3" id="{2E7BA577-7A66-4FC4-983D-E4985FC8E124}" vid="{86AA42FE-621B-4A04-A8A0-0E94DF5741D3}"/>
+      <thm15:themeFamily xmlns:thm15="http://schemas.microsoft.com/office/thememl/2012/main" name="Office Theme" id="{2E142A2C-CD16-42D6-873A-C26D2A0506FA}" vid="{1BDDFF52-6CD6-40A5-AB3C-68EB2F1E4D0A}"/>
     </a:ext>
   </a:extLst>
 </a:theme>
